--- a/服务外包/Linux使用基础.pptx
+++ b/服务外包/Linux使用基础.pptx
@@ -1,40 +1,40 @@
 
 <file path=ppt/presentation.xml><?xml version="1.0" encoding="utf-8"?>
-<p:presentation xmlns:a="http://schemas.openxmlformats.org/drawingml/2006/main" xmlns:r="http://schemas.openxmlformats.org/officeDocument/2006/relationships" xmlns:p="http://schemas.openxmlformats.org/presentationml/2006/main" saveSubsetFonts="1" autoCompressPictures="0">
+<p:presentation xmlns:a="http://schemas.openxmlformats.org/drawingml/2006/main" xmlns:r="http://schemas.openxmlformats.org/officeDocument/2006/relationships" xmlns:p="http://schemas.openxmlformats.org/presentationml/2006/main" autoCompressPictures="0">
   <p:sldMasterIdLst>
-    <p:sldMasterId id="2147483717" r:id="rId4"/>
+    <p:sldMasterId id="2147483648" r:id="rId1"/>
   </p:sldMasterIdLst>
   <p:notesMasterIdLst>
-    <p:notesMasterId r:id="rId23"/>
+    <p:notesMasterId r:id="rId4"/>
   </p:notesMasterIdLst>
   <p:handoutMasterIdLst>
-    <p:handoutMasterId r:id="rId24"/>
+    <p:handoutMasterId r:id="rId22"/>
   </p:handoutMasterIdLst>
   <p:sldIdLst>
-    <p:sldId id="348" r:id="rId5"/>
-    <p:sldId id="350" r:id="rId6"/>
-    <p:sldId id="349" r:id="rId7"/>
-    <p:sldId id="363" r:id="rId8"/>
-    <p:sldId id="351" r:id="rId9"/>
-    <p:sldId id="362" r:id="rId10"/>
-    <p:sldId id="352" r:id="rId11"/>
-    <p:sldId id="353" r:id="rId12"/>
-    <p:sldId id="365" r:id="rId13"/>
-    <p:sldId id="354" r:id="rId14"/>
-    <p:sldId id="355" r:id="rId15"/>
-    <p:sldId id="356" r:id="rId16"/>
-    <p:sldId id="357" r:id="rId17"/>
-    <p:sldId id="358" r:id="rId18"/>
-    <p:sldId id="361" r:id="rId19"/>
-    <p:sldId id="360" r:id="rId20"/>
-    <p:sldId id="359" r:id="rId21"/>
-    <p:sldId id="364" r:id="rId22"/>
+    <p:sldId id="348" r:id="rId3"/>
+    <p:sldId id="350" r:id="rId5"/>
+    <p:sldId id="349" r:id="rId6"/>
+    <p:sldId id="363" r:id="rId7"/>
+    <p:sldId id="351" r:id="rId8"/>
+    <p:sldId id="362" r:id="rId9"/>
+    <p:sldId id="352" r:id="rId10"/>
+    <p:sldId id="353" r:id="rId11"/>
+    <p:sldId id="365" r:id="rId12"/>
+    <p:sldId id="354" r:id="rId13"/>
+    <p:sldId id="355" r:id="rId14"/>
+    <p:sldId id="356" r:id="rId15"/>
+    <p:sldId id="357" r:id="rId16"/>
+    <p:sldId id="358" r:id="rId17"/>
+    <p:sldId id="361" r:id="rId18"/>
+    <p:sldId id="360" r:id="rId19"/>
+    <p:sldId id="359" r:id="rId20"/>
+    <p:sldId id="364" r:id="rId21"/>
   </p:sldIdLst>
   <p:sldSz cx="12192000" cy="6858000"/>
   <p:notesSz cx="6858000" cy="9144000"/>
   <p:defaultTextStyle>
     <a:defPPr rtl="0">
-      <a:defRPr lang="zh-cn"/>
+      <a:defRPr lang="en-US"/>
     </a:defPPr>
     <a:lvl1pPr marL="0" algn="l" defTabSz="914400" rtl="0" eaLnBrk="1" latinLnBrk="0" hangingPunct="1">
       <a:defRPr sz="1800" kern="1200">
@@ -127,14 +127,6 @@
       </a:defRPr>
     </a:lvl9pPr>
   </p:defaultTextStyle>
-  <p:extLst>
-    <p:ext uri="{EFAFB233-063F-42B5-8137-9DF3F51BA10A}">
-      <p15:sldGuideLst xmlns:p15="http://schemas.microsoft.com/office/powerpoint/2012/main"/>
-    </p:ext>
-    <p:ext uri="{2D200454-40CA-4A62-9FC3-DE9A4176ACB9}">
-      <p15:notesGuideLst xmlns:p15="http://schemas.microsoft.com/office/powerpoint/2012/main"/>
-    </p:ext>
-  </p:extLst>
 </p:presentation>
 </file>
 
@@ -164,7 +156,7 @@
         <p:nvSpPr>
           <p:cNvPr id="2" name="页眉占位符 1"/>
           <p:cNvSpPr>
-            <a:spLocks noGrp="1"/>
+            <a:spLocks noGrp="true"/>
           </p:cNvSpPr>
           <p:nvPr>
             <p:ph type="hdr" sz="quarter"/>
@@ -199,7 +191,7 @@
         <p:nvSpPr>
           <p:cNvPr id="3" name="日期占位符 2"/>
           <p:cNvSpPr>
-            <a:spLocks noGrp="1"/>
+            <a:spLocks noGrp="true"/>
           </p:cNvSpPr>
           <p:nvPr>
             <p:ph type="dt" sz="quarter" idx="1"/>
@@ -228,7 +220,6 @@
                 <a:latin typeface="Microsoft YaHei UI" panose="020B0503020204020204" pitchFamily="34" charset="-122"/>
                 <a:ea typeface="Microsoft YaHei UI" panose="020B0503020204020204" pitchFamily="34" charset="-122"/>
               </a:rPr>
-              <a:t>2020/11/12</a:t>
             </a:fld>
             <a:endParaRPr lang="zh-CN" altLang="en-US" dirty="0">
               <a:latin typeface="Microsoft YaHei UI" panose="020B0503020204020204" pitchFamily="34" charset="-122"/>
@@ -241,7 +232,7 @@
         <p:nvSpPr>
           <p:cNvPr id="4" name="页脚占位符 3"/>
           <p:cNvSpPr>
-            <a:spLocks noGrp="1"/>
+            <a:spLocks noGrp="true"/>
           </p:cNvSpPr>
           <p:nvPr>
             <p:ph type="ftr" sz="quarter" idx="2"/>
@@ -276,7 +267,7 @@
         <p:nvSpPr>
           <p:cNvPr id="5" name="灯片编号占位符 4"/>
           <p:cNvSpPr>
-            <a:spLocks noGrp="1"/>
+            <a:spLocks noGrp="true"/>
           </p:cNvSpPr>
           <p:nvPr>
             <p:ph type="sldNum" sz="quarter" idx="3"/>
@@ -305,7 +296,6 @@
                 <a:latin typeface="Microsoft YaHei UI" panose="020B0503020204020204" pitchFamily="34" charset="-122"/>
                 <a:ea typeface="Microsoft YaHei UI" panose="020B0503020204020204" pitchFamily="34" charset="-122"/>
               </a:rPr>
-              <a:t>‹#›</a:t>
             </a:fld>
             <a:endParaRPr lang="zh-CN" altLang="en-US" dirty="0">
               <a:latin typeface="Microsoft YaHei UI" panose="020B0503020204020204" pitchFamily="34" charset="-122"/>
@@ -315,11 +305,6 @@
         </p:txBody>
       </p:sp>
     </p:spTree>
-    <p:extLst>
-      <p:ext uri="{BB962C8B-B14F-4D97-AF65-F5344CB8AC3E}">
-        <p14:creationId xmlns:p14="http://schemas.microsoft.com/office/powerpoint/2010/main" val="226876185"/>
-      </p:ext>
-    </p:extLst>
   </p:cSld>
   <p:clrMap bg1="lt1" tx1="dk1" bg2="lt2" tx2="dk2" accent1="accent1" accent2="accent2" accent3="accent3" accent4="accent4" accent5="accent5" accent6="accent6" hlink="hlink" folHlink="folHlink"/>
   <p:hf hdr="0" ftr="0" dt="0"/>
@@ -352,7 +337,7 @@
         <p:nvSpPr>
           <p:cNvPr id="2" name="页眉占位符 1"/>
           <p:cNvSpPr>
-            <a:spLocks noGrp="1"/>
+            <a:spLocks noGrp="true"/>
           </p:cNvSpPr>
           <p:nvPr>
             <p:ph type="hdr" sz="quarter"/>
@@ -386,7 +371,7 @@
         <p:nvSpPr>
           <p:cNvPr id="3" name="日期占位符 2"/>
           <p:cNvSpPr>
-            <a:spLocks noGrp="1"/>
+            <a:spLocks noGrp="true"/>
           </p:cNvSpPr>
           <p:nvPr>
             <p:ph type="dt" idx="1"/>
@@ -414,7 +399,6 @@
           <a:p>
             <a:fld id="{6DA018B7-25C7-40E8-838D-A07AF4F1048E}" type="datetime1">
               <a:rPr lang="zh-CN" altLang="en-US" noProof="0" smtClean="0"/>
-              <a:t>2020/11/12</a:t>
             </a:fld>
             <a:endParaRPr lang="zh-CN" altLang="en-US" noProof="0" dirty="0"/>
           </a:p>
@@ -424,7 +408,7 @@
         <p:nvSpPr>
           <p:cNvPr id="4" name="幻灯片图像占位符 3"/>
           <p:cNvSpPr>
-            <a:spLocks noGrp="1" noRot="1" noChangeAspect="1"/>
+            <a:spLocks noGrp="true" noRot="true" noChangeAspect="true"/>
           </p:cNvSpPr>
           <p:nvPr>
             <p:ph type="sldImg" idx="2"/>
@@ -458,7 +442,7 @@
         <p:nvSpPr>
           <p:cNvPr id="5" name="备注占位符 4"/>
           <p:cNvSpPr>
-            <a:spLocks noGrp="1"/>
+            <a:spLocks noGrp="true"/>
           </p:cNvSpPr>
           <p:nvPr>
             <p:ph type="body" sz="quarter" idx="3"/>
@@ -482,6 +466,7 @@
               <a:rPr lang="zh-CN" altLang="en-US" noProof="0" dirty="0"/>
               <a:t>单击此处编辑母版文本样式</a:t>
             </a:r>
+            <a:endParaRPr lang="zh-CN" altLang="en-US" noProof="0" dirty="0"/>
           </a:p>
           <a:p>
             <a:pPr lvl="1" rtl="0"/>
@@ -489,6 +474,7 @@
               <a:rPr lang="zh-CN" altLang="en-US" noProof="0" dirty="0"/>
               <a:t>第二级</a:t>
             </a:r>
+            <a:endParaRPr lang="zh-CN" altLang="en-US" noProof="0" dirty="0"/>
           </a:p>
           <a:p>
             <a:pPr lvl="2" rtl="0"/>
@@ -496,6 +482,7 @@
               <a:rPr lang="zh-CN" altLang="en-US" noProof="0" dirty="0"/>
               <a:t>第三级</a:t>
             </a:r>
+            <a:endParaRPr lang="zh-CN" altLang="en-US" noProof="0" dirty="0"/>
           </a:p>
           <a:p>
             <a:pPr lvl="3" rtl="0"/>
@@ -503,6 +490,7 @@
               <a:rPr lang="zh-CN" altLang="en-US" noProof="0" dirty="0"/>
               <a:t>第四级</a:t>
             </a:r>
+            <a:endParaRPr lang="zh-CN" altLang="en-US" noProof="0" dirty="0"/>
           </a:p>
           <a:p>
             <a:pPr lvl="4" rtl="0"/>
@@ -510,6 +498,7 @@
               <a:rPr lang="zh-CN" altLang="en-US" noProof="0" dirty="0"/>
               <a:t>第五级</a:t>
             </a:r>
+            <a:endParaRPr lang="zh-CN" altLang="en-US" noProof="0" dirty="0"/>
           </a:p>
         </p:txBody>
       </p:sp>
@@ -517,7 +506,7 @@
         <p:nvSpPr>
           <p:cNvPr id="6" name="页脚占位符 5"/>
           <p:cNvSpPr>
-            <a:spLocks noGrp="1"/>
+            <a:spLocks noGrp="true"/>
           </p:cNvSpPr>
           <p:nvPr>
             <p:ph type="ftr" sz="quarter" idx="4"/>
@@ -551,7 +540,7 @@
         <p:nvSpPr>
           <p:cNvPr id="7" name="灯片编号占位符 6"/>
           <p:cNvSpPr>
-            <a:spLocks noGrp="1"/>
+            <a:spLocks noGrp="true"/>
           </p:cNvSpPr>
           <p:nvPr>
             <p:ph type="sldNum" sz="quarter" idx="5"/>
@@ -579,19 +568,12 @@
           <a:p>
             <a:fld id="{34DD8812-632B-44E3-B183-D20ADC793C3A}" type="slidenum">
               <a:rPr lang="en-US" altLang="zh-CN" noProof="0" smtClean="0"/>
-              <a:pPr/>
-              <a:t>‹#›</a:t>
             </a:fld>
             <a:endParaRPr lang="zh-CN" altLang="en-US" noProof="0" dirty="0"/>
           </a:p>
         </p:txBody>
       </p:sp>
     </p:spTree>
-    <p:extLst>
-      <p:ext uri="{BB962C8B-B14F-4D97-AF65-F5344CB8AC3E}">
-        <p14:creationId xmlns:p14="http://schemas.microsoft.com/office/powerpoint/2010/main" val="2390637493"/>
-      </p:ext>
-    </p:extLst>
   </p:cSld>
   <p:clrMap bg1="lt1" tx1="dk1" bg2="lt2" tx2="dk2" accent1="accent1" accent2="accent2" accent3="accent3" accent4="accent4" accent5="accent5" accent6="accent6" hlink="hlink" folHlink="folHlink"/>
   <p:hf hdr="0" ftr="0" dt="0"/>
@@ -711,7 +693,7 @@
         <p:nvSpPr>
           <p:cNvPr id="2" name="幻灯片图像占位符 1"/>
           <p:cNvSpPr>
-            <a:spLocks noGrp="1" noRot="1" noChangeAspect="1"/>
+            <a:spLocks noGrp="true" noRot="true" noChangeAspect="true"/>
           </p:cNvSpPr>
           <p:nvPr>
             <p:ph type="sldImg"/>
@@ -723,7 +705,7 @@
         <p:nvSpPr>
           <p:cNvPr id="3" name="备注占位符 2"/>
           <p:cNvSpPr>
-            <a:spLocks noGrp="1"/>
+            <a:spLocks noGrp="true"/>
           </p:cNvSpPr>
           <p:nvPr>
             <p:ph type="body" idx="1"/>
@@ -746,7 +728,7 @@
         <p:nvSpPr>
           <p:cNvPr id="4" name="幻灯片编号占位符 3"/>
           <p:cNvSpPr>
-            <a:spLocks noGrp="1"/>
+            <a:spLocks noGrp="true"/>
           </p:cNvSpPr>
           <p:nvPr>
             <p:ph type="sldNum" sz="quarter" idx="10"/>
@@ -763,7 +745,6 @@
                 <a:latin typeface="Microsoft YaHei UI" panose="020B0503020204020204" pitchFamily="34" charset="-122"/>
                 <a:ea typeface="Microsoft YaHei UI" panose="020B0503020204020204" pitchFamily="34" charset="-122"/>
               </a:rPr>
-              <a:t>1</a:t>
             </a:fld>
             <a:endParaRPr lang="zh-CN" altLang="en-US" dirty="0">
               <a:latin typeface="Microsoft YaHei UI" panose="020B0503020204020204" pitchFamily="34" charset="-122"/>
@@ -773,11 +754,6 @@
         </p:txBody>
       </p:sp>
     </p:spTree>
-    <p:extLst>
-      <p:ext uri="{BB962C8B-B14F-4D97-AF65-F5344CB8AC3E}">
-        <p14:creationId xmlns:p14="http://schemas.microsoft.com/office/powerpoint/2010/main" val="1917611160"/>
-      </p:ext>
-    </p:extLst>
   </p:cSld>
   <p:clrMapOvr>
     <a:masterClrMapping/>
@@ -806,7 +782,7 @@
         <p:nvSpPr>
           <p:cNvPr id="2" name="幻灯片图像占位符 1"/>
           <p:cNvSpPr>
-            <a:spLocks noGrp="1" noRot="1" noChangeAspect="1"/>
+            <a:spLocks noGrp="true" noRot="true" noChangeAspect="true"/>
           </p:cNvSpPr>
           <p:nvPr>
             <p:ph type="sldImg"/>
@@ -818,7 +794,7 @@
         <p:nvSpPr>
           <p:cNvPr id="3" name="备注占位符 2"/>
           <p:cNvSpPr>
-            <a:spLocks noGrp="1"/>
+            <a:spLocks noGrp="true"/>
           </p:cNvSpPr>
           <p:nvPr>
             <p:ph type="body" idx="1"/>
@@ -841,7 +817,7 @@
         <p:nvSpPr>
           <p:cNvPr id="4" name="幻灯片编号占位符 3"/>
           <p:cNvSpPr>
-            <a:spLocks noGrp="1"/>
+            <a:spLocks noGrp="true"/>
           </p:cNvSpPr>
           <p:nvPr>
             <p:ph type="sldNum" sz="quarter" idx="10"/>
@@ -858,7 +834,6 @@
                 <a:latin typeface="Microsoft YaHei UI" panose="020B0503020204020204" pitchFamily="34" charset="-122"/>
                 <a:ea typeface="Microsoft YaHei UI" panose="020B0503020204020204" pitchFamily="34" charset="-122"/>
               </a:rPr>
-              <a:t>3</a:t>
             </a:fld>
             <a:endParaRPr lang="zh-CN" altLang="en-US" dirty="0">
               <a:latin typeface="Microsoft YaHei UI" panose="020B0503020204020204" pitchFamily="34" charset="-122"/>
@@ -868,11 +843,6 @@
         </p:txBody>
       </p:sp>
     </p:spTree>
-    <p:extLst>
-      <p:ext uri="{BB962C8B-B14F-4D97-AF65-F5344CB8AC3E}">
-        <p14:creationId xmlns:p14="http://schemas.microsoft.com/office/powerpoint/2010/main" val="64733707"/>
-      </p:ext>
-    </p:extLst>
   </p:cSld>
   <p:clrMapOvr>
     <a:masterClrMapping/>
@@ -881,7 +851,7 @@
 </file>
 
 <file path=ppt/slideLayouts/slideLayout1.xml><?xml version="1.0" encoding="utf-8"?>
-<p:sldLayout xmlns:a="http://schemas.openxmlformats.org/drawingml/2006/main" xmlns:r="http://schemas.openxmlformats.org/officeDocument/2006/relationships" xmlns:p="http://schemas.openxmlformats.org/presentationml/2006/main" showMasterSp="0" type="title" preserve="1">
+<p:sldLayout xmlns:a="http://schemas.openxmlformats.org/drawingml/2006/main" xmlns:r="http://schemas.openxmlformats.org/officeDocument/2006/relationships" xmlns:p="http://schemas.openxmlformats.org/presentationml/2006/main" type="title" preserve="1" showMasterSp="0">
   <p:cSld name="标题幻灯片">
     <p:spTree>
       <p:nvGrpSpPr>
@@ -901,7 +871,7 @@
         <p:nvSpPr>
           <p:cNvPr id="2" name="标题 1"/>
           <p:cNvSpPr>
-            <a:spLocks noGrp="1"/>
+            <a:spLocks noGrp="true"/>
           </p:cNvSpPr>
           <p:nvPr>
             <p:ph type="ctrTitle"/>
@@ -951,7 +921,7 @@
         <p:nvSpPr>
           <p:cNvPr id="3" name="副标题 2"/>
           <p:cNvSpPr>
-            <a:spLocks noGrp="1"/>
+            <a:spLocks noGrp="true"/>
           </p:cNvSpPr>
           <p:nvPr>
             <p:ph type="subTitle" idx="1"/>
@@ -1023,13 +993,7 @@
       </p:sp>
       <p:cxnSp>
         <p:nvCxnSpPr>
-          <p:cNvPr id="9" name="直接连接符​​(S) 8">
-            <a:extLst>
-              <a:ext uri="{FF2B5EF4-FFF2-40B4-BE49-F238E27FC236}">
-                <a16:creationId xmlns:a16="http://schemas.microsoft.com/office/drawing/2014/main" id="{1F5DC8C3-BA5F-4EED-BB9A-A14272BD82A1}"/>
-              </a:ext>
-            </a:extLst>
-          </p:cNvPr>
+          <p:cNvPr id="9" name="直接连接符​​(S) 8"/>
           <p:cNvCxnSpPr/>
           <p:nvPr/>
         </p:nvCxnSpPr>
@@ -1067,15 +1031,9 @@
       </p:cxnSp>
       <p:sp>
         <p:nvSpPr>
-          <p:cNvPr id="4" name="日期占位符 3">
-            <a:extLst>
-              <a:ext uri="{FF2B5EF4-FFF2-40B4-BE49-F238E27FC236}">
-                <a16:creationId xmlns:a16="http://schemas.microsoft.com/office/drawing/2014/main" id="{9925CCF1-92C0-4AF3-BFAF-4921631915AB}"/>
-              </a:ext>
-            </a:extLst>
-          </p:cNvPr>
+          <p:cNvPr id="4" name="日期占位符 3"/>
           <p:cNvSpPr>
-            <a:spLocks noGrp="1"/>
+            <a:spLocks noGrp="true"/>
           </p:cNvSpPr>
           <p:nvPr>
             <p:ph type="dt" sz="half" idx="10"/>
@@ -1095,7 +1053,6 @@
           <a:p>
             <a:fld id="{41A404CF-1042-4ADE-846A-A8B97ED9DD56}" type="datetime1">
               <a:rPr lang="zh-CN" altLang="en-US" noProof="0" smtClean="0"/>
-              <a:t>2020/11/12</a:t>
             </a:fld>
             <a:endParaRPr lang="zh-CN" altLang="en-US" noProof="0" dirty="0"/>
           </a:p>
@@ -1103,15 +1060,9 @@
       </p:sp>
       <p:sp>
         <p:nvSpPr>
-          <p:cNvPr id="5" name="页脚占位符 4">
-            <a:extLst>
-              <a:ext uri="{FF2B5EF4-FFF2-40B4-BE49-F238E27FC236}">
-                <a16:creationId xmlns:a16="http://schemas.microsoft.com/office/drawing/2014/main" id="{051A78A9-3DFF-4937-A9F2-5D8CF495F367}"/>
-              </a:ext>
-            </a:extLst>
-          </p:cNvPr>
+          <p:cNvPr id="5" name="页脚占位符 4"/>
           <p:cNvSpPr>
-            <a:spLocks noGrp="1"/>
+            <a:spLocks noGrp="true"/>
           </p:cNvSpPr>
           <p:nvPr>
             <p:ph type="ftr" sz="quarter" idx="11"/>
@@ -1135,15 +1086,9 @@
       </p:sp>
       <p:sp>
         <p:nvSpPr>
-          <p:cNvPr id="6" name="灯片编号占位符 5">
-            <a:extLst>
-              <a:ext uri="{FF2B5EF4-FFF2-40B4-BE49-F238E27FC236}">
-                <a16:creationId xmlns:a16="http://schemas.microsoft.com/office/drawing/2014/main" id="{5FAEB271-5CC0-4759-BC6E-8BE53AB227C0}"/>
-              </a:ext>
-            </a:extLst>
-          </p:cNvPr>
+          <p:cNvPr id="6" name="灯片编号占位符 5"/>
           <p:cNvSpPr>
-            <a:spLocks noGrp="1"/>
+            <a:spLocks noGrp="true"/>
           </p:cNvSpPr>
           <p:nvPr>
             <p:ph type="sldNum" sz="quarter" idx="12"/>
@@ -1163,8 +1108,6 @@
           <a:p>
             <a:fld id="{3A98EE3D-8CD1-4C3F-BD1C-C98C9596463C}" type="slidenum">
               <a:rPr lang="en-US" altLang="zh-CN" noProof="0" smtClean="0"/>
-              <a:pPr/>
-              <a:t>‹#›</a:t>
             </a:fld>
             <a:endParaRPr lang="zh-CN" altLang="en-US" noProof="0" dirty="0"/>
           </a:p>
@@ -1172,15 +1115,9 @@
       </p:sp>
       <p:sp>
         <p:nvSpPr>
-          <p:cNvPr id="11" name="椭圆形 10">
-            <a:extLst>
-              <a:ext uri="{FF2B5EF4-FFF2-40B4-BE49-F238E27FC236}">
-                <a16:creationId xmlns:a16="http://schemas.microsoft.com/office/drawing/2014/main" id="{68EC5FC9-F7D0-0141-850B-7623CA81A775}"/>
-              </a:ext>
-            </a:extLst>
-          </p:cNvPr>
+          <p:cNvPr id="11" name="椭圆形 10"/>
           <p:cNvSpPr/>
-          <p:nvPr userDrawn="1"/>
+          <p:nvPr userDrawn="true"/>
         </p:nvSpPr>
         <p:spPr>
           <a:xfrm>
@@ -1228,15 +1165,9 @@
       </p:sp>
       <p:sp>
         <p:nvSpPr>
-          <p:cNvPr id="12" name="椭圆形 11">
-            <a:extLst>
-              <a:ext uri="{FF2B5EF4-FFF2-40B4-BE49-F238E27FC236}">
-                <a16:creationId xmlns:a16="http://schemas.microsoft.com/office/drawing/2014/main" id="{B8F839E6-7F1F-6E4D-B83C-F5DA99E98229}"/>
-              </a:ext>
-            </a:extLst>
-          </p:cNvPr>
+          <p:cNvPr id="12" name="椭圆形 11"/>
           <p:cNvSpPr/>
-          <p:nvPr userDrawn="1"/>
+          <p:nvPr userDrawn="true"/>
         </p:nvSpPr>
         <p:spPr>
           <a:xfrm>
@@ -1283,15 +1214,9 @@
       </p:sp>
       <p:sp>
         <p:nvSpPr>
-          <p:cNvPr id="13" name="椭圆形 12">
-            <a:extLst>
-              <a:ext uri="{FF2B5EF4-FFF2-40B4-BE49-F238E27FC236}">
-                <a16:creationId xmlns:a16="http://schemas.microsoft.com/office/drawing/2014/main" id="{5EACA50E-A3A8-9D41-B30C-03B00FB2DEF0}"/>
-              </a:ext>
-            </a:extLst>
-          </p:cNvPr>
+          <p:cNvPr id="13" name="椭圆形 12"/>
           <p:cNvSpPr/>
-          <p:nvPr userDrawn="1"/>
+          <p:nvPr userDrawn="true"/>
         </p:nvSpPr>
         <p:spPr>
           <a:xfrm>
@@ -1338,15 +1263,9 @@
       </p:sp>
       <p:sp>
         <p:nvSpPr>
-          <p:cNvPr id="14" name="椭圆形 13">
-            <a:extLst>
-              <a:ext uri="{FF2B5EF4-FFF2-40B4-BE49-F238E27FC236}">
-                <a16:creationId xmlns:a16="http://schemas.microsoft.com/office/drawing/2014/main" id="{EA92073B-F20B-034A-BC3A-9B993F0DD0BA}"/>
-              </a:ext>
-            </a:extLst>
-          </p:cNvPr>
+          <p:cNvPr id="14" name="椭圆形 13"/>
           <p:cNvSpPr/>
-          <p:nvPr userDrawn="1"/>
+          <p:nvPr userDrawn="true"/>
         </p:nvSpPr>
         <p:spPr>
           <a:xfrm>
@@ -1393,15 +1312,9 @@
       </p:sp>
       <p:sp>
         <p:nvSpPr>
-          <p:cNvPr id="15" name="椭圆形 14">
-            <a:extLst>
-              <a:ext uri="{FF2B5EF4-FFF2-40B4-BE49-F238E27FC236}">
-                <a16:creationId xmlns:a16="http://schemas.microsoft.com/office/drawing/2014/main" id="{C4091F50-D240-B145-B0B1-DAEDDFDE34AD}"/>
-              </a:ext>
-            </a:extLst>
-          </p:cNvPr>
+          <p:cNvPr id="15" name="椭圆形 14"/>
           <p:cNvSpPr/>
-          <p:nvPr userDrawn="1"/>
+          <p:nvPr userDrawn="true"/>
         </p:nvSpPr>
         <p:spPr>
           <a:xfrm>
@@ -1448,11 +1361,6 @@
         </p:txBody>
       </p:sp>
     </p:spTree>
-    <p:extLst>
-      <p:ext uri="{BB962C8B-B14F-4D97-AF65-F5344CB8AC3E}">
-        <p14:creationId xmlns:p14="http://schemas.microsoft.com/office/powerpoint/2010/main" val="672700581"/>
-      </p:ext>
-    </p:extLst>
   </p:cSld>
   <p:clrMapOvr>
     <a:masterClrMapping/>
@@ -1481,7 +1389,7 @@
         <p:nvSpPr>
           <p:cNvPr id="3" name="内容占位符 2"/>
           <p:cNvSpPr>
-            <a:spLocks noGrp="1"/>
+            <a:spLocks noGrp="true"/>
           </p:cNvSpPr>
           <p:nvPr>
             <p:ph idx="1"/>
@@ -1528,6 +1436,7 @@
               <a:rPr lang="zh-CN" altLang="en-US" noProof="0"/>
               <a:t>单击此处编辑母版文本样式</a:t>
             </a:r>
+            <a:endParaRPr lang="zh-CN" altLang="en-US" noProof="0"/>
           </a:p>
           <a:p>
             <a:pPr lvl="1" rtl="0"/>
@@ -1535,6 +1444,7 @@
               <a:rPr lang="zh-CN" altLang="en-US" noProof="0"/>
               <a:t>二级</a:t>
             </a:r>
+            <a:endParaRPr lang="zh-CN" altLang="en-US" noProof="0"/>
           </a:p>
           <a:p>
             <a:pPr lvl="2" rtl="0"/>
@@ -1542,6 +1452,7 @@
               <a:rPr lang="zh-CN" altLang="en-US" noProof="0"/>
               <a:t>三级</a:t>
             </a:r>
+            <a:endParaRPr lang="zh-CN" altLang="en-US" noProof="0"/>
           </a:p>
           <a:p>
             <a:pPr lvl="3" rtl="0"/>
@@ -1549,6 +1460,7 @@
               <a:rPr lang="zh-CN" altLang="en-US" noProof="0"/>
               <a:t>四级</a:t>
             </a:r>
+            <a:endParaRPr lang="zh-CN" altLang="en-US" noProof="0"/>
           </a:p>
           <a:p>
             <a:pPr lvl="4" rtl="0"/>
@@ -1562,15 +1474,9 @@
       </p:sp>
       <p:sp>
         <p:nvSpPr>
-          <p:cNvPr id="7" name="日期占位符 6">
-            <a:extLst>
-              <a:ext uri="{FF2B5EF4-FFF2-40B4-BE49-F238E27FC236}">
-                <a16:creationId xmlns:a16="http://schemas.microsoft.com/office/drawing/2014/main" id="{354D8B55-9EA8-4B81-8E84-9B93B0A27559}"/>
-              </a:ext>
-            </a:extLst>
-          </p:cNvPr>
+          <p:cNvPr id="7" name="日期占位符 6"/>
           <p:cNvSpPr>
-            <a:spLocks noGrp="1"/>
+            <a:spLocks noGrp="true"/>
           </p:cNvSpPr>
           <p:nvPr>
             <p:ph type="dt" sz="half" idx="10"/>
@@ -1590,7 +1496,6 @@
           <a:p>
             <a:fld id="{C48E6F1B-E46E-42C2-BE93-17F8DED77868}" type="datetime1">
               <a:rPr lang="zh-CN" altLang="en-US" noProof="0" smtClean="0"/>
-              <a:t>2020/11/12</a:t>
             </a:fld>
             <a:endParaRPr lang="zh-CN" altLang="en-US" noProof="0" dirty="0"/>
           </a:p>
@@ -1598,15 +1503,9 @@
       </p:sp>
       <p:sp>
         <p:nvSpPr>
-          <p:cNvPr id="8" name="页脚占位符 7">
-            <a:extLst>
-              <a:ext uri="{FF2B5EF4-FFF2-40B4-BE49-F238E27FC236}">
-                <a16:creationId xmlns:a16="http://schemas.microsoft.com/office/drawing/2014/main" id="{062CA021-2578-47CB-822C-BDDFF7223B28}"/>
-              </a:ext>
-            </a:extLst>
-          </p:cNvPr>
+          <p:cNvPr id="8" name="页脚占位符 7"/>
           <p:cNvSpPr>
-            <a:spLocks noGrp="1"/>
+            <a:spLocks noGrp="true"/>
           </p:cNvSpPr>
           <p:nvPr>
             <p:ph type="ftr" sz="quarter" idx="11"/>
@@ -1630,15 +1529,9 @@
       </p:sp>
       <p:sp>
         <p:nvSpPr>
-          <p:cNvPr id="9" name="灯片编号占位符 8">
-            <a:extLst>
-              <a:ext uri="{FF2B5EF4-FFF2-40B4-BE49-F238E27FC236}">
-                <a16:creationId xmlns:a16="http://schemas.microsoft.com/office/drawing/2014/main" id="{C4AAB51D-4141-4682-9375-DAFD5FB9DD10}"/>
-              </a:ext>
-            </a:extLst>
-          </p:cNvPr>
+          <p:cNvPr id="9" name="灯片编号占位符 8"/>
           <p:cNvSpPr>
-            <a:spLocks noGrp="1"/>
+            <a:spLocks noGrp="true"/>
           </p:cNvSpPr>
           <p:nvPr>
             <p:ph type="sldNum" sz="quarter" idx="12"/>
@@ -1658,8 +1551,6 @@
           <a:p>
             <a:fld id="{3A98EE3D-8CD1-4C3F-BD1C-C98C9596463C}" type="slidenum">
               <a:rPr lang="en-US" altLang="zh-CN" noProof="0" smtClean="0"/>
-              <a:pPr/>
-              <a:t>‹#›</a:t>
             </a:fld>
             <a:endParaRPr lang="zh-CN" altLang="en-US" noProof="0" dirty="0"/>
           </a:p>
@@ -1667,15 +1558,9 @@
       </p:sp>
       <p:grpSp>
         <p:nvGrpSpPr>
-          <p:cNvPr id="21" name="组 20">
-            <a:extLst>
-              <a:ext uri="{FF2B5EF4-FFF2-40B4-BE49-F238E27FC236}">
-                <a16:creationId xmlns:a16="http://schemas.microsoft.com/office/drawing/2014/main" id="{7A2141DD-8D8D-FA43-BD4F-2CFC93C87782}"/>
-              </a:ext>
-            </a:extLst>
-          </p:cNvPr>
+          <p:cNvPr id="21" name="组 20"/>
           <p:cNvGrpSpPr/>
-          <p:nvPr userDrawn="1"/>
+          <p:nvPr userDrawn="true"/>
         </p:nvGrpSpPr>
         <p:grpSpPr>
           <a:xfrm rot="5400000">
@@ -1687,15 +1572,9 @@
         </p:grpSpPr>
         <p:sp>
           <p:nvSpPr>
-            <p:cNvPr id="22" name="椭圆形 21">
-              <a:extLst>
-                <a:ext uri="{FF2B5EF4-FFF2-40B4-BE49-F238E27FC236}">
-                  <a16:creationId xmlns:a16="http://schemas.microsoft.com/office/drawing/2014/main" id="{71A62821-5E0F-DE41-B5C2-17A3A7277F4E}"/>
-                </a:ext>
-              </a:extLst>
-            </p:cNvPr>
+            <p:cNvPr id="22" name="椭圆形 21"/>
             <p:cNvSpPr/>
-            <p:nvPr userDrawn="1"/>
+            <p:nvPr userDrawn="true"/>
           </p:nvSpPr>
           <p:spPr>
             <a:xfrm>
@@ -1742,15 +1621,9 @@
         </p:sp>
         <p:sp>
           <p:nvSpPr>
-            <p:cNvPr id="23" name="椭圆形 22">
-              <a:extLst>
-                <a:ext uri="{FF2B5EF4-FFF2-40B4-BE49-F238E27FC236}">
-                  <a16:creationId xmlns:a16="http://schemas.microsoft.com/office/drawing/2014/main" id="{C311AE14-D8F0-1D4C-9D8D-603836582793}"/>
-                </a:ext>
-              </a:extLst>
-            </p:cNvPr>
+            <p:cNvPr id="23" name="椭圆形 22"/>
             <p:cNvSpPr/>
-            <p:nvPr userDrawn="1"/>
+            <p:nvPr userDrawn="true"/>
           </p:nvSpPr>
           <p:spPr>
             <a:xfrm>
@@ -1797,15 +1670,9 @@
         </p:sp>
         <p:sp>
           <p:nvSpPr>
-            <p:cNvPr id="24" name="椭圆形 23">
-              <a:extLst>
-                <a:ext uri="{FF2B5EF4-FFF2-40B4-BE49-F238E27FC236}">
-                  <a16:creationId xmlns:a16="http://schemas.microsoft.com/office/drawing/2014/main" id="{1F2BE645-D4F2-304C-9AFA-473D8F888A85}"/>
-                </a:ext>
-              </a:extLst>
-            </p:cNvPr>
+            <p:cNvPr id="24" name="椭圆形 23"/>
             <p:cNvSpPr/>
-            <p:nvPr userDrawn="1"/>
+            <p:nvPr userDrawn="true"/>
           </p:nvSpPr>
           <p:spPr>
             <a:xfrm>
@@ -1852,15 +1719,9 @@
         </p:sp>
         <p:sp>
           <p:nvSpPr>
-            <p:cNvPr id="25" name="椭圆形 24">
-              <a:extLst>
-                <a:ext uri="{FF2B5EF4-FFF2-40B4-BE49-F238E27FC236}">
-                  <a16:creationId xmlns:a16="http://schemas.microsoft.com/office/drawing/2014/main" id="{93640330-30A6-6948-87A7-9DE6D41794F5}"/>
-                </a:ext>
-              </a:extLst>
-            </p:cNvPr>
+            <p:cNvPr id="25" name="椭圆形 24"/>
             <p:cNvSpPr/>
-            <p:nvPr userDrawn="1"/>
+            <p:nvPr userDrawn="true"/>
           </p:nvSpPr>
           <p:spPr>
             <a:xfrm>
@@ -1907,15 +1768,9 @@
         </p:sp>
         <p:sp>
           <p:nvSpPr>
-            <p:cNvPr id="26" name="椭圆形 25">
-              <a:extLst>
-                <a:ext uri="{FF2B5EF4-FFF2-40B4-BE49-F238E27FC236}">
-                  <a16:creationId xmlns:a16="http://schemas.microsoft.com/office/drawing/2014/main" id="{ADFB6548-D83C-1D4E-AE87-2E8F1D3D0FA7}"/>
-                </a:ext>
-              </a:extLst>
-            </p:cNvPr>
+            <p:cNvPr id="26" name="椭圆形 25"/>
             <p:cNvSpPr/>
-            <p:nvPr userDrawn="1"/>
+            <p:nvPr userDrawn="true"/>
           </p:nvSpPr>
           <p:spPr>
             <a:xfrm>
@@ -1962,15 +1817,9 @@
         </p:sp>
         <p:sp>
           <p:nvSpPr>
-            <p:cNvPr id="27" name="椭圆形 26">
-              <a:extLst>
-                <a:ext uri="{FF2B5EF4-FFF2-40B4-BE49-F238E27FC236}">
-                  <a16:creationId xmlns:a16="http://schemas.microsoft.com/office/drawing/2014/main" id="{D97C7400-7EDC-8845-AB5A-80FB8175C1E2}"/>
-                </a:ext>
-              </a:extLst>
-            </p:cNvPr>
+            <p:cNvPr id="27" name="椭圆形 26"/>
             <p:cNvSpPr/>
-            <p:nvPr userDrawn="1"/>
+            <p:nvPr userDrawn="true"/>
           </p:nvSpPr>
           <p:spPr>
             <a:xfrm>
@@ -2018,18 +1867,12 @@
       </p:grpSp>
       <p:sp>
         <p:nvSpPr>
-          <p:cNvPr id="28" name="标题 1">
-            <a:extLst>
-              <a:ext uri="{FF2B5EF4-FFF2-40B4-BE49-F238E27FC236}">
-                <a16:creationId xmlns:a16="http://schemas.microsoft.com/office/drawing/2014/main" id="{BC941C44-9B96-0040-8C71-D8364EB577C2}"/>
-              </a:ext>
-            </a:extLst>
-          </p:cNvPr>
+          <p:cNvPr id="28" name="标题 1"/>
           <p:cNvSpPr>
-            <a:spLocks noGrp="1"/>
+            <a:spLocks noGrp="true"/>
           </p:cNvSpPr>
           <p:nvPr>
-            <p:ph type="title" hasCustomPrompt="1"/>
+            <p:ph type="title" hasCustomPrompt="true"/>
           </p:nvPr>
         </p:nvSpPr>
         <p:spPr>
@@ -2059,20 +1902,15 @@
               <a:rPr lang="zh-CN" altLang="en-US" noProof="0" dirty="0"/>
               <a:t>在此处输入标题</a:t>
             </a:r>
-          </a:p>
-        </p:txBody>
-      </p:sp>
-      <p:sp>
-        <p:nvSpPr>
-          <p:cNvPr id="29" name="椭圆形 28">
-            <a:extLst>
-              <a:ext uri="{FF2B5EF4-FFF2-40B4-BE49-F238E27FC236}">
-                <a16:creationId xmlns:a16="http://schemas.microsoft.com/office/drawing/2014/main" id="{E014993B-5057-2A4C-9CA0-383DC5504020}"/>
-              </a:ext>
-            </a:extLst>
-          </p:cNvPr>
+            <a:endParaRPr lang="zh-CN" altLang="en-US" noProof="0" dirty="0"/>
+          </a:p>
+        </p:txBody>
+      </p:sp>
+      <p:sp>
+        <p:nvSpPr>
+          <p:cNvPr id="29" name="椭圆形 28"/>
           <p:cNvSpPr/>
-          <p:nvPr userDrawn="1"/>
+          <p:nvPr userDrawn="true"/>
         </p:nvSpPr>
         <p:spPr>
           <a:xfrm>
@@ -2120,15 +1958,9 @@
       </p:sp>
       <p:sp>
         <p:nvSpPr>
-          <p:cNvPr id="31" name="椭圆形 30">
-            <a:extLst>
-              <a:ext uri="{FF2B5EF4-FFF2-40B4-BE49-F238E27FC236}">
-                <a16:creationId xmlns:a16="http://schemas.microsoft.com/office/drawing/2014/main" id="{43B110E8-1FE2-BC47-A5AE-4C698B688B65}"/>
-              </a:ext>
-            </a:extLst>
-          </p:cNvPr>
+          <p:cNvPr id="31" name="椭圆形 30"/>
           <p:cNvSpPr/>
-          <p:nvPr userDrawn="1"/>
+          <p:nvPr userDrawn="true"/>
         </p:nvSpPr>
         <p:spPr>
           <a:xfrm>
@@ -2175,15 +2007,9 @@
       </p:sp>
       <p:sp>
         <p:nvSpPr>
-          <p:cNvPr id="32" name="椭圆形 31">
-            <a:extLst>
-              <a:ext uri="{FF2B5EF4-FFF2-40B4-BE49-F238E27FC236}">
-                <a16:creationId xmlns:a16="http://schemas.microsoft.com/office/drawing/2014/main" id="{87DACF2F-5D4D-434D-8786-E4DF0385E6F6}"/>
-              </a:ext>
-            </a:extLst>
-          </p:cNvPr>
+          <p:cNvPr id="32" name="椭圆形 31"/>
           <p:cNvSpPr/>
-          <p:nvPr userDrawn="1"/>
+          <p:nvPr userDrawn="true"/>
         </p:nvSpPr>
         <p:spPr>
           <a:xfrm>
@@ -2230,15 +2056,9 @@
       </p:sp>
       <p:sp>
         <p:nvSpPr>
-          <p:cNvPr id="19" name="椭圆形 18">
-            <a:extLst>
-              <a:ext uri="{FF2B5EF4-FFF2-40B4-BE49-F238E27FC236}">
-                <a16:creationId xmlns:a16="http://schemas.microsoft.com/office/drawing/2014/main" id="{CFE816CC-CBCA-7946-B9E5-E9649EF369BE}"/>
-              </a:ext>
-            </a:extLst>
-          </p:cNvPr>
+          <p:cNvPr id="19" name="椭圆形 18"/>
           <p:cNvSpPr/>
-          <p:nvPr userDrawn="1"/>
+          <p:nvPr userDrawn="true"/>
         </p:nvSpPr>
         <p:spPr>
           <a:xfrm>
@@ -2284,11 +2104,6 @@
         </p:txBody>
       </p:sp>
     </p:spTree>
-    <p:extLst>
-      <p:ext uri="{BB962C8B-B14F-4D97-AF65-F5344CB8AC3E}">
-        <p14:creationId xmlns:p14="http://schemas.microsoft.com/office/powerpoint/2010/main" val="2018278439"/>
-      </p:ext>
-    </p:extLst>
   </p:cSld>
   <p:clrMapOvr>
     <a:masterClrMapping/>
@@ -2315,15 +2130,9 @@
       </p:grpSpPr>
       <p:sp>
         <p:nvSpPr>
-          <p:cNvPr id="7" name="日期占位符 6">
-            <a:extLst>
-              <a:ext uri="{FF2B5EF4-FFF2-40B4-BE49-F238E27FC236}">
-                <a16:creationId xmlns:a16="http://schemas.microsoft.com/office/drawing/2014/main" id="{354D8B55-9EA8-4B81-8E84-9B93B0A27559}"/>
-              </a:ext>
-            </a:extLst>
-          </p:cNvPr>
+          <p:cNvPr id="7" name="日期占位符 6"/>
           <p:cNvSpPr>
-            <a:spLocks noGrp="1"/>
+            <a:spLocks noGrp="true"/>
           </p:cNvSpPr>
           <p:nvPr>
             <p:ph type="dt" sz="half" idx="10"/>
@@ -2343,7 +2152,6 @@
           <a:p>
             <a:fld id="{3BEA2895-AE5A-47E7-8245-ABA8B7B9FDFA}" type="datetime1">
               <a:rPr lang="zh-CN" altLang="en-US" noProof="0" smtClean="0"/>
-              <a:t>2020/11/12</a:t>
             </a:fld>
             <a:endParaRPr lang="zh-CN" altLang="en-US" noProof="0" dirty="0"/>
           </a:p>
@@ -2351,15 +2159,9 @@
       </p:sp>
       <p:sp>
         <p:nvSpPr>
-          <p:cNvPr id="8" name="页脚占位符 7">
-            <a:extLst>
-              <a:ext uri="{FF2B5EF4-FFF2-40B4-BE49-F238E27FC236}">
-                <a16:creationId xmlns:a16="http://schemas.microsoft.com/office/drawing/2014/main" id="{062CA021-2578-47CB-822C-BDDFF7223B28}"/>
-              </a:ext>
-            </a:extLst>
-          </p:cNvPr>
+          <p:cNvPr id="8" name="页脚占位符 7"/>
           <p:cNvSpPr>
-            <a:spLocks noGrp="1"/>
+            <a:spLocks noGrp="true"/>
           </p:cNvSpPr>
           <p:nvPr>
             <p:ph type="ftr" sz="quarter" idx="11"/>
@@ -2383,15 +2185,9 @@
       </p:sp>
       <p:sp>
         <p:nvSpPr>
-          <p:cNvPr id="9" name="灯片编号占位符 8">
-            <a:extLst>
-              <a:ext uri="{FF2B5EF4-FFF2-40B4-BE49-F238E27FC236}">
-                <a16:creationId xmlns:a16="http://schemas.microsoft.com/office/drawing/2014/main" id="{C4AAB51D-4141-4682-9375-DAFD5FB9DD10}"/>
-              </a:ext>
-            </a:extLst>
-          </p:cNvPr>
+          <p:cNvPr id="9" name="灯片编号占位符 8"/>
           <p:cNvSpPr>
-            <a:spLocks noGrp="1"/>
+            <a:spLocks noGrp="true"/>
           </p:cNvSpPr>
           <p:nvPr>
             <p:ph type="sldNum" sz="quarter" idx="12"/>
@@ -2411,8 +2207,6 @@
           <a:p>
             <a:fld id="{3A98EE3D-8CD1-4C3F-BD1C-C98C9596463C}" type="slidenum">
               <a:rPr lang="en-US" altLang="zh-CN" noProof="0" smtClean="0"/>
-              <a:pPr/>
-              <a:t>‹#›</a:t>
             </a:fld>
             <a:endParaRPr lang="zh-CN" altLang="en-US" noProof="0" dirty="0"/>
           </a:p>
@@ -2420,15 +2214,9 @@
       </p:sp>
       <p:sp>
         <p:nvSpPr>
-          <p:cNvPr id="14" name="图片占位符 3">
-            <a:extLst>
-              <a:ext uri="{FF2B5EF4-FFF2-40B4-BE49-F238E27FC236}">
-                <a16:creationId xmlns:a16="http://schemas.microsoft.com/office/drawing/2014/main" id="{C950F4E3-11A9-2549-A00D-601AEF6E49A4}"/>
-              </a:ext>
-            </a:extLst>
-          </p:cNvPr>
+          <p:cNvPr id="14" name="图片占位符 3"/>
           <p:cNvSpPr>
-            <a:spLocks noGrp="1"/>
+            <a:spLocks noGrp="true"/>
           </p:cNvSpPr>
           <p:nvPr>
             <p:ph type="pic" sz="quarter" idx="13"/>
@@ -2473,15 +2261,9 @@
       </p:sp>
       <p:sp>
         <p:nvSpPr>
-          <p:cNvPr id="21" name="图片占位符 3">
-            <a:extLst>
-              <a:ext uri="{FF2B5EF4-FFF2-40B4-BE49-F238E27FC236}">
-                <a16:creationId xmlns:a16="http://schemas.microsoft.com/office/drawing/2014/main" id="{21B5A175-E633-E74F-AE3B-DF58F989F443}"/>
-              </a:ext>
-            </a:extLst>
-          </p:cNvPr>
+          <p:cNvPr id="21" name="图片占位符 3"/>
           <p:cNvSpPr>
-            <a:spLocks noGrp="1"/>
+            <a:spLocks noGrp="true"/>
           </p:cNvSpPr>
           <p:nvPr>
             <p:ph type="pic" sz="quarter" idx="14"/>
@@ -2526,15 +2308,9 @@
       </p:sp>
       <p:sp>
         <p:nvSpPr>
-          <p:cNvPr id="22" name="图片占位符 3">
-            <a:extLst>
-              <a:ext uri="{FF2B5EF4-FFF2-40B4-BE49-F238E27FC236}">
-                <a16:creationId xmlns:a16="http://schemas.microsoft.com/office/drawing/2014/main" id="{261D2778-BA56-D247-9B2C-28D010C9D4E2}"/>
-              </a:ext>
-            </a:extLst>
-          </p:cNvPr>
+          <p:cNvPr id="22" name="图片占位符 3"/>
           <p:cNvSpPr>
-            <a:spLocks noGrp="1"/>
+            <a:spLocks noGrp="true"/>
           </p:cNvSpPr>
           <p:nvPr>
             <p:ph type="pic" sz="quarter" idx="15"/>
@@ -2579,18 +2355,12 @@
       </p:sp>
       <p:sp>
         <p:nvSpPr>
-          <p:cNvPr id="23" name="文本占位符 3">
-            <a:extLst>
-              <a:ext uri="{FF2B5EF4-FFF2-40B4-BE49-F238E27FC236}">
-                <a16:creationId xmlns:a16="http://schemas.microsoft.com/office/drawing/2014/main" id="{2DAF6EFF-134E-BA40-8B51-917FDE13C076}"/>
-              </a:ext>
-            </a:extLst>
-          </p:cNvPr>
+          <p:cNvPr id="23" name="文本占位符 3"/>
           <p:cNvSpPr>
-            <a:spLocks noGrp="1"/>
+            <a:spLocks noGrp="true"/>
           </p:cNvSpPr>
           <p:nvPr>
-            <p:ph type="body" sz="half" idx="2" hasCustomPrompt="1"/>
+            <p:ph type="body" sz="half" idx="2" hasCustomPrompt="true"/>
           </p:nvPr>
         </p:nvSpPr>
         <p:spPr>
@@ -2653,23 +2423,18 @@
               <a:rPr lang="zh-CN" altLang="en-US" noProof="0" dirty="0"/>
               <a:t>在此处输入名称</a:t>
             </a:r>
-          </a:p>
-        </p:txBody>
-      </p:sp>
-      <p:sp>
-        <p:nvSpPr>
-          <p:cNvPr id="24" name="文本占位符 3">
-            <a:extLst>
-              <a:ext uri="{FF2B5EF4-FFF2-40B4-BE49-F238E27FC236}">
-                <a16:creationId xmlns:a16="http://schemas.microsoft.com/office/drawing/2014/main" id="{188BF917-678C-1249-95B9-7FD2AC7B2231}"/>
-              </a:ext>
-            </a:extLst>
-          </p:cNvPr>
+            <a:endParaRPr lang="zh-CN" altLang="en-US" noProof="0" dirty="0"/>
+          </a:p>
+        </p:txBody>
+      </p:sp>
+      <p:sp>
+        <p:nvSpPr>
+          <p:cNvPr id="24" name="文本占位符 3"/>
           <p:cNvSpPr>
-            <a:spLocks noGrp="1"/>
+            <a:spLocks noGrp="true"/>
           </p:cNvSpPr>
           <p:nvPr>
-            <p:ph type="body" sz="half" idx="16" hasCustomPrompt="1"/>
+            <p:ph type="body" sz="half" idx="16" hasCustomPrompt="true"/>
           </p:nvPr>
         </p:nvSpPr>
         <p:spPr>
@@ -2732,23 +2497,18 @@
               <a:rPr lang="zh-CN" altLang="en-US" noProof="0" dirty="0"/>
               <a:t>在此处输入名称</a:t>
             </a:r>
-          </a:p>
-        </p:txBody>
-      </p:sp>
-      <p:sp>
-        <p:nvSpPr>
-          <p:cNvPr id="25" name="文本占位符 3">
-            <a:extLst>
-              <a:ext uri="{FF2B5EF4-FFF2-40B4-BE49-F238E27FC236}">
-                <a16:creationId xmlns:a16="http://schemas.microsoft.com/office/drawing/2014/main" id="{BAFF17AE-3EA2-2D47-BCDD-E5587B127062}"/>
-              </a:ext>
-            </a:extLst>
-          </p:cNvPr>
+            <a:endParaRPr lang="zh-CN" altLang="en-US" noProof="0" dirty="0"/>
+          </a:p>
+        </p:txBody>
+      </p:sp>
+      <p:sp>
+        <p:nvSpPr>
+          <p:cNvPr id="25" name="文本占位符 3"/>
           <p:cNvSpPr>
-            <a:spLocks noGrp="1"/>
+            <a:spLocks noGrp="true"/>
           </p:cNvSpPr>
           <p:nvPr>
-            <p:ph type="body" sz="half" idx="17" hasCustomPrompt="1"/>
+            <p:ph type="body" sz="half" idx="17" hasCustomPrompt="true"/>
           </p:nvPr>
         </p:nvSpPr>
         <p:spPr>
@@ -2811,20 +2571,15 @@
               <a:rPr lang="zh-CN" altLang="en-US" noProof="0" dirty="0"/>
               <a:t>在此处输入名称</a:t>
             </a:r>
+            <a:endParaRPr lang="zh-CN" altLang="en-US" noProof="0" dirty="0"/>
           </a:p>
         </p:txBody>
       </p:sp>
       <p:grpSp>
         <p:nvGrpSpPr>
-          <p:cNvPr id="26" name="组 25">
-            <a:extLst>
-              <a:ext uri="{FF2B5EF4-FFF2-40B4-BE49-F238E27FC236}">
-                <a16:creationId xmlns:a16="http://schemas.microsoft.com/office/drawing/2014/main" id="{F2D7EDB7-7C02-0245-8A1F-553F094A4429}"/>
-              </a:ext>
-            </a:extLst>
-          </p:cNvPr>
+          <p:cNvPr id="26" name="组 25"/>
           <p:cNvGrpSpPr/>
-          <p:nvPr userDrawn="1"/>
+          <p:nvPr userDrawn="true"/>
         </p:nvGrpSpPr>
         <p:grpSpPr>
           <a:xfrm rot="5400000">
@@ -2836,15 +2591,9 @@
         </p:grpSpPr>
         <p:sp>
           <p:nvSpPr>
-            <p:cNvPr id="27" name="椭圆形 26">
-              <a:extLst>
-                <a:ext uri="{FF2B5EF4-FFF2-40B4-BE49-F238E27FC236}">
-                  <a16:creationId xmlns:a16="http://schemas.microsoft.com/office/drawing/2014/main" id="{8CF5D165-4F6F-2447-8B9E-8B0D94808ED3}"/>
-                </a:ext>
-              </a:extLst>
-            </p:cNvPr>
+            <p:cNvPr id="27" name="椭圆形 26"/>
             <p:cNvSpPr/>
-            <p:nvPr userDrawn="1"/>
+            <p:nvPr userDrawn="true"/>
           </p:nvSpPr>
           <p:spPr>
             <a:xfrm>
@@ -2891,15 +2640,9 @@
         </p:sp>
         <p:sp>
           <p:nvSpPr>
-            <p:cNvPr id="28" name="椭圆形 27">
-              <a:extLst>
-                <a:ext uri="{FF2B5EF4-FFF2-40B4-BE49-F238E27FC236}">
-                  <a16:creationId xmlns:a16="http://schemas.microsoft.com/office/drawing/2014/main" id="{146C35C7-7133-4C43-BBF7-575440F7BAD3}"/>
-                </a:ext>
-              </a:extLst>
-            </p:cNvPr>
+            <p:cNvPr id="28" name="椭圆形 27"/>
             <p:cNvSpPr/>
-            <p:nvPr userDrawn="1"/>
+            <p:nvPr userDrawn="true"/>
           </p:nvSpPr>
           <p:spPr>
             <a:xfrm>
@@ -2946,15 +2689,9 @@
         </p:sp>
         <p:sp>
           <p:nvSpPr>
-            <p:cNvPr id="29" name="椭圆形 28">
-              <a:extLst>
-                <a:ext uri="{FF2B5EF4-FFF2-40B4-BE49-F238E27FC236}">
-                  <a16:creationId xmlns:a16="http://schemas.microsoft.com/office/drawing/2014/main" id="{D33DD7BE-C379-5C42-9FB0-EF72161049F4}"/>
-                </a:ext>
-              </a:extLst>
-            </p:cNvPr>
+            <p:cNvPr id="29" name="椭圆形 28"/>
             <p:cNvSpPr/>
-            <p:nvPr userDrawn="1"/>
+            <p:nvPr userDrawn="true"/>
           </p:nvSpPr>
           <p:spPr>
             <a:xfrm>
@@ -3001,15 +2738,9 @@
         </p:sp>
         <p:sp>
           <p:nvSpPr>
-            <p:cNvPr id="30" name="椭圆形 29">
-              <a:extLst>
-                <a:ext uri="{FF2B5EF4-FFF2-40B4-BE49-F238E27FC236}">
-                  <a16:creationId xmlns:a16="http://schemas.microsoft.com/office/drawing/2014/main" id="{743DFC41-C6DE-7942-9358-E23A1EE8759D}"/>
-                </a:ext>
-              </a:extLst>
-            </p:cNvPr>
+            <p:cNvPr id="30" name="椭圆形 29"/>
             <p:cNvSpPr/>
-            <p:nvPr userDrawn="1"/>
+            <p:nvPr userDrawn="true"/>
           </p:nvSpPr>
           <p:spPr>
             <a:xfrm>
@@ -3056,15 +2787,9 @@
         </p:sp>
         <p:sp>
           <p:nvSpPr>
-            <p:cNvPr id="31" name="椭圆形 30">
-              <a:extLst>
-                <a:ext uri="{FF2B5EF4-FFF2-40B4-BE49-F238E27FC236}">
-                  <a16:creationId xmlns:a16="http://schemas.microsoft.com/office/drawing/2014/main" id="{A2ABB593-7229-9548-8BCC-C947B1BF8D93}"/>
-                </a:ext>
-              </a:extLst>
-            </p:cNvPr>
+            <p:cNvPr id="31" name="椭圆形 30"/>
             <p:cNvSpPr/>
-            <p:nvPr userDrawn="1"/>
+            <p:nvPr userDrawn="true"/>
           </p:nvSpPr>
           <p:spPr>
             <a:xfrm>
@@ -3111,15 +2836,9 @@
         </p:sp>
         <p:sp>
           <p:nvSpPr>
-            <p:cNvPr id="32" name="椭圆形 31">
-              <a:extLst>
-                <a:ext uri="{FF2B5EF4-FFF2-40B4-BE49-F238E27FC236}">
-                  <a16:creationId xmlns:a16="http://schemas.microsoft.com/office/drawing/2014/main" id="{986D2413-D60D-484E-ACAB-31891AFDA133}"/>
-                </a:ext>
-              </a:extLst>
-            </p:cNvPr>
+            <p:cNvPr id="32" name="椭圆形 31"/>
             <p:cNvSpPr/>
-            <p:nvPr userDrawn="1"/>
+            <p:nvPr userDrawn="true"/>
           </p:nvSpPr>
           <p:spPr>
             <a:xfrm>
@@ -3167,18 +2886,12 @@
       </p:grpSp>
       <p:sp>
         <p:nvSpPr>
-          <p:cNvPr id="34" name="标题 1">
-            <a:extLst>
-              <a:ext uri="{FF2B5EF4-FFF2-40B4-BE49-F238E27FC236}">
-                <a16:creationId xmlns:a16="http://schemas.microsoft.com/office/drawing/2014/main" id="{86090E0F-345E-3D4B-8886-95D8A4A77CE7}"/>
-              </a:ext>
-            </a:extLst>
-          </p:cNvPr>
+          <p:cNvPr id="34" name="标题 1"/>
           <p:cNvSpPr>
-            <a:spLocks noGrp="1"/>
+            <a:spLocks noGrp="true"/>
           </p:cNvSpPr>
           <p:nvPr>
-            <p:ph type="title" hasCustomPrompt="1"/>
+            <p:ph type="title" hasCustomPrompt="true"/>
           </p:nvPr>
         </p:nvSpPr>
         <p:spPr>
@@ -3208,15 +2921,11 @@
               <a:rPr lang="zh-CN" altLang="en-US" noProof="0" dirty="0"/>
               <a:t>在此处输入标题</a:t>
             </a:r>
+            <a:endParaRPr lang="zh-CN" altLang="en-US" noProof="0" dirty="0"/>
           </a:p>
         </p:txBody>
       </p:sp>
     </p:spTree>
-    <p:extLst>
-      <p:ext uri="{BB962C8B-B14F-4D97-AF65-F5344CB8AC3E}">
-        <p14:creationId xmlns:p14="http://schemas.microsoft.com/office/powerpoint/2010/main" val="3258682985"/>
-      </p:ext>
-    </p:extLst>
   </p:cSld>
   <p:clrMapOvr>
     <a:masterClrMapping/>
@@ -3225,7 +2934,7 @@
 </file>
 
 <file path=ppt/slideLayouts/slideLayout4.xml><?xml version="1.0" encoding="utf-8"?>
-<p:sldLayout xmlns:a="http://schemas.openxmlformats.org/drawingml/2006/main" xmlns:r="http://schemas.openxmlformats.org/officeDocument/2006/relationships" xmlns:p="http://schemas.openxmlformats.org/presentationml/2006/main" showMasterSp="0" preserve="1" userDrawn="1">
+<p:sldLayout xmlns:a="http://schemas.openxmlformats.org/drawingml/2006/main" xmlns:r="http://schemas.openxmlformats.org/officeDocument/2006/relationships" xmlns:p="http://schemas.openxmlformats.org/presentationml/2006/main" preserve="1" showMasterSp="0" userDrawn="1">
   <p:cSld name="节标题">
     <p:bg>
       <p:bgPr>
@@ -3253,7 +2962,7 @@
         <p:nvSpPr>
           <p:cNvPr id="2" name="标题 1"/>
           <p:cNvSpPr>
-            <a:spLocks noGrp="1"/>
+            <a:spLocks noGrp="true"/>
           </p:cNvSpPr>
           <p:nvPr>
             <p:ph type="title"/>
@@ -3269,7 +2978,7 @@
           </a:prstGeom>
         </p:spPr>
         <p:txBody>
-          <a:bodyPr rtlCol="0" anchor="b" anchorCtr="0">
+          <a:bodyPr rtlCol="0" anchor="b" anchorCtr="false">
             <a:normAutofit/>
           </a:bodyPr>
           <a:lstStyle>
@@ -3300,7 +3009,7 @@
         <p:nvSpPr>
           <p:cNvPr id="3" name="文本占位符 2"/>
           <p:cNvSpPr>
-            <a:spLocks noGrp="1"/>
+            <a:spLocks noGrp="true"/>
           </p:cNvSpPr>
           <p:nvPr>
             <p:ph type="body" idx="1"/>
@@ -3313,7 +3022,7 @@
           </a:xfrm>
         </p:spPr>
         <p:txBody>
-          <a:bodyPr lIns="91440" rIns="91440" rtlCol="0" anchor="t" anchorCtr="0">
+          <a:bodyPr lIns="91440" rIns="91440" rtlCol="0" anchor="t" anchorCtr="false">
             <a:normAutofit/>
           </a:bodyPr>
           <a:lstStyle>
@@ -3414,18 +3123,13 @@
               <a:rPr lang="zh-CN" altLang="en-US" noProof="0"/>
               <a:t>单击此处编辑母版文本样式</a:t>
             </a:r>
+            <a:endParaRPr lang="zh-CN" altLang="en-US" noProof="0"/>
           </a:p>
         </p:txBody>
       </p:sp>
       <p:cxnSp>
         <p:nvCxnSpPr>
-          <p:cNvPr id="9" name="直接连接符​​(S) 8">
-            <a:extLst>
-              <a:ext uri="{FF2B5EF4-FFF2-40B4-BE49-F238E27FC236}">
-                <a16:creationId xmlns:a16="http://schemas.microsoft.com/office/drawing/2014/main" id="{459DE2C1-4C52-40A3-8959-27B2C1BEBFF6}"/>
-              </a:ext>
-            </a:extLst>
-          </p:cNvPr>
+          <p:cNvPr id="9" name="直接连接符​​(S) 8"/>
           <p:cNvCxnSpPr/>
           <p:nvPr/>
         </p:nvCxnSpPr>
@@ -3460,15 +3164,9 @@
       </p:cxnSp>
       <p:sp>
         <p:nvSpPr>
-          <p:cNvPr id="7" name="日期占位符 6">
-            <a:extLst>
-              <a:ext uri="{FF2B5EF4-FFF2-40B4-BE49-F238E27FC236}">
-                <a16:creationId xmlns:a16="http://schemas.microsoft.com/office/drawing/2014/main" id="{AAF2E137-EC28-48F8-9198-1F02539029B6}"/>
-              </a:ext>
-            </a:extLst>
-          </p:cNvPr>
+          <p:cNvPr id="7" name="日期占位符 6"/>
           <p:cNvSpPr>
-            <a:spLocks noGrp="1"/>
+            <a:spLocks noGrp="true"/>
           </p:cNvSpPr>
           <p:nvPr>
             <p:ph type="dt" sz="half" idx="10"/>
@@ -3488,7 +3186,6 @@
           <a:p>
             <a:fld id="{E0032DD6-3745-450D-9639-BC1248F9864D}" type="datetime1">
               <a:rPr lang="zh-CN" altLang="en-US" noProof="0" smtClean="0"/>
-              <a:t>2020/11/12</a:t>
             </a:fld>
             <a:endParaRPr lang="zh-CN" altLang="en-US" noProof="0" dirty="0"/>
           </a:p>
@@ -3496,15 +3193,9 @@
       </p:sp>
       <p:sp>
         <p:nvSpPr>
-          <p:cNvPr id="8" name="页脚占位符 7">
-            <a:extLst>
-              <a:ext uri="{FF2B5EF4-FFF2-40B4-BE49-F238E27FC236}">
-                <a16:creationId xmlns:a16="http://schemas.microsoft.com/office/drawing/2014/main" id="{189422CD-6F62-4DD6-89EF-07A60B42D219}"/>
-              </a:ext>
-            </a:extLst>
-          </p:cNvPr>
+          <p:cNvPr id="8" name="页脚占位符 7"/>
           <p:cNvSpPr>
-            <a:spLocks noGrp="1"/>
+            <a:spLocks noGrp="true"/>
           </p:cNvSpPr>
           <p:nvPr>
             <p:ph type="ftr" sz="quarter" idx="11"/>
@@ -3528,15 +3219,9 @@
       </p:sp>
       <p:sp>
         <p:nvSpPr>
-          <p:cNvPr id="11" name="灯片编号占位符 10">
-            <a:extLst>
-              <a:ext uri="{FF2B5EF4-FFF2-40B4-BE49-F238E27FC236}">
-                <a16:creationId xmlns:a16="http://schemas.microsoft.com/office/drawing/2014/main" id="{69C6AFF8-42B4-4D05-969B-9F5FB3355555}"/>
-              </a:ext>
-            </a:extLst>
-          </p:cNvPr>
+          <p:cNvPr id="11" name="灯片编号占位符 10"/>
           <p:cNvSpPr>
-            <a:spLocks noGrp="1"/>
+            <a:spLocks noGrp="true"/>
           </p:cNvSpPr>
           <p:nvPr>
             <p:ph type="sldNum" sz="quarter" idx="12"/>
@@ -3556,8 +3241,6 @@
           <a:p>
             <a:fld id="{3A98EE3D-8CD1-4C3F-BD1C-C98C9596463C}" type="slidenum">
               <a:rPr lang="en-US" altLang="zh-CN" noProof="0" smtClean="0"/>
-              <a:pPr/>
-              <a:t>‹#›</a:t>
             </a:fld>
             <a:endParaRPr lang="zh-CN" altLang="en-US" noProof="0" dirty="0"/>
           </a:p>
@@ -3565,15 +3248,9 @@
       </p:sp>
       <p:sp>
         <p:nvSpPr>
-          <p:cNvPr id="12" name="椭圆形 11">
-            <a:extLst>
-              <a:ext uri="{FF2B5EF4-FFF2-40B4-BE49-F238E27FC236}">
-                <a16:creationId xmlns:a16="http://schemas.microsoft.com/office/drawing/2014/main" id="{8675A452-E352-BE40-9E44-7C0E90F4DBC5}"/>
-              </a:ext>
-            </a:extLst>
-          </p:cNvPr>
+          <p:cNvPr id="12" name="椭圆形 11"/>
           <p:cNvSpPr/>
-          <p:nvPr userDrawn="1"/>
+          <p:nvPr userDrawn="true"/>
         </p:nvSpPr>
         <p:spPr>
           <a:xfrm>
@@ -3621,15 +3298,9 @@
       </p:sp>
       <p:sp>
         <p:nvSpPr>
-          <p:cNvPr id="13" name="椭圆形 12">
-            <a:extLst>
-              <a:ext uri="{FF2B5EF4-FFF2-40B4-BE49-F238E27FC236}">
-                <a16:creationId xmlns:a16="http://schemas.microsoft.com/office/drawing/2014/main" id="{72E00246-7C7C-8E48-B95E-02BE89F197F5}"/>
-              </a:ext>
-            </a:extLst>
-          </p:cNvPr>
+          <p:cNvPr id="13" name="椭圆形 12"/>
           <p:cNvSpPr/>
-          <p:nvPr userDrawn="1"/>
+          <p:nvPr userDrawn="true"/>
         </p:nvSpPr>
         <p:spPr>
           <a:xfrm>
@@ -3676,15 +3347,9 @@
       </p:sp>
       <p:sp>
         <p:nvSpPr>
-          <p:cNvPr id="14" name="椭圆形 13">
-            <a:extLst>
-              <a:ext uri="{FF2B5EF4-FFF2-40B4-BE49-F238E27FC236}">
-                <a16:creationId xmlns:a16="http://schemas.microsoft.com/office/drawing/2014/main" id="{EBF1652A-A323-BC48-9A00-7ECF1C4E1DA4}"/>
-              </a:ext>
-            </a:extLst>
-          </p:cNvPr>
+          <p:cNvPr id="14" name="椭圆形 13"/>
           <p:cNvSpPr/>
-          <p:nvPr userDrawn="1"/>
+          <p:nvPr userDrawn="true"/>
         </p:nvSpPr>
         <p:spPr>
           <a:xfrm>
@@ -3731,15 +3396,9 @@
       </p:sp>
       <p:sp>
         <p:nvSpPr>
-          <p:cNvPr id="15" name="椭圆形 14">
-            <a:extLst>
-              <a:ext uri="{FF2B5EF4-FFF2-40B4-BE49-F238E27FC236}">
-                <a16:creationId xmlns:a16="http://schemas.microsoft.com/office/drawing/2014/main" id="{F733BC29-8FD1-CB45-8FF6-0C7CC3CB423D}"/>
-              </a:ext>
-            </a:extLst>
-          </p:cNvPr>
+          <p:cNvPr id="15" name="椭圆形 14"/>
           <p:cNvSpPr/>
-          <p:nvPr userDrawn="1"/>
+          <p:nvPr userDrawn="true"/>
         </p:nvSpPr>
         <p:spPr>
           <a:xfrm>
@@ -3786,15 +3445,9 @@
       </p:sp>
       <p:sp>
         <p:nvSpPr>
-          <p:cNvPr id="16" name="椭圆形 15">
-            <a:extLst>
-              <a:ext uri="{FF2B5EF4-FFF2-40B4-BE49-F238E27FC236}">
-                <a16:creationId xmlns:a16="http://schemas.microsoft.com/office/drawing/2014/main" id="{4C67EB1F-C984-B840-BD1F-FD174D01A3AF}"/>
-              </a:ext>
-            </a:extLst>
-          </p:cNvPr>
+          <p:cNvPr id="16" name="椭圆形 15"/>
           <p:cNvSpPr/>
-          <p:nvPr userDrawn="1"/>
+          <p:nvPr userDrawn="true"/>
         </p:nvSpPr>
         <p:spPr>
           <a:xfrm>
@@ -3842,15 +3495,9 @@
       </p:sp>
       <p:grpSp>
         <p:nvGrpSpPr>
-          <p:cNvPr id="39" name="组 38">
-            <a:extLst>
-              <a:ext uri="{FF2B5EF4-FFF2-40B4-BE49-F238E27FC236}">
-                <a16:creationId xmlns:a16="http://schemas.microsoft.com/office/drawing/2014/main" id="{9D75F8B1-A294-E349-BD08-B06B2954212A}"/>
-              </a:ext>
-            </a:extLst>
-          </p:cNvPr>
+          <p:cNvPr id="39" name="组 38"/>
           <p:cNvGrpSpPr/>
-          <p:nvPr userDrawn="1"/>
+          <p:nvPr userDrawn="true"/>
         </p:nvGrpSpPr>
         <p:grpSpPr>
           <a:xfrm>
@@ -3862,15 +3509,9 @@
         </p:grpSpPr>
         <p:sp>
           <p:nvSpPr>
-            <p:cNvPr id="33" name="任意多边形(F) 32">
-              <a:extLst>
-                <a:ext uri="{FF2B5EF4-FFF2-40B4-BE49-F238E27FC236}">
-                  <a16:creationId xmlns:a16="http://schemas.microsoft.com/office/drawing/2014/main" id="{5942EFAD-842E-9C46-9853-C0F135D24007}"/>
-                </a:ext>
-              </a:extLst>
-            </p:cNvPr>
+            <p:cNvPr id="33" name="任意多边形(F) 32"/>
             <p:cNvSpPr/>
-            <p:nvPr userDrawn="1"/>
+            <p:nvPr userDrawn="true"/>
           </p:nvSpPr>
           <p:spPr>
             <a:xfrm>
@@ -4024,15 +3665,9 @@
         </p:sp>
         <p:sp>
           <p:nvSpPr>
-            <p:cNvPr id="32" name="任意多边形(F) 31">
-              <a:extLst>
-                <a:ext uri="{FF2B5EF4-FFF2-40B4-BE49-F238E27FC236}">
-                  <a16:creationId xmlns:a16="http://schemas.microsoft.com/office/drawing/2014/main" id="{BE0B7AF7-52C0-EB45-93DE-79DFF44F5AAE}"/>
-                </a:ext>
-              </a:extLst>
-            </p:cNvPr>
+            <p:cNvPr id="32" name="任意多边形(F) 31"/>
             <p:cNvSpPr/>
-            <p:nvPr userDrawn="1"/>
+            <p:nvPr userDrawn="true"/>
           </p:nvSpPr>
           <p:spPr>
             <a:xfrm>
@@ -4186,11 +3821,6 @@
         </p:sp>
       </p:grpSp>
     </p:spTree>
-    <p:extLst>
-      <p:ext uri="{BB962C8B-B14F-4D97-AF65-F5344CB8AC3E}">
-        <p14:creationId xmlns:p14="http://schemas.microsoft.com/office/powerpoint/2010/main" val="2596984262"/>
-      </p:ext>
-    </p:extLst>
   </p:cSld>
   <p:clrMapOvr>
     <a:masterClrMapping/>
@@ -4219,7 +3849,7 @@
         <p:nvSpPr>
           <p:cNvPr id="3" name="内容占位符 2"/>
           <p:cNvSpPr>
-            <a:spLocks noGrp="1"/>
+            <a:spLocks noGrp="true"/>
           </p:cNvSpPr>
           <p:nvPr>
             <p:ph sz="half" idx="1"/>
@@ -4271,6 +3901,7 @@
               <a:rPr lang="zh-CN" altLang="en-US" noProof="0"/>
               <a:t>单击此处编辑母版文本样式</a:t>
             </a:r>
+            <a:endParaRPr lang="zh-CN" altLang="en-US" noProof="0"/>
           </a:p>
           <a:p>
             <a:pPr lvl="1" rtl="0"/>
@@ -4278,6 +3909,7 @@
               <a:rPr lang="zh-CN" altLang="en-US" noProof="0"/>
               <a:t>二级</a:t>
             </a:r>
+            <a:endParaRPr lang="zh-CN" altLang="en-US" noProof="0"/>
           </a:p>
           <a:p>
             <a:pPr lvl="2" rtl="0"/>
@@ -4285,6 +3917,7 @@
               <a:rPr lang="zh-CN" altLang="en-US" noProof="0"/>
               <a:t>三级</a:t>
             </a:r>
+            <a:endParaRPr lang="zh-CN" altLang="en-US" noProof="0"/>
           </a:p>
           <a:p>
             <a:pPr lvl="3" rtl="0"/>
@@ -4292,6 +3925,7 @@
               <a:rPr lang="zh-CN" altLang="en-US" noProof="0"/>
               <a:t>四级</a:t>
             </a:r>
+            <a:endParaRPr lang="zh-CN" altLang="en-US" noProof="0"/>
           </a:p>
           <a:p>
             <a:pPr lvl="4" rtl="0"/>
@@ -4307,7 +3941,7 @@
         <p:nvSpPr>
           <p:cNvPr id="4" name="内容占位符 3"/>
           <p:cNvSpPr>
-            <a:spLocks noGrp="1"/>
+            <a:spLocks noGrp="true"/>
           </p:cNvSpPr>
           <p:nvPr>
             <p:ph sz="half" idx="2"/>
@@ -4359,6 +3993,7 @@
               <a:rPr lang="zh-CN" altLang="en-US" noProof="0"/>
               <a:t>单击此处编辑母版文本样式</a:t>
             </a:r>
+            <a:endParaRPr lang="zh-CN" altLang="en-US" noProof="0"/>
           </a:p>
           <a:p>
             <a:pPr lvl="1" rtl="0"/>
@@ -4366,6 +4001,7 @@
               <a:rPr lang="zh-CN" altLang="en-US" noProof="0"/>
               <a:t>二级</a:t>
             </a:r>
+            <a:endParaRPr lang="zh-CN" altLang="en-US" noProof="0"/>
           </a:p>
           <a:p>
             <a:pPr lvl="2" rtl="0"/>
@@ -4373,6 +4009,7 @@
               <a:rPr lang="zh-CN" altLang="en-US" noProof="0"/>
               <a:t>三级</a:t>
             </a:r>
+            <a:endParaRPr lang="zh-CN" altLang="en-US" noProof="0"/>
           </a:p>
           <a:p>
             <a:pPr lvl="3" rtl="0"/>
@@ -4380,6 +4017,7 @@
               <a:rPr lang="zh-CN" altLang="en-US" noProof="0"/>
               <a:t>四级</a:t>
             </a:r>
+            <a:endParaRPr lang="zh-CN" altLang="en-US" noProof="0"/>
           </a:p>
           <a:p>
             <a:pPr lvl="4" rtl="0"/>
@@ -4393,15 +4031,9 @@
       </p:sp>
       <p:sp>
         <p:nvSpPr>
-          <p:cNvPr id="2" name="日期占位符 1">
-            <a:extLst>
-              <a:ext uri="{FF2B5EF4-FFF2-40B4-BE49-F238E27FC236}">
-                <a16:creationId xmlns:a16="http://schemas.microsoft.com/office/drawing/2014/main" id="{5782D47D-B0DC-4C40-BCC6-BBBA32584A38}"/>
-              </a:ext>
-            </a:extLst>
-          </p:cNvPr>
+          <p:cNvPr id="2" name="日期占位符 1"/>
           <p:cNvSpPr>
-            <a:spLocks noGrp="1"/>
+            <a:spLocks noGrp="true"/>
           </p:cNvSpPr>
           <p:nvPr>
             <p:ph type="dt" sz="half" idx="10"/>
@@ -4421,7 +4053,6 @@
           <a:p>
             <a:fld id="{E78CBB31-C1FB-4BF0-BD73-96607DE45D60}" type="datetime1">
               <a:rPr lang="zh-CN" altLang="en-US" noProof="0" smtClean="0"/>
-              <a:t>2020/11/12</a:t>
             </a:fld>
             <a:endParaRPr lang="zh-CN" altLang="en-US" noProof="0" dirty="0"/>
           </a:p>
@@ -4429,15 +4060,9 @@
       </p:sp>
       <p:sp>
         <p:nvSpPr>
-          <p:cNvPr id="9" name="页脚占位符 8">
-            <a:extLst>
-              <a:ext uri="{FF2B5EF4-FFF2-40B4-BE49-F238E27FC236}">
-                <a16:creationId xmlns:a16="http://schemas.microsoft.com/office/drawing/2014/main" id="{4690D34E-7EBD-44B2-83CA-4C126A18D7EF}"/>
-              </a:ext>
-            </a:extLst>
-          </p:cNvPr>
+          <p:cNvPr id="9" name="页脚占位符 8"/>
           <p:cNvSpPr>
-            <a:spLocks noGrp="1"/>
+            <a:spLocks noGrp="true"/>
           </p:cNvSpPr>
           <p:nvPr>
             <p:ph type="ftr" sz="quarter" idx="11"/>
@@ -4461,15 +4086,9 @@
       </p:sp>
       <p:sp>
         <p:nvSpPr>
-          <p:cNvPr id="10" name="幻灯片编号占位符 9">
-            <a:extLst>
-              <a:ext uri="{FF2B5EF4-FFF2-40B4-BE49-F238E27FC236}">
-                <a16:creationId xmlns:a16="http://schemas.microsoft.com/office/drawing/2014/main" id="{2AC511A1-9BBD-42DE-92FB-2AF44F8E97A9}"/>
-              </a:ext>
-            </a:extLst>
-          </p:cNvPr>
+          <p:cNvPr id="10" name="幻灯片编号占位符 9"/>
           <p:cNvSpPr>
-            <a:spLocks noGrp="1"/>
+            <a:spLocks noGrp="true"/>
           </p:cNvSpPr>
           <p:nvPr>
             <p:ph type="sldNum" sz="quarter" idx="12"/>
@@ -4489,8 +4108,6 @@
           <a:p>
             <a:fld id="{3A98EE3D-8CD1-4C3F-BD1C-C98C9596463C}" type="slidenum">
               <a:rPr lang="en-US" altLang="zh-CN" noProof="0" smtClean="0"/>
-              <a:pPr/>
-              <a:t>‹#›</a:t>
             </a:fld>
             <a:endParaRPr lang="zh-CN" altLang="en-US" noProof="0" dirty="0"/>
           </a:p>
@@ -4498,15 +4115,9 @@
       </p:sp>
       <p:grpSp>
         <p:nvGrpSpPr>
-          <p:cNvPr id="11" name="组 10">
-            <a:extLst>
-              <a:ext uri="{FF2B5EF4-FFF2-40B4-BE49-F238E27FC236}">
-                <a16:creationId xmlns:a16="http://schemas.microsoft.com/office/drawing/2014/main" id="{D06E6D77-4CA3-764C-99E1-7D2CFE6B929E}"/>
-              </a:ext>
-            </a:extLst>
-          </p:cNvPr>
+          <p:cNvPr id="11" name="组 10"/>
           <p:cNvGrpSpPr/>
-          <p:nvPr userDrawn="1"/>
+          <p:nvPr userDrawn="true"/>
         </p:nvGrpSpPr>
         <p:grpSpPr>
           <a:xfrm rot="5400000">
@@ -4518,15 +4129,9 @@
         </p:grpSpPr>
         <p:sp>
           <p:nvSpPr>
-            <p:cNvPr id="12" name="椭圆形 11">
-              <a:extLst>
-                <a:ext uri="{FF2B5EF4-FFF2-40B4-BE49-F238E27FC236}">
-                  <a16:creationId xmlns:a16="http://schemas.microsoft.com/office/drawing/2014/main" id="{1D155117-8A2A-414B-9598-C2919DF747DC}"/>
-                </a:ext>
-              </a:extLst>
-            </p:cNvPr>
+            <p:cNvPr id="12" name="椭圆形 11"/>
             <p:cNvSpPr/>
-            <p:nvPr userDrawn="1"/>
+            <p:nvPr userDrawn="true"/>
           </p:nvSpPr>
           <p:spPr>
             <a:xfrm>
@@ -4573,15 +4178,9 @@
         </p:sp>
         <p:sp>
           <p:nvSpPr>
-            <p:cNvPr id="13" name="椭圆形 12">
-              <a:extLst>
-                <a:ext uri="{FF2B5EF4-FFF2-40B4-BE49-F238E27FC236}">
-                  <a16:creationId xmlns:a16="http://schemas.microsoft.com/office/drawing/2014/main" id="{53838F88-99DE-9246-A83B-9C7DB6AE99EF}"/>
-                </a:ext>
-              </a:extLst>
-            </p:cNvPr>
+            <p:cNvPr id="13" name="椭圆形 12"/>
             <p:cNvSpPr/>
-            <p:nvPr userDrawn="1"/>
+            <p:nvPr userDrawn="true"/>
           </p:nvSpPr>
           <p:spPr>
             <a:xfrm>
@@ -4628,15 +4227,9 @@
         </p:sp>
         <p:sp>
           <p:nvSpPr>
-            <p:cNvPr id="14" name="椭圆形 13">
-              <a:extLst>
-                <a:ext uri="{FF2B5EF4-FFF2-40B4-BE49-F238E27FC236}">
-                  <a16:creationId xmlns:a16="http://schemas.microsoft.com/office/drawing/2014/main" id="{D031FBA2-FD0D-7346-8941-4861923E15CF}"/>
-                </a:ext>
-              </a:extLst>
-            </p:cNvPr>
+            <p:cNvPr id="14" name="椭圆形 13"/>
             <p:cNvSpPr/>
-            <p:nvPr userDrawn="1"/>
+            <p:nvPr userDrawn="true"/>
           </p:nvSpPr>
           <p:spPr>
             <a:xfrm>
@@ -4683,15 +4276,9 @@
         </p:sp>
         <p:sp>
           <p:nvSpPr>
-            <p:cNvPr id="15" name="椭圆形 14">
-              <a:extLst>
-                <a:ext uri="{FF2B5EF4-FFF2-40B4-BE49-F238E27FC236}">
-                  <a16:creationId xmlns:a16="http://schemas.microsoft.com/office/drawing/2014/main" id="{022D5D5E-3339-5D47-9E1C-8897082672DB}"/>
-                </a:ext>
-              </a:extLst>
-            </p:cNvPr>
+            <p:cNvPr id="15" name="椭圆形 14"/>
             <p:cNvSpPr/>
-            <p:nvPr userDrawn="1"/>
+            <p:nvPr userDrawn="true"/>
           </p:nvSpPr>
           <p:spPr>
             <a:xfrm>
@@ -4738,15 +4325,9 @@
         </p:sp>
         <p:sp>
           <p:nvSpPr>
-            <p:cNvPr id="16" name="椭圆形 15">
-              <a:extLst>
-                <a:ext uri="{FF2B5EF4-FFF2-40B4-BE49-F238E27FC236}">
-                  <a16:creationId xmlns:a16="http://schemas.microsoft.com/office/drawing/2014/main" id="{13BE7267-458F-A141-8480-10E9FB553671}"/>
-                </a:ext>
-              </a:extLst>
-            </p:cNvPr>
+            <p:cNvPr id="16" name="椭圆形 15"/>
             <p:cNvSpPr/>
-            <p:nvPr userDrawn="1"/>
+            <p:nvPr userDrawn="true"/>
           </p:nvSpPr>
           <p:spPr>
             <a:xfrm>
@@ -4793,15 +4374,9 @@
         </p:sp>
         <p:sp>
           <p:nvSpPr>
-            <p:cNvPr id="17" name="椭圆形 16">
-              <a:extLst>
-                <a:ext uri="{FF2B5EF4-FFF2-40B4-BE49-F238E27FC236}">
-                  <a16:creationId xmlns:a16="http://schemas.microsoft.com/office/drawing/2014/main" id="{A71A438B-57BE-F445-AFBB-BBB2270E9BB4}"/>
-                </a:ext>
-              </a:extLst>
-            </p:cNvPr>
+            <p:cNvPr id="17" name="椭圆形 16"/>
             <p:cNvSpPr/>
-            <p:nvPr userDrawn="1"/>
+            <p:nvPr userDrawn="true"/>
           </p:nvSpPr>
           <p:spPr>
             <a:xfrm>
@@ -4849,18 +4424,12 @@
       </p:grpSp>
       <p:sp>
         <p:nvSpPr>
-          <p:cNvPr id="18" name="标题 1">
-            <a:extLst>
-              <a:ext uri="{FF2B5EF4-FFF2-40B4-BE49-F238E27FC236}">
-                <a16:creationId xmlns:a16="http://schemas.microsoft.com/office/drawing/2014/main" id="{040C74AA-3663-2A49-AA62-C9207F22BF3D}"/>
-              </a:ext>
-            </a:extLst>
-          </p:cNvPr>
+          <p:cNvPr id="18" name="标题 1"/>
           <p:cNvSpPr>
-            <a:spLocks noGrp="1"/>
+            <a:spLocks noGrp="true"/>
           </p:cNvSpPr>
           <p:nvPr>
-            <p:ph type="title" hasCustomPrompt="1"/>
+            <p:ph type="title" hasCustomPrompt="true"/>
           </p:nvPr>
         </p:nvSpPr>
         <p:spPr>
@@ -4890,20 +4459,15 @@
               <a:rPr lang="zh-CN" altLang="en-US" noProof="0" dirty="0"/>
               <a:t>在此处输入标题</a:t>
             </a:r>
-          </a:p>
-        </p:txBody>
-      </p:sp>
-      <p:sp>
-        <p:nvSpPr>
-          <p:cNvPr id="19" name="椭圆形 18">
-            <a:extLst>
-              <a:ext uri="{FF2B5EF4-FFF2-40B4-BE49-F238E27FC236}">
-                <a16:creationId xmlns:a16="http://schemas.microsoft.com/office/drawing/2014/main" id="{8E70AAE0-F405-8C4D-B2F2-BC73ABD2560F}"/>
-              </a:ext>
-            </a:extLst>
-          </p:cNvPr>
+            <a:endParaRPr lang="zh-CN" altLang="en-US" noProof="0" dirty="0"/>
+          </a:p>
+        </p:txBody>
+      </p:sp>
+      <p:sp>
+        <p:nvSpPr>
+          <p:cNvPr id="19" name="椭圆形 18"/>
           <p:cNvSpPr/>
-          <p:nvPr userDrawn="1"/>
+          <p:nvPr userDrawn="true"/>
         </p:nvSpPr>
         <p:spPr>
           <a:xfrm>
@@ -4951,15 +4515,9 @@
       </p:sp>
       <p:sp>
         <p:nvSpPr>
-          <p:cNvPr id="22" name="椭圆形 21">
-            <a:extLst>
-              <a:ext uri="{FF2B5EF4-FFF2-40B4-BE49-F238E27FC236}">
-                <a16:creationId xmlns:a16="http://schemas.microsoft.com/office/drawing/2014/main" id="{FC72AC8A-19AA-5641-88DA-414732A1A643}"/>
-              </a:ext>
-            </a:extLst>
-          </p:cNvPr>
+          <p:cNvPr id="22" name="椭圆形 21"/>
           <p:cNvSpPr/>
-          <p:nvPr userDrawn="1"/>
+          <p:nvPr userDrawn="true"/>
         </p:nvSpPr>
         <p:spPr>
           <a:xfrm>
@@ -5006,15 +4564,9 @@
       </p:sp>
       <p:sp>
         <p:nvSpPr>
-          <p:cNvPr id="23" name="椭圆形 22">
-            <a:extLst>
-              <a:ext uri="{FF2B5EF4-FFF2-40B4-BE49-F238E27FC236}">
-                <a16:creationId xmlns:a16="http://schemas.microsoft.com/office/drawing/2014/main" id="{B0FF4153-FE4A-204C-B4B4-F331F8058F73}"/>
-              </a:ext>
-            </a:extLst>
-          </p:cNvPr>
+          <p:cNvPr id="23" name="椭圆形 22"/>
           <p:cNvSpPr/>
-          <p:nvPr userDrawn="1"/>
+          <p:nvPr userDrawn="true"/>
         </p:nvSpPr>
         <p:spPr>
           <a:xfrm>
@@ -5061,15 +4613,9 @@
       </p:sp>
       <p:sp>
         <p:nvSpPr>
-          <p:cNvPr id="20" name="椭圆形 19">
-            <a:extLst>
-              <a:ext uri="{FF2B5EF4-FFF2-40B4-BE49-F238E27FC236}">
-                <a16:creationId xmlns:a16="http://schemas.microsoft.com/office/drawing/2014/main" id="{C0910027-B57E-5C4C-B196-C2CF16EB6B83}"/>
-              </a:ext>
-            </a:extLst>
-          </p:cNvPr>
+          <p:cNvPr id="20" name="椭圆形 19"/>
           <p:cNvSpPr/>
-          <p:nvPr userDrawn="1"/>
+          <p:nvPr userDrawn="true"/>
         </p:nvSpPr>
         <p:spPr>
           <a:xfrm>
@@ -5115,11 +4661,6 @@
         </p:txBody>
       </p:sp>
     </p:spTree>
-    <p:extLst>
-      <p:ext uri="{BB962C8B-B14F-4D97-AF65-F5344CB8AC3E}">
-        <p14:creationId xmlns:p14="http://schemas.microsoft.com/office/powerpoint/2010/main" val="3387972891"/>
-      </p:ext>
-    </p:extLst>
   </p:cSld>
   <p:clrMapOvr>
     <a:masterClrMapping/>
@@ -5148,7 +4689,7 @@
         <p:nvSpPr>
           <p:cNvPr id="3" name="文本占位符 2"/>
           <p:cNvSpPr>
-            <a:spLocks noGrp="1"/>
+            <a:spLocks noGrp="true"/>
           </p:cNvSpPr>
           <p:nvPr>
             <p:ph type="body" idx="1"/>
@@ -5214,6 +4755,7 @@
               <a:rPr lang="zh-CN" altLang="en-US" noProof="0"/>
               <a:t>单击此处编辑母版文本样式</a:t>
             </a:r>
+            <a:endParaRPr lang="zh-CN" altLang="en-US" noProof="0"/>
           </a:p>
         </p:txBody>
       </p:sp>
@@ -5221,7 +4763,7 @@
         <p:nvSpPr>
           <p:cNvPr id="4" name="内容占位符 3"/>
           <p:cNvSpPr>
-            <a:spLocks noGrp="1"/>
+            <a:spLocks noGrp="true"/>
           </p:cNvSpPr>
           <p:nvPr>
             <p:ph sz="half" idx="2"/>
@@ -5273,6 +4815,7 @@
               <a:rPr lang="zh-CN" altLang="en-US" noProof="0"/>
               <a:t>单击此处编辑母版文本样式</a:t>
             </a:r>
+            <a:endParaRPr lang="zh-CN" altLang="en-US" noProof="0"/>
           </a:p>
           <a:p>
             <a:pPr lvl="1" rtl="0"/>
@@ -5280,6 +4823,7 @@
               <a:rPr lang="zh-CN" altLang="en-US" noProof="0"/>
               <a:t>二级</a:t>
             </a:r>
+            <a:endParaRPr lang="zh-CN" altLang="en-US" noProof="0"/>
           </a:p>
           <a:p>
             <a:pPr lvl="2" rtl="0"/>
@@ -5287,6 +4831,7 @@
               <a:rPr lang="zh-CN" altLang="en-US" noProof="0"/>
               <a:t>三级</a:t>
             </a:r>
+            <a:endParaRPr lang="zh-CN" altLang="en-US" noProof="0"/>
           </a:p>
           <a:p>
             <a:pPr lvl="3" rtl="0"/>
@@ -5294,6 +4839,7 @@
               <a:rPr lang="zh-CN" altLang="en-US" noProof="0"/>
               <a:t>四级</a:t>
             </a:r>
+            <a:endParaRPr lang="zh-CN" altLang="en-US" noProof="0"/>
           </a:p>
           <a:p>
             <a:pPr lvl="4" rtl="0"/>
@@ -5309,7 +4855,7 @@
         <p:nvSpPr>
           <p:cNvPr id="5" name="文本占位符 4"/>
           <p:cNvSpPr>
-            <a:spLocks noGrp="1"/>
+            <a:spLocks noGrp="true"/>
           </p:cNvSpPr>
           <p:nvPr>
             <p:ph type="body" sz="quarter" idx="3"/>
@@ -5375,6 +4921,7 @@
               <a:rPr lang="zh-CN" altLang="en-US" noProof="0"/>
               <a:t>单击此处编辑母版文本样式</a:t>
             </a:r>
+            <a:endParaRPr lang="zh-CN" altLang="en-US" noProof="0"/>
           </a:p>
         </p:txBody>
       </p:sp>
@@ -5382,7 +4929,7 @@
         <p:nvSpPr>
           <p:cNvPr id="6" name="内容占位符 5"/>
           <p:cNvSpPr>
-            <a:spLocks noGrp="1"/>
+            <a:spLocks noGrp="true"/>
           </p:cNvSpPr>
           <p:nvPr>
             <p:ph sz="quarter" idx="4"/>
@@ -5434,6 +4981,7 @@
               <a:rPr lang="zh-CN" altLang="en-US" noProof="0"/>
               <a:t>单击此处编辑母版文本样式</a:t>
             </a:r>
+            <a:endParaRPr lang="zh-CN" altLang="en-US" noProof="0"/>
           </a:p>
           <a:p>
             <a:pPr lvl="1" rtl="0"/>
@@ -5441,6 +4989,7 @@
               <a:rPr lang="zh-CN" altLang="en-US" noProof="0"/>
               <a:t>二级</a:t>
             </a:r>
+            <a:endParaRPr lang="zh-CN" altLang="en-US" noProof="0"/>
           </a:p>
           <a:p>
             <a:pPr lvl="2" rtl="0"/>
@@ -5448,6 +4997,7 @@
               <a:rPr lang="zh-CN" altLang="en-US" noProof="0"/>
               <a:t>三级</a:t>
             </a:r>
+            <a:endParaRPr lang="zh-CN" altLang="en-US" noProof="0"/>
           </a:p>
           <a:p>
             <a:pPr lvl="3" rtl="0"/>
@@ -5455,6 +5005,7 @@
               <a:rPr lang="zh-CN" altLang="en-US" noProof="0"/>
               <a:t>四级</a:t>
             </a:r>
+            <a:endParaRPr lang="zh-CN" altLang="en-US" noProof="0"/>
           </a:p>
           <a:p>
             <a:pPr lvl="4" rtl="0"/>
@@ -5468,15 +5019,9 @@
       </p:sp>
       <p:sp>
         <p:nvSpPr>
-          <p:cNvPr id="2" name="日期占位符 1">
-            <a:extLst>
-              <a:ext uri="{FF2B5EF4-FFF2-40B4-BE49-F238E27FC236}">
-                <a16:creationId xmlns:a16="http://schemas.microsoft.com/office/drawing/2014/main" id="{8AF8A515-AA94-45D1-9223-5C2272618D85}"/>
-              </a:ext>
-            </a:extLst>
-          </p:cNvPr>
+          <p:cNvPr id="2" name="日期占位符 1"/>
           <p:cNvSpPr>
-            <a:spLocks noGrp="1"/>
+            <a:spLocks noGrp="true"/>
           </p:cNvSpPr>
           <p:nvPr>
             <p:ph type="dt" sz="half" idx="10"/>
@@ -5496,7 +5041,6 @@
           <a:p>
             <a:fld id="{33808204-4C90-47FF-B97A-FA4581BED226}" type="datetime1">
               <a:rPr lang="zh-CN" altLang="en-US" noProof="0" smtClean="0"/>
-              <a:t>2020/11/12</a:t>
             </a:fld>
             <a:endParaRPr lang="zh-CN" altLang="en-US" noProof="0" dirty="0"/>
           </a:p>
@@ -5504,15 +5048,9 @@
       </p:sp>
       <p:sp>
         <p:nvSpPr>
-          <p:cNvPr id="11" name="页脚占位符 10">
-            <a:extLst>
-              <a:ext uri="{FF2B5EF4-FFF2-40B4-BE49-F238E27FC236}">
-                <a16:creationId xmlns:a16="http://schemas.microsoft.com/office/drawing/2014/main" id="{D052F5BC-98E0-4D60-AD67-9547738B7DD4}"/>
-              </a:ext>
-            </a:extLst>
-          </p:cNvPr>
+          <p:cNvPr id="11" name="页脚占位符 10"/>
           <p:cNvSpPr>
-            <a:spLocks noGrp="1"/>
+            <a:spLocks noGrp="true"/>
           </p:cNvSpPr>
           <p:nvPr>
             <p:ph type="ftr" sz="quarter" idx="11"/>
@@ -5536,15 +5074,9 @@
       </p:sp>
       <p:sp>
         <p:nvSpPr>
-          <p:cNvPr id="12" name="灯片编号占位符 11">
-            <a:extLst>
-              <a:ext uri="{FF2B5EF4-FFF2-40B4-BE49-F238E27FC236}">
-                <a16:creationId xmlns:a16="http://schemas.microsoft.com/office/drawing/2014/main" id="{A38552DC-952E-41EA-AAAF-C2187523C0B0}"/>
-              </a:ext>
-            </a:extLst>
-          </p:cNvPr>
+          <p:cNvPr id="12" name="灯片编号占位符 11"/>
           <p:cNvSpPr>
-            <a:spLocks noGrp="1"/>
+            <a:spLocks noGrp="true"/>
           </p:cNvSpPr>
           <p:nvPr>
             <p:ph type="sldNum" sz="quarter" idx="12"/>
@@ -5564,8 +5096,6 @@
           <a:p>
             <a:fld id="{3A98EE3D-8CD1-4C3F-BD1C-C98C9596463C}" type="slidenum">
               <a:rPr lang="en-US" altLang="zh-CN" noProof="0" smtClean="0"/>
-              <a:pPr/>
-              <a:t>‹#›</a:t>
             </a:fld>
             <a:endParaRPr lang="zh-CN" altLang="en-US" noProof="0" dirty="0"/>
           </a:p>
@@ -5573,15 +5103,9 @@
       </p:sp>
       <p:grpSp>
         <p:nvGrpSpPr>
-          <p:cNvPr id="13" name="组 12">
-            <a:extLst>
-              <a:ext uri="{FF2B5EF4-FFF2-40B4-BE49-F238E27FC236}">
-                <a16:creationId xmlns:a16="http://schemas.microsoft.com/office/drawing/2014/main" id="{DD896C11-7092-DD43-9676-23A81081B759}"/>
-              </a:ext>
-            </a:extLst>
-          </p:cNvPr>
+          <p:cNvPr id="13" name="组 12"/>
           <p:cNvGrpSpPr/>
-          <p:nvPr userDrawn="1"/>
+          <p:nvPr userDrawn="true"/>
         </p:nvGrpSpPr>
         <p:grpSpPr>
           <a:xfrm rot="5400000">
@@ -5593,15 +5117,9 @@
         </p:grpSpPr>
         <p:sp>
           <p:nvSpPr>
-            <p:cNvPr id="14" name="椭圆形 13">
-              <a:extLst>
-                <a:ext uri="{FF2B5EF4-FFF2-40B4-BE49-F238E27FC236}">
-                  <a16:creationId xmlns:a16="http://schemas.microsoft.com/office/drawing/2014/main" id="{D39FB8D4-533A-0C44-89B5-487470B0B82B}"/>
-                </a:ext>
-              </a:extLst>
-            </p:cNvPr>
+            <p:cNvPr id="14" name="椭圆形 13"/>
             <p:cNvSpPr/>
-            <p:nvPr userDrawn="1"/>
+            <p:nvPr userDrawn="true"/>
           </p:nvSpPr>
           <p:spPr>
             <a:xfrm>
@@ -5648,15 +5166,9 @@
         </p:sp>
         <p:sp>
           <p:nvSpPr>
-            <p:cNvPr id="15" name="椭圆形 14">
-              <a:extLst>
-                <a:ext uri="{FF2B5EF4-FFF2-40B4-BE49-F238E27FC236}">
-                  <a16:creationId xmlns:a16="http://schemas.microsoft.com/office/drawing/2014/main" id="{C642B0AB-C322-C14B-B2A1-E9F144473219}"/>
-                </a:ext>
-              </a:extLst>
-            </p:cNvPr>
+            <p:cNvPr id="15" name="椭圆形 14"/>
             <p:cNvSpPr/>
-            <p:nvPr userDrawn="1"/>
+            <p:nvPr userDrawn="true"/>
           </p:nvSpPr>
           <p:spPr>
             <a:xfrm>
@@ -5703,15 +5215,9 @@
         </p:sp>
         <p:sp>
           <p:nvSpPr>
-            <p:cNvPr id="16" name="椭圆形 15">
-              <a:extLst>
-                <a:ext uri="{FF2B5EF4-FFF2-40B4-BE49-F238E27FC236}">
-                  <a16:creationId xmlns:a16="http://schemas.microsoft.com/office/drawing/2014/main" id="{47ABE4C7-7926-3949-9205-07E33FB2D2CE}"/>
-                </a:ext>
-              </a:extLst>
-            </p:cNvPr>
+            <p:cNvPr id="16" name="椭圆形 15"/>
             <p:cNvSpPr/>
-            <p:nvPr userDrawn="1"/>
+            <p:nvPr userDrawn="true"/>
           </p:nvSpPr>
           <p:spPr>
             <a:xfrm>
@@ -5758,15 +5264,9 @@
         </p:sp>
         <p:sp>
           <p:nvSpPr>
-            <p:cNvPr id="17" name="椭圆形 16">
-              <a:extLst>
-                <a:ext uri="{FF2B5EF4-FFF2-40B4-BE49-F238E27FC236}">
-                  <a16:creationId xmlns:a16="http://schemas.microsoft.com/office/drawing/2014/main" id="{E1B43F26-6C7C-4D43-9D1C-A0F792F54874}"/>
-                </a:ext>
-              </a:extLst>
-            </p:cNvPr>
+            <p:cNvPr id="17" name="椭圆形 16"/>
             <p:cNvSpPr/>
-            <p:nvPr userDrawn="1"/>
+            <p:nvPr userDrawn="true"/>
           </p:nvSpPr>
           <p:spPr>
             <a:xfrm>
@@ -5813,15 +5313,9 @@
         </p:sp>
         <p:sp>
           <p:nvSpPr>
-            <p:cNvPr id="18" name="椭圆形 17">
-              <a:extLst>
-                <a:ext uri="{FF2B5EF4-FFF2-40B4-BE49-F238E27FC236}">
-                  <a16:creationId xmlns:a16="http://schemas.microsoft.com/office/drawing/2014/main" id="{C53D175F-F9D4-DD4E-81B9-495A2E867249}"/>
-                </a:ext>
-              </a:extLst>
-            </p:cNvPr>
+            <p:cNvPr id="18" name="椭圆形 17"/>
             <p:cNvSpPr/>
-            <p:nvPr userDrawn="1"/>
+            <p:nvPr userDrawn="true"/>
           </p:nvSpPr>
           <p:spPr>
             <a:xfrm>
@@ -5868,15 +5362,9 @@
         </p:sp>
         <p:sp>
           <p:nvSpPr>
-            <p:cNvPr id="19" name="椭圆形 18">
-              <a:extLst>
-                <a:ext uri="{FF2B5EF4-FFF2-40B4-BE49-F238E27FC236}">
-                  <a16:creationId xmlns:a16="http://schemas.microsoft.com/office/drawing/2014/main" id="{852D03A0-BBCF-2042-832A-8082F1377835}"/>
-                </a:ext>
-              </a:extLst>
-            </p:cNvPr>
+            <p:cNvPr id="19" name="椭圆形 18"/>
             <p:cNvSpPr/>
-            <p:nvPr userDrawn="1"/>
+            <p:nvPr userDrawn="true"/>
           </p:nvSpPr>
           <p:spPr>
             <a:xfrm>
@@ -5924,18 +5412,12 @@
       </p:grpSp>
       <p:sp>
         <p:nvSpPr>
-          <p:cNvPr id="20" name="标题 1">
-            <a:extLst>
-              <a:ext uri="{FF2B5EF4-FFF2-40B4-BE49-F238E27FC236}">
-                <a16:creationId xmlns:a16="http://schemas.microsoft.com/office/drawing/2014/main" id="{E2831508-70C2-2F43-998D-55CE4837BA4C}"/>
-              </a:ext>
-            </a:extLst>
-          </p:cNvPr>
+          <p:cNvPr id="20" name="标题 1"/>
           <p:cNvSpPr>
-            <a:spLocks noGrp="1"/>
+            <a:spLocks noGrp="true"/>
           </p:cNvSpPr>
           <p:nvPr>
-            <p:ph type="title" hasCustomPrompt="1"/>
+            <p:ph type="title" hasCustomPrompt="true"/>
           </p:nvPr>
         </p:nvSpPr>
         <p:spPr>
@@ -5965,20 +5447,15 @@
               <a:rPr lang="zh-CN" altLang="en-US" noProof="0" dirty="0"/>
               <a:t>在此处输入标题</a:t>
             </a:r>
-          </a:p>
-        </p:txBody>
-      </p:sp>
-      <p:sp>
-        <p:nvSpPr>
-          <p:cNvPr id="21" name="椭圆形 20">
-            <a:extLst>
-              <a:ext uri="{FF2B5EF4-FFF2-40B4-BE49-F238E27FC236}">
-                <a16:creationId xmlns:a16="http://schemas.microsoft.com/office/drawing/2014/main" id="{5232ACE3-4E65-6243-9416-19BFA39FD92C}"/>
-              </a:ext>
-            </a:extLst>
-          </p:cNvPr>
+            <a:endParaRPr lang="zh-CN" altLang="en-US" noProof="0" dirty="0"/>
+          </a:p>
+        </p:txBody>
+      </p:sp>
+      <p:sp>
+        <p:nvSpPr>
+          <p:cNvPr id="21" name="椭圆形 20"/>
           <p:cNvSpPr/>
-          <p:nvPr userDrawn="1"/>
+          <p:nvPr userDrawn="true"/>
         </p:nvSpPr>
         <p:spPr>
           <a:xfrm>
@@ -6026,15 +5503,9 @@
       </p:sp>
       <p:sp>
         <p:nvSpPr>
-          <p:cNvPr id="24" name="椭圆形 23">
-            <a:extLst>
-              <a:ext uri="{FF2B5EF4-FFF2-40B4-BE49-F238E27FC236}">
-                <a16:creationId xmlns:a16="http://schemas.microsoft.com/office/drawing/2014/main" id="{6A372105-F1CB-9149-A4B9-C151B3CCB9B4}"/>
-              </a:ext>
-            </a:extLst>
-          </p:cNvPr>
+          <p:cNvPr id="24" name="椭圆形 23"/>
           <p:cNvSpPr/>
-          <p:nvPr userDrawn="1"/>
+          <p:nvPr userDrawn="true"/>
         </p:nvSpPr>
         <p:spPr>
           <a:xfrm>
@@ -6081,15 +5552,9 @@
       </p:sp>
       <p:sp>
         <p:nvSpPr>
-          <p:cNvPr id="26" name="椭圆形 25">
-            <a:extLst>
-              <a:ext uri="{FF2B5EF4-FFF2-40B4-BE49-F238E27FC236}">
-                <a16:creationId xmlns:a16="http://schemas.microsoft.com/office/drawing/2014/main" id="{CAE2DDF3-5C18-5644-8994-8CD902656DE8}"/>
-              </a:ext>
-            </a:extLst>
-          </p:cNvPr>
+          <p:cNvPr id="26" name="椭圆形 25"/>
           <p:cNvSpPr/>
-          <p:nvPr userDrawn="1"/>
+          <p:nvPr userDrawn="true"/>
         </p:nvSpPr>
         <p:spPr>
           <a:xfrm>
@@ -6136,15 +5601,9 @@
       </p:sp>
       <p:sp>
         <p:nvSpPr>
-          <p:cNvPr id="22" name="椭圆形 21">
-            <a:extLst>
-              <a:ext uri="{FF2B5EF4-FFF2-40B4-BE49-F238E27FC236}">
-                <a16:creationId xmlns:a16="http://schemas.microsoft.com/office/drawing/2014/main" id="{0383F4E3-E6C1-BB40-90E6-290C140F9A07}"/>
-              </a:ext>
-            </a:extLst>
-          </p:cNvPr>
+          <p:cNvPr id="22" name="椭圆形 21"/>
           <p:cNvSpPr/>
-          <p:nvPr userDrawn="1"/>
+          <p:nvPr userDrawn="true"/>
         </p:nvSpPr>
         <p:spPr>
           <a:xfrm>
@@ -6190,11 +5649,6 @@
         </p:txBody>
       </p:sp>
     </p:spTree>
-    <p:extLst>
-      <p:ext uri="{BB962C8B-B14F-4D97-AF65-F5344CB8AC3E}">
-        <p14:creationId xmlns:p14="http://schemas.microsoft.com/office/powerpoint/2010/main" val="219594124"/>
-      </p:ext>
-    </p:extLst>
   </p:cSld>
   <p:clrMapOvr>
     <a:masterClrMapping/>
@@ -6221,15 +5675,9 @@
       </p:grpSpPr>
       <p:sp>
         <p:nvSpPr>
-          <p:cNvPr id="6" name="日期占位符 5">
-            <a:extLst>
-              <a:ext uri="{FF2B5EF4-FFF2-40B4-BE49-F238E27FC236}">
-                <a16:creationId xmlns:a16="http://schemas.microsoft.com/office/drawing/2014/main" id="{7392073F-158F-44A3-8913-917AFFC1BC20}"/>
-              </a:ext>
-            </a:extLst>
-          </p:cNvPr>
+          <p:cNvPr id="6" name="日期占位符 5"/>
           <p:cNvSpPr>
-            <a:spLocks noGrp="1"/>
+            <a:spLocks noGrp="true"/>
           </p:cNvSpPr>
           <p:nvPr>
             <p:ph type="dt" sz="half" idx="10"/>
@@ -6249,7 +5697,6 @@
           <a:p>
             <a:fld id="{2BCAA829-9DFB-4173-9978-E3CA70991D5D}" type="datetime1">
               <a:rPr lang="zh-CN" altLang="en-US" noProof="0" smtClean="0"/>
-              <a:t>2020/11/12</a:t>
             </a:fld>
             <a:endParaRPr lang="zh-CN" altLang="en-US" noProof="0" dirty="0"/>
           </a:p>
@@ -6257,15 +5704,9 @@
       </p:sp>
       <p:sp>
         <p:nvSpPr>
-          <p:cNvPr id="7" name="页脚占位符 6">
-            <a:extLst>
-              <a:ext uri="{FF2B5EF4-FFF2-40B4-BE49-F238E27FC236}">
-                <a16:creationId xmlns:a16="http://schemas.microsoft.com/office/drawing/2014/main" id="{EED72207-24CA-42B7-A975-2F8E41CBA904}"/>
-              </a:ext>
-            </a:extLst>
-          </p:cNvPr>
+          <p:cNvPr id="7" name="页脚占位符 6"/>
           <p:cNvSpPr>
-            <a:spLocks noGrp="1"/>
+            <a:spLocks noGrp="true"/>
           </p:cNvSpPr>
           <p:nvPr>
             <p:ph type="ftr" sz="quarter" idx="11"/>
@@ -6289,15 +5730,9 @@
       </p:sp>
       <p:sp>
         <p:nvSpPr>
-          <p:cNvPr id="8" name="灯片编号占位符 7">
-            <a:extLst>
-              <a:ext uri="{FF2B5EF4-FFF2-40B4-BE49-F238E27FC236}">
-                <a16:creationId xmlns:a16="http://schemas.microsoft.com/office/drawing/2014/main" id="{D01080F2-251A-4B88-9A62-16F46D724F83}"/>
-              </a:ext>
-            </a:extLst>
-          </p:cNvPr>
+          <p:cNvPr id="8" name="灯片编号占位符 7"/>
           <p:cNvSpPr>
-            <a:spLocks noGrp="1"/>
+            <a:spLocks noGrp="true"/>
           </p:cNvSpPr>
           <p:nvPr>
             <p:ph type="sldNum" sz="quarter" idx="12"/>
@@ -6317,8 +5752,6 @@
           <a:p>
             <a:fld id="{3A98EE3D-8CD1-4C3F-BD1C-C98C9596463C}" type="slidenum">
               <a:rPr lang="en-US" altLang="zh-CN" noProof="0" smtClean="0"/>
-              <a:pPr/>
-              <a:t>‹#›</a:t>
             </a:fld>
             <a:endParaRPr lang="zh-CN" altLang="en-US" noProof="0" dirty="0"/>
           </a:p>
@@ -6326,15 +5759,9 @@
       </p:sp>
       <p:grpSp>
         <p:nvGrpSpPr>
-          <p:cNvPr id="9" name="组 8">
-            <a:extLst>
-              <a:ext uri="{FF2B5EF4-FFF2-40B4-BE49-F238E27FC236}">
-                <a16:creationId xmlns:a16="http://schemas.microsoft.com/office/drawing/2014/main" id="{A2C09A16-A6B6-E04E-A40A-F482C0A95C0A}"/>
-              </a:ext>
-            </a:extLst>
-          </p:cNvPr>
+          <p:cNvPr id="9" name="组 8"/>
           <p:cNvGrpSpPr/>
-          <p:nvPr userDrawn="1"/>
+          <p:nvPr userDrawn="true"/>
         </p:nvGrpSpPr>
         <p:grpSpPr>
           <a:xfrm rot="5400000">
@@ -6346,15 +5773,9 @@
         </p:grpSpPr>
         <p:sp>
           <p:nvSpPr>
-            <p:cNvPr id="10" name="椭圆形 9">
-              <a:extLst>
-                <a:ext uri="{FF2B5EF4-FFF2-40B4-BE49-F238E27FC236}">
-                  <a16:creationId xmlns:a16="http://schemas.microsoft.com/office/drawing/2014/main" id="{A6B2DF34-338D-4F43-B8F7-D7A00348B68B}"/>
-                </a:ext>
-              </a:extLst>
-            </p:cNvPr>
+            <p:cNvPr id="10" name="椭圆形 9"/>
             <p:cNvSpPr/>
-            <p:nvPr userDrawn="1"/>
+            <p:nvPr userDrawn="true"/>
           </p:nvSpPr>
           <p:spPr>
             <a:xfrm>
@@ -6401,15 +5822,9 @@
         </p:sp>
         <p:sp>
           <p:nvSpPr>
-            <p:cNvPr id="11" name="椭圆形 10">
-              <a:extLst>
-                <a:ext uri="{FF2B5EF4-FFF2-40B4-BE49-F238E27FC236}">
-                  <a16:creationId xmlns:a16="http://schemas.microsoft.com/office/drawing/2014/main" id="{33778C21-4171-774D-A73F-77BEBF2E4C18}"/>
-                </a:ext>
-              </a:extLst>
-            </p:cNvPr>
+            <p:cNvPr id="11" name="椭圆形 10"/>
             <p:cNvSpPr/>
-            <p:nvPr userDrawn="1"/>
+            <p:nvPr userDrawn="true"/>
           </p:nvSpPr>
           <p:spPr>
             <a:xfrm>
@@ -6456,15 +5871,9 @@
         </p:sp>
         <p:sp>
           <p:nvSpPr>
-            <p:cNvPr id="12" name="椭圆形 11">
-              <a:extLst>
-                <a:ext uri="{FF2B5EF4-FFF2-40B4-BE49-F238E27FC236}">
-                  <a16:creationId xmlns:a16="http://schemas.microsoft.com/office/drawing/2014/main" id="{CC25D2EF-AE01-A247-8BC3-8F35F863C0A6}"/>
-                </a:ext>
-              </a:extLst>
-            </p:cNvPr>
+            <p:cNvPr id="12" name="椭圆形 11"/>
             <p:cNvSpPr/>
-            <p:nvPr userDrawn="1"/>
+            <p:nvPr userDrawn="true"/>
           </p:nvSpPr>
           <p:spPr>
             <a:xfrm>
@@ -6511,15 +5920,9 @@
         </p:sp>
         <p:sp>
           <p:nvSpPr>
-            <p:cNvPr id="13" name="椭圆形 12">
-              <a:extLst>
-                <a:ext uri="{FF2B5EF4-FFF2-40B4-BE49-F238E27FC236}">
-                  <a16:creationId xmlns:a16="http://schemas.microsoft.com/office/drawing/2014/main" id="{5F860801-109B-EB4F-96A8-35D76B759583}"/>
-                </a:ext>
-              </a:extLst>
-            </p:cNvPr>
+            <p:cNvPr id="13" name="椭圆形 12"/>
             <p:cNvSpPr/>
-            <p:nvPr userDrawn="1"/>
+            <p:nvPr userDrawn="true"/>
           </p:nvSpPr>
           <p:spPr>
             <a:xfrm>
@@ -6566,15 +5969,9 @@
         </p:sp>
         <p:sp>
           <p:nvSpPr>
-            <p:cNvPr id="14" name="椭圆形 13">
-              <a:extLst>
-                <a:ext uri="{FF2B5EF4-FFF2-40B4-BE49-F238E27FC236}">
-                  <a16:creationId xmlns:a16="http://schemas.microsoft.com/office/drawing/2014/main" id="{97337F70-9199-7242-BD8B-8F96606A18A1}"/>
-                </a:ext>
-              </a:extLst>
-            </p:cNvPr>
+            <p:cNvPr id="14" name="椭圆形 13"/>
             <p:cNvSpPr/>
-            <p:nvPr userDrawn="1"/>
+            <p:nvPr userDrawn="true"/>
           </p:nvSpPr>
           <p:spPr>
             <a:xfrm>
@@ -6621,15 +6018,9 @@
         </p:sp>
         <p:sp>
           <p:nvSpPr>
-            <p:cNvPr id="15" name="椭圆形 14">
-              <a:extLst>
-                <a:ext uri="{FF2B5EF4-FFF2-40B4-BE49-F238E27FC236}">
-                  <a16:creationId xmlns:a16="http://schemas.microsoft.com/office/drawing/2014/main" id="{DF9320B7-AD58-7649-BC95-614ED90F4E69}"/>
-                </a:ext>
-              </a:extLst>
-            </p:cNvPr>
+            <p:cNvPr id="15" name="椭圆形 14"/>
             <p:cNvSpPr/>
-            <p:nvPr userDrawn="1"/>
+            <p:nvPr userDrawn="true"/>
           </p:nvSpPr>
           <p:spPr>
             <a:xfrm>
@@ -6677,18 +6068,12 @@
       </p:grpSp>
       <p:sp>
         <p:nvSpPr>
-          <p:cNvPr id="16" name="标题 1">
-            <a:extLst>
-              <a:ext uri="{FF2B5EF4-FFF2-40B4-BE49-F238E27FC236}">
-                <a16:creationId xmlns:a16="http://schemas.microsoft.com/office/drawing/2014/main" id="{0C0DE796-998A-F84E-9B56-1958C6777C8D}"/>
-              </a:ext>
-            </a:extLst>
-          </p:cNvPr>
+          <p:cNvPr id="16" name="标题 1"/>
           <p:cNvSpPr>
-            <a:spLocks noGrp="1"/>
+            <a:spLocks noGrp="true"/>
           </p:cNvSpPr>
           <p:nvPr>
-            <p:ph type="title" hasCustomPrompt="1"/>
+            <p:ph type="title" hasCustomPrompt="true"/>
           </p:nvPr>
         </p:nvSpPr>
         <p:spPr>
@@ -6718,20 +6103,15 @@
               <a:rPr lang="zh-CN" altLang="en-US" noProof="0" dirty="0"/>
               <a:t>在此处输入标题</a:t>
             </a:r>
-          </a:p>
-        </p:txBody>
-      </p:sp>
-      <p:sp>
-        <p:nvSpPr>
-          <p:cNvPr id="17" name="椭圆形 16">
-            <a:extLst>
-              <a:ext uri="{FF2B5EF4-FFF2-40B4-BE49-F238E27FC236}">
-                <a16:creationId xmlns:a16="http://schemas.microsoft.com/office/drawing/2014/main" id="{7B23D2B0-E152-D14D-8154-8DD47BD10DF3}"/>
-              </a:ext>
-            </a:extLst>
-          </p:cNvPr>
+            <a:endParaRPr lang="zh-CN" altLang="en-US" noProof="0" dirty="0"/>
+          </a:p>
+        </p:txBody>
+      </p:sp>
+      <p:sp>
+        <p:nvSpPr>
+          <p:cNvPr id="17" name="椭圆形 16"/>
           <p:cNvSpPr/>
-          <p:nvPr userDrawn="1"/>
+          <p:nvPr userDrawn="true"/>
         </p:nvSpPr>
         <p:spPr>
           <a:xfrm>
@@ -6779,15 +6159,9 @@
       </p:sp>
       <p:sp>
         <p:nvSpPr>
-          <p:cNvPr id="23" name="椭圆形 22">
-            <a:extLst>
-              <a:ext uri="{FF2B5EF4-FFF2-40B4-BE49-F238E27FC236}">
-                <a16:creationId xmlns:a16="http://schemas.microsoft.com/office/drawing/2014/main" id="{8A3BEDF6-5ABA-3B42-99BB-4438813B1A4B}"/>
-              </a:ext>
-            </a:extLst>
-          </p:cNvPr>
+          <p:cNvPr id="23" name="椭圆形 22"/>
           <p:cNvSpPr/>
-          <p:nvPr userDrawn="1"/>
+          <p:nvPr userDrawn="true"/>
         </p:nvSpPr>
         <p:spPr>
           <a:xfrm>
@@ -6834,15 +6208,9 @@
       </p:sp>
       <p:sp>
         <p:nvSpPr>
-          <p:cNvPr id="24" name="椭圆形 23">
-            <a:extLst>
-              <a:ext uri="{FF2B5EF4-FFF2-40B4-BE49-F238E27FC236}">
-                <a16:creationId xmlns:a16="http://schemas.microsoft.com/office/drawing/2014/main" id="{A9CF8BE7-F2AC-AB4C-900F-F64D55111EFC}"/>
-              </a:ext>
-            </a:extLst>
-          </p:cNvPr>
+          <p:cNvPr id="24" name="椭圆形 23"/>
           <p:cNvSpPr/>
-          <p:nvPr userDrawn="1"/>
+          <p:nvPr userDrawn="true"/>
         </p:nvSpPr>
         <p:spPr>
           <a:xfrm>
@@ -6889,15 +6257,9 @@
       </p:sp>
       <p:sp>
         <p:nvSpPr>
-          <p:cNvPr id="27" name="椭圆形 26">
-            <a:extLst>
-              <a:ext uri="{FF2B5EF4-FFF2-40B4-BE49-F238E27FC236}">
-                <a16:creationId xmlns:a16="http://schemas.microsoft.com/office/drawing/2014/main" id="{5EF4254B-D281-684E-BD0B-63AEC0AC197C}"/>
-              </a:ext>
-            </a:extLst>
-          </p:cNvPr>
+          <p:cNvPr id="27" name="椭圆形 26"/>
           <p:cNvSpPr/>
-          <p:nvPr userDrawn="1"/>
+          <p:nvPr userDrawn="true"/>
         </p:nvSpPr>
         <p:spPr>
           <a:xfrm>
@@ -6943,11 +6305,6 @@
         </p:txBody>
       </p:sp>
     </p:spTree>
-    <p:extLst>
-      <p:ext uri="{BB962C8B-B14F-4D97-AF65-F5344CB8AC3E}">
-        <p14:creationId xmlns:p14="http://schemas.microsoft.com/office/powerpoint/2010/main" val="1180013033"/>
-      </p:ext>
-    </p:extLst>
   </p:cSld>
   <p:clrMapOvr>
     <a:masterClrMapping/>
@@ -6974,15 +6331,9 @@
       </p:grpSpPr>
       <p:sp>
         <p:nvSpPr>
-          <p:cNvPr id="6" name="日期占位符 5">
-            <a:extLst>
-              <a:ext uri="{FF2B5EF4-FFF2-40B4-BE49-F238E27FC236}">
-                <a16:creationId xmlns:a16="http://schemas.microsoft.com/office/drawing/2014/main" id="{7392073F-158F-44A3-8913-917AFFC1BC20}"/>
-              </a:ext>
-            </a:extLst>
-          </p:cNvPr>
+          <p:cNvPr id="6" name="日期占位符 5"/>
           <p:cNvSpPr>
-            <a:spLocks noGrp="1"/>
+            <a:spLocks noGrp="true"/>
           </p:cNvSpPr>
           <p:nvPr>
             <p:ph type="dt" sz="half" idx="10"/>
@@ -7002,7 +6353,6 @@
           <a:p>
             <a:fld id="{FF43D53C-1806-4A83-A211-8671989BB356}" type="datetime1">
               <a:rPr lang="zh-CN" altLang="en-US" noProof="0" smtClean="0"/>
-              <a:t>2020/11/12</a:t>
             </a:fld>
             <a:endParaRPr lang="zh-CN" altLang="en-US" noProof="0" dirty="0"/>
           </a:p>
@@ -7010,15 +6360,9 @@
       </p:sp>
       <p:sp>
         <p:nvSpPr>
-          <p:cNvPr id="7" name="页脚占位符 6">
-            <a:extLst>
-              <a:ext uri="{FF2B5EF4-FFF2-40B4-BE49-F238E27FC236}">
-                <a16:creationId xmlns:a16="http://schemas.microsoft.com/office/drawing/2014/main" id="{EED72207-24CA-42B7-A975-2F8E41CBA904}"/>
-              </a:ext>
-            </a:extLst>
-          </p:cNvPr>
+          <p:cNvPr id="7" name="页脚占位符 6"/>
           <p:cNvSpPr>
-            <a:spLocks noGrp="1"/>
+            <a:spLocks noGrp="true"/>
           </p:cNvSpPr>
           <p:nvPr>
             <p:ph type="ftr" sz="quarter" idx="11"/>
@@ -7042,15 +6386,9 @@
       </p:sp>
       <p:sp>
         <p:nvSpPr>
-          <p:cNvPr id="8" name="灯片编号占位符 7">
-            <a:extLst>
-              <a:ext uri="{FF2B5EF4-FFF2-40B4-BE49-F238E27FC236}">
-                <a16:creationId xmlns:a16="http://schemas.microsoft.com/office/drawing/2014/main" id="{D01080F2-251A-4B88-9A62-16F46D724F83}"/>
-              </a:ext>
-            </a:extLst>
-          </p:cNvPr>
+          <p:cNvPr id="8" name="灯片编号占位符 7"/>
           <p:cNvSpPr>
-            <a:spLocks noGrp="1"/>
+            <a:spLocks noGrp="true"/>
           </p:cNvSpPr>
           <p:nvPr>
             <p:ph type="sldNum" sz="quarter" idx="12"/>
@@ -7070,8 +6408,6 @@
           <a:p>
             <a:fld id="{3A98EE3D-8CD1-4C3F-BD1C-C98C9596463C}" type="slidenum">
               <a:rPr lang="en-US" altLang="zh-CN" noProof="0" smtClean="0"/>
-              <a:pPr/>
-              <a:t>‹#›</a:t>
             </a:fld>
             <a:endParaRPr lang="zh-CN" altLang="en-US" noProof="0" dirty="0"/>
           </a:p>
@@ -7079,15 +6415,9 @@
       </p:sp>
       <p:grpSp>
         <p:nvGrpSpPr>
-          <p:cNvPr id="9" name="组 8">
-            <a:extLst>
-              <a:ext uri="{FF2B5EF4-FFF2-40B4-BE49-F238E27FC236}">
-                <a16:creationId xmlns:a16="http://schemas.microsoft.com/office/drawing/2014/main" id="{A2C09A16-A6B6-E04E-A40A-F482C0A95C0A}"/>
-              </a:ext>
-            </a:extLst>
-          </p:cNvPr>
+          <p:cNvPr id="9" name="组 8"/>
           <p:cNvGrpSpPr/>
-          <p:nvPr userDrawn="1"/>
+          <p:nvPr userDrawn="true"/>
         </p:nvGrpSpPr>
         <p:grpSpPr>
           <a:xfrm rot="5400000">
@@ -7099,15 +6429,9 @@
         </p:grpSpPr>
         <p:sp>
           <p:nvSpPr>
-            <p:cNvPr id="10" name="椭圆形 9">
-              <a:extLst>
-                <a:ext uri="{FF2B5EF4-FFF2-40B4-BE49-F238E27FC236}">
-                  <a16:creationId xmlns:a16="http://schemas.microsoft.com/office/drawing/2014/main" id="{A6B2DF34-338D-4F43-B8F7-D7A00348B68B}"/>
-                </a:ext>
-              </a:extLst>
-            </p:cNvPr>
+            <p:cNvPr id="10" name="椭圆形 9"/>
             <p:cNvSpPr/>
-            <p:nvPr userDrawn="1"/>
+            <p:nvPr userDrawn="true"/>
           </p:nvSpPr>
           <p:spPr>
             <a:xfrm>
@@ -7154,15 +6478,9 @@
         </p:sp>
         <p:sp>
           <p:nvSpPr>
-            <p:cNvPr id="11" name="椭圆形 10">
-              <a:extLst>
-                <a:ext uri="{FF2B5EF4-FFF2-40B4-BE49-F238E27FC236}">
-                  <a16:creationId xmlns:a16="http://schemas.microsoft.com/office/drawing/2014/main" id="{33778C21-4171-774D-A73F-77BEBF2E4C18}"/>
-                </a:ext>
-              </a:extLst>
-            </p:cNvPr>
+            <p:cNvPr id="11" name="椭圆形 10"/>
             <p:cNvSpPr/>
-            <p:nvPr userDrawn="1"/>
+            <p:nvPr userDrawn="true"/>
           </p:nvSpPr>
           <p:spPr>
             <a:xfrm>
@@ -7209,15 +6527,9 @@
         </p:sp>
         <p:sp>
           <p:nvSpPr>
-            <p:cNvPr id="12" name="椭圆形 11">
-              <a:extLst>
-                <a:ext uri="{FF2B5EF4-FFF2-40B4-BE49-F238E27FC236}">
-                  <a16:creationId xmlns:a16="http://schemas.microsoft.com/office/drawing/2014/main" id="{CC25D2EF-AE01-A247-8BC3-8F35F863C0A6}"/>
-                </a:ext>
-              </a:extLst>
-            </p:cNvPr>
+            <p:cNvPr id="12" name="椭圆形 11"/>
             <p:cNvSpPr/>
-            <p:nvPr userDrawn="1"/>
+            <p:nvPr userDrawn="true"/>
           </p:nvSpPr>
           <p:spPr>
             <a:xfrm>
@@ -7264,15 +6576,9 @@
         </p:sp>
         <p:sp>
           <p:nvSpPr>
-            <p:cNvPr id="13" name="椭圆形 12">
-              <a:extLst>
-                <a:ext uri="{FF2B5EF4-FFF2-40B4-BE49-F238E27FC236}">
-                  <a16:creationId xmlns:a16="http://schemas.microsoft.com/office/drawing/2014/main" id="{5F860801-109B-EB4F-96A8-35D76B759583}"/>
-                </a:ext>
-              </a:extLst>
-            </p:cNvPr>
+            <p:cNvPr id="13" name="椭圆形 12"/>
             <p:cNvSpPr/>
-            <p:nvPr userDrawn="1"/>
+            <p:nvPr userDrawn="true"/>
           </p:nvSpPr>
           <p:spPr>
             <a:xfrm>
@@ -7319,15 +6625,9 @@
         </p:sp>
         <p:sp>
           <p:nvSpPr>
-            <p:cNvPr id="14" name="椭圆形 13">
-              <a:extLst>
-                <a:ext uri="{FF2B5EF4-FFF2-40B4-BE49-F238E27FC236}">
-                  <a16:creationId xmlns:a16="http://schemas.microsoft.com/office/drawing/2014/main" id="{97337F70-9199-7242-BD8B-8F96606A18A1}"/>
-                </a:ext>
-              </a:extLst>
-            </p:cNvPr>
+            <p:cNvPr id="14" name="椭圆形 13"/>
             <p:cNvSpPr/>
-            <p:nvPr userDrawn="1"/>
+            <p:nvPr userDrawn="true"/>
           </p:nvSpPr>
           <p:spPr>
             <a:xfrm>
@@ -7374,15 +6674,9 @@
         </p:sp>
         <p:sp>
           <p:nvSpPr>
-            <p:cNvPr id="15" name="椭圆形 14">
-              <a:extLst>
-                <a:ext uri="{FF2B5EF4-FFF2-40B4-BE49-F238E27FC236}">
-                  <a16:creationId xmlns:a16="http://schemas.microsoft.com/office/drawing/2014/main" id="{DF9320B7-AD58-7649-BC95-614ED90F4E69}"/>
-                </a:ext>
-              </a:extLst>
-            </p:cNvPr>
+            <p:cNvPr id="15" name="椭圆形 14"/>
             <p:cNvSpPr/>
-            <p:nvPr userDrawn="1"/>
+            <p:nvPr userDrawn="true"/>
           </p:nvSpPr>
           <p:spPr>
             <a:xfrm>
@@ -7430,18 +6724,12 @@
       </p:grpSp>
       <p:sp>
         <p:nvSpPr>
-          <p:cNvPr id="16" name="标题 1">
-            <a:extLst>
-              <a:ext uri="{FF2B5EF4-FFF2-40B4-BE49-F238E27FC236}">
-                <a16:creationId xmlns:a16="http://schemas.microsoft.com/office/drawing/2014/main" id="{0C0DE796-998A-F84E-9B56-1958C6777C8D}"/>
-              </a:ext>
-            </a:extLst>
-          </p:cNvPr>
+          <p:cNvPr id="16" name="标题 1"/>
           <p:cNvSpPr>
-            <a:spLocks noGrp="1"/>
+            <a:spLocks noGrp="true"/>
           </p:cNvSpPr>
           <p:nvPr>
-            <p:ph type="title" hasCustomPrompt="1"/>
+            <p:ph type="title" hasCustomPrompt="true"/>
           </p:nvPr>
         </p:nvSpPr>
         <p:spPr>
@@ -7471,20 +6759,15 @@
               <a:rPr lang="zh-CN" altLang="en-US" noProof="0" dirty="0"/>
               <a:t>在此处输入标题</a:t>
             </a:r>
-          </a:p>
-        </p:txBody>
-      </p:sp>
-      <p:sp>
-        <p:nvSpPr>
-          <p:cNvPr id="21" name="图片占位符 20">
-            <a:extLst>
-              <a:ext uri="{FF2B5EF4-FFF2-40B4-BE49-F238E27FC236}">
-                <a16:creationId xmlns:a16="http://schemas.microsoft.com/office/drawing/2014/main" id="{384D173E-9054-4C40-98EA-A6EAC4D8511B}"/>
-              </a:ext>
-            </a:extLst>
-          </p:cNvPr>
+            <a:endParaRPr lang="zh-CN" altLang="en-US" noProof="0" dirty="0"/>
+          </a:p>
+        </p:txBody>
+      </p:sp>
+      <p:sp>
+        <p:nvSpPr>
+          <p:cNvPr id="21" name="图片占位符 20"/>
           <p:cNvSpPr>
-            <a:spLocks noGrp="1"/>
+            <a:spLocks noGrp="true"/>
           </p:cNvSpPr>
           <p:nvPr>
             <p:ph type="pic" sz="quarter" idx="13"/>
@@ -7569,7 +6852,7 @@
               </a:path>
             </a:pathLst>
           </a:custGeom>
-          <a:gradFill flip="none" rotWithShape="1">
+          <a:gradFill flip="none" rotWithShape="true">
             <a:gsLst>
               <a:gs pos="0">
                 <a:schemeClr val="accent6">
@@ -7622,15 +6905,9 @@
       </p:sp>
       <p:sp>
         <p:nvSpPr>
-          <p:cNvPr id="18" name="内容占位符 2">
-            <a:extLst>
-              <a:ext uri="{FF2B5EF4-FFF2-40B4-BE49-F238E27FC236}">
-                <a16:creationId xmlns:a16="http://schemas.microsoft.com/office/drawing/2014/main" id="{881322FE-E286-E344-B332-CF37E6CAD2DC}"/>
-              </a:ext>
-            </a:extLst>
-          </p:cNvPr>
+          <p:cNvPr id="18" name="内容占位符 2"/>
           <p:cNvSpPr>
-            <a:spLocks noGrp="1"/>
+            <a:spLocks noGrp="true"/>
           </p:cNvSpPr>
           <p:nvPr>
             <p:ph sz="half" idx="1"/>
@@ -7684,6 +6961,7 @@
               <a:rPr lang="zh-CN" altLang="en-US" noProof="0"/>
               <a:t>单击此处编辑母版文本样式</a:t>
             </a:r>
+            <a:endParaRPr lang="zh-CN" altLang="en-US" noProof="0"/>
           </a:p>
           <a:p>
             <a:pPr lvl="1" rtl="0"/>
@@ -7691,6 +6969,7 @@
               <a:rPr lang="zh-CN" altLang="en-US" noProof="0"/>
               <a:t>二级</a:t>
             </a:r>
+            <a:endParaRPr lang="zh-CN" altLang="en-US" noProof="0"/>
           </a:p>
           <a:p>
             <a:pPr lvl="2" rtl="0"/>
@@ -7698,6 +6977,7 @@
               <a:rPr lang="zh-CN" altLang="en-US" noProof="0"/>
               <a:t>三级</a:t>
             </a:r>
+            <a:endParaRPr lang="zh-CN" altLang="en-US" noProof="0"/>
           </a:p>
           <a:p>
             <a:pPr lvl="3" rtl="0"/>
@@ -7705,6 +6985,7 @@
               <a:rPr lang="zh-CN" altLang="en-US" noProof="0"/>
               <a:t>四级</a:t>
             </a:r>
+            <a:endParaRPr lang="zh-CN" altLang="en-US" noProof="0"/>
           </a:p>
           <a:p>
             <a:pPr lvl="4" rtl="0"/>
@@ -7717,11 +6998,6 @@
         </p:txBody>
       </p:sp>
     </p:spTree>
-    <p:extLst>
-      <p:ext uri="{BB962C8B-B14F-4D97-AF65-F5344CB8AC3E}">
-        <p14:creationId xmlns:p14="http://schemas.microsoft.com/office/powerpoint/2010/main" val="2829985683"/>
-      </p:ext>
-    </p:extLst>
   </p:cSld>
   <p:clrMapOvr>
     <a:masterClrMapping/>
@@ -7730,7 +7006,7 @@
 </file>
 
 <file path=ppt/slideLayouts/slideLayout9.xml><?xml version="1.0" encoding="utf-8"?>
-<p:sldLayout xmlns:a="http://schemas.openxmlformats.org/drawingml/2006/main" xmlns:r="http://schemas.openxmlformats.org/officeDocument/2006/relationships" xmlns:p="http://schemas.openxmlformats.org/presentationml/2006/main" showMasterSp="0" type="blank" preserve="1">
+<p:sldLayout xmlns:a="http://schemas.openxmlformats.org/drawingml/2006/main" xmlns:r="http://schemas.openxmlformats.org/officeDocument/2006/relationships" xmlns:p="http://schemas.openxmlformats.org/presentationml/2006/main" type="blank" preserve="1" showMasterSp="0">
   <p:cSld name="空白">
     <p:spTree>
       <p:nvGrpSpPr>
@@ -7748,15 +7024,9 @@
       </p:grpSpPr>
       <p:sp>
         <p:nvSpPr>
-          <p:cNvPr id="2" name="日期占位符 1">
-            <a:extLst>
-              <a:ext uri="{FF2B5EF4-FFF2-40B4-BE49-F238E27FC236}">
-                <a16:creationId xmlns:a16="http://schemas.microsoft.com/office/drawing/2014/main" id="{94E9223F-721F-47BF-9FD5-0F8D12FF0DE1}"/>
-              </a:ext>
-            </a:extLst>
-          </p:cNvPr>
+          <p:cNvPr id="2" name="日期占位符 1"/>
           <p:cNvSpPr>
-            <a:spLocks noGrp="1"/>
+            <a:spLocks noGrp="true"/>
           </p:cNvSpPr>
           <p:nvPr>
             <p:ph type="dt" sz="half" idx="10"/>
@@ -7770,7 +7040,6 @@
             <a:pPr rtl="0"/>
             <a:fld id="{02A4ACC5-A778-46B8-BCD4-0E4BAAD40D7F}" type="datetime1">
               <a:rPr lang="zh-CN" altLang="en-US" noProof="0" smtClean="0"/>
-              <a:t>2020/11/12</a:t>
             </a:fld>
             <a:endParaRPr lang="zh-CN" altLang="en-US" noProof="0" dirty="0"/>
           </a:p>
@@ -7778,15 +7047,9 @@
       </p:sp>
       <p:sp>
         <p:nvSpPr>
-          <p:cNvPr id="3" name="页脚占位符 2">
-            <a:extLst>
-              <a:ext uri="{FF2B5EF4-FFF2-40B4-BE49-F238E27FC236}">
-                <a16:creationId xmlns:a16="http://schemas.microsoft.com/office/drawing/2014/main" id="{05915714-6BBA-4593-8591-4E26F7D58D9F}"/>
-              </a:ext>
-            </a:extLst>
-          </p:cNvPr>
+          <p:cNvPr id="3" name="页脚占位符 2"/>
           <p:cNvSpPr>
-            <a:spLocks noGrp="1"/>
+            <a:spLocks noGrp="true"/>
           </p:cNvSpPr>
           <p:nvPr>
             <p:ph type="ftr" sz="quarter" idx="11"/>
@@ -7804,15 +7067,9 @@
       </p:sp>
       <p:sp>
         <p:nvSpPr>
-          <p:cNvPr id="4" name="灯片编号占位符 3">
-            <a:extLst>
-              <a:ext uri="{FF2B5EF4-FFF2-40B4-BE49-F238E27FC236}">
-                <a16:creationId xmlns:a16="http://schemas.microsoft.com/office/drawing/2014/main" id="{BE06F857-D2E1-44DD-ABDD-EBB739645B67}"/>
-              </a:ext>
-            </a:extLst>
-          </p:cNvPr>
+          <p:cNvPr id="4" name="灯片编号占位符 3"/>
           <p:cNvSpPr>
-            <a:spLocks noGrp="1"/>
+            <a:spLocks noGrp="true"/>
           </p:cNvSpPr>
           <p:nvPr>
             <p:ph type="sldNum" sz="quarter" idx="12"/>
@@ -7826,18 +7083,12 @@
             <a:pPr rtl="0"/>
             <a:fld id="{3A98EE3D-8CD1-4C3F-BD1C-C98C9596463C}" type="slidenum">
               <a:rPr lang="en-US" altLang="zh-CN" noProof="0" smtClean="0"/>
-              <a:t>‹#›</a:t>
             </a:fld>
             <a:endParaRPr lang="zh-CN" altLang="en-US" noProof="0" dirty="0"/>
           </a:p>
         </p:txBody>
       </p:sp>
     </p:spTree>
-    <p:extLst>
-      <p:ext uri="{BB962C8B-B14F-4D97-AF65-F5344CB8AC3E}">
-        <p14:creationId xmlns:p14="http://schemas.microsoft.com/office/powerpoint/2010/main" val="3010507315"/>
-      </p:ext>
-    </p:extLst>
   </p:cSld>
   <p:clrMapOvr>
     <a:masterClrMapping/>
@@ -7871,7 +7122,7 @@
         <p:nvSpPr>
           <p:cNvPr id="2" name="标题占位符 1"/>
           <p:cNvSpPr>
-            <a:spLocks noGrp="1"/>
+            <a:spLocks noGrp="true"/>
           </p:cNvSpPr>
           <p:nvPr>
             <p:ph type="title"/>
@@ -7897,6 +7148,7 @@
               <a:rPr lang="zh-CN" altLang="en-US" noProof="0" dirty="0"/>
               <a:t>单击此处编辑母版标题样式</a:t>
             </a:r>
+            <a:endParaRPr lang="zh-CN" altLang="en-US" noProof="0" dirty="0"/>
           </a:p>
         </p:txBody>
       </p:sp>
@@ -7904,7 +7156,7 @@
         <p:nvSpPr>
           <p:cNvPr id="3" name="文本占位符 2"/>
           <p:cNvSpPr>
-            <a:spLocks noGrp="1"/>
+            <a:spLocks noGrp="true"/>
           </p:cNvSpPr>
           <p:nvPr>
             <p:ph type="body" idx="1"/>
@@ -7930,6 +7182,7 @@
               <a:rPr lang="zh-CN" altLang="en-US" noProof="0" dirty="0"/>
               <a:t>单击此处编辑母版文本样式</a:t>
             </a:r>
+            <a:endParaRPr lang="zh-CN" altLang="en-US" noProof="0" dirty="0"/>
           </a:p>
           <a:p>
             <a:pPr lvl="1" rtl="0"/>
@@ -7937,6 +7190,7 @@
               <a:rPr lang="zh-CN" altLang="en-US" noProof="0" dirty="0"/>
               <a:t>第二级</a:t>
             </a:r>
+            <a:endParaRPr lang="zh-CN" altLang="en-US" noProof="0" dirty="0"/>
           </a:p>
           <a:p>
             <a:pPr lvl="2" rtl="0"/>
@@ -7944,6 +7198,7 @@
               <a:rPr lang="zh-CN" altLang="en-US" noProof="0" dirty="0"/>
               <a:t>第三级</a:t>
             </a:r>
+            <a:endParaRPr lang="zh-CN" altLang="en-US" noProof="0" dirty="0"/>
           </a:p>
           <a:p>
             <a:pPr lvl="3" rtl="0"/>
@@ -7951,6 +7206,7 @@
               <a:rPr lang="zh-CN" altLang="en-US" noProof="0" dirty="0"/>
               <a:t>第四级</a:t>
             </a:r>
+            <a:endParaRPr lang="zh-CN" altLang="en-US" noProof="0" dirty="0"/>
           </a:p>
           <a:p>
             <a:pPr lvl="4" rtl="0"/>
@@ -7958,6 +7214,7 @@
               <a:rPr lang="zh-CN" altLang="en-US" noProof="0" dirty="0"/>
               <a:t>第五级</a:t>
             </a:r>
+            <a:endParaRPr lang="zh-CN" altLang="en-US" noProof="0" dirty="0"/>
           </a:p>
         </p:txBody>
       </p:sp>
@@ -7965,7 +7222,7 @@
         <p:nvSpPr>
           <p:cNvPr id="4" name="日期占位符 3"/>
           <p:cNvSpPr>
-            <a:spLocks noGrp="1"/>
+            <a:spLocks noGrp="true"/>
           </p:cNvSpPr>
           <p:nvPr>
             <p:ph type="dt" sz="half" idx="2"/>
@@ -7996,7 +7253,6 @@
           <a:p>
             <a:fld id="{746A4FBD-32D7-4F41-8EDC-A34B0FECF966}" type="datetime1">
               <a:rPr lang="zh-CN" altLang="en-US" noProof="0" smtClean="0"/>
-              <a:t>2020/11/12</a:t>
             </a:fld>
             <a:endParaRPr lang="zh-CN" altLang="en-US" noProof="0" dirty="0"/>
           </a:p>
@@ -8006,7 +7262,7 @@
         <p:nvSpPr>
           <p:cNvPr id="5" name="页脚占位符 4"/>
           <p:cNvSpPr>
-            <a:spLocks noGrp="1"/>
+            <a:spLocks noGrp="true"/>
           </p:cNvSpPr>
           <p:nvPr>
             <p:ph type="ftr" sz="quarter" idx="3"/>
@@ -8043,7 +7299,7 @@
         <p:nvSpPr>
           <p:cNvPr id="6" name="幻灯片编号占位符 5"/>
           <p:cNvSpPr>
-            <a:spLocks noGrp="1"/>
+            <a:spLocks noGrp="true"/>
           </p:cNvSpPr>
           <p:nvPr>
             <p:ph type="sldNum" sz="quarter" idx="4"/>
@@ -8074,31 +7330,24 @@
           <a:p>
             <a:fld id="{3A98EE3D-8CD1-4C3F-BD1C-C98C9596463C}" type="slidenum">
               <a:rPr lang="en-US" altLang="zh-CN" noProof="0" smtClean="0"/>
-              <a:pPr/>
-              <a:t>‹#›</a:t>
             </a:fld>
             <a:endParaRPr lang="zh-CN" altLang="en-US" noProof="0" dirty="0"/>
           </a:p>
         </p:txBody>
       </p:sp>
     </p:spTree>
-    <p:extLst>
-      <p:ext uri="{BB962C8B-B14F-4D97-AF65-F5344CB8AC3E}">
-        <p14:creationId xmlns:p14="http://schemas.microsoft.com/office/powerpoint/2010/main" val="1690285712"/>
-      </p:ext>
-    </p:extLst>
   </p:cSld>
   <p:clrMap bg1="lt1" tx1="dk1" bg2="lt2" tx2="dk2" accent1="accent1" accent2="accent2" accent3="accent3" accent4="accent4" accent5="accent5" accent6="accent6" hlink="hlink" folHlink="folHlink"/>
   <p:sldLayoutIdLst>
-    <p:sldLayoutId id="2147483706" r:id="rId1"/>
-    <p:sldLayoutId id="2147483707" r:id="rId2"/>
-    <p:sldLayoutId id="2147483722" r:id="rId3"/>
-    <p:sldLayoutId id="2147483708" r:id="rId4"/>
-    <p:sldLayoutId id="2147483709" r:id="rId5"/>
-    <p:sldLayoutId id="2147483716" r:id="rId6"/>
-    <p:sldLayoutId id="2147483710" r:id="rId7"/>
-    <p:sldLayoutId id="2147483724" r:id="rId8"/>
-    <p:sldLayoutId id="2147483711" r:id="rId9"/>
+    <p:sldLayoutId id="2147483649" r:id="rId1"/>
+    <p:sldLayoutId id="2147483650" r:id="rId2"/>
+    <p:sldLayoutId id="2147483651" r:id="rId3"/>
+    <p:sldLayoutId id="2147483652" r:id="rId4"/>
+    <p:sldLayoutId id="2147483653" r:id="rId5"/>
+    <p:sldLayoutId id="2147483654" r:id="rId6"/>
+    <p:sldLayoutId id="2147483655" r:id="rId7"/>
+    <p:sldLayoutId id="2147483656" r:id="rId8"/>
+    <p:sldLayoutId id="2147483657" r:id="rId9"/>
   </p:sldLayoutIdLst>
   <p:hf sldNum="0" hdr="0" ftr="0" dt="0"/>
   <p:txStyles>
@@ -8153,7 +7402,7 @@
           <a:cs typeface="+mn-cs"/>
         </a:defRPr>
       </a:lvl1pPr>
-      <a:lvl2pPr marL="384048" indent="-182880" algn="l" defTabSz="914400" rtl="0" eaLnBrk="1" latinLnBrk="0" hangingPunct="1">
+      <a:lvl2pPr marL="384175" indent="-182880" algn="l" defTabSz="914400" rtl="0" eaLnBrk="1" latinLnBrk="0" hangingPunct="1">
         <a:lnSpc>
           <a:spcPct val="100000"/>
         </a:lnSpc>
@@ -8164,7 +7413,7 @@
           <a:spcPts val="400"/>
         </a:spcAft>
         <a:buClrTx/>
-        <a:buFont typeface="Calibri" pitchFamily="34" charset="0"/>
+        <a:buFont typeface="Calibri" panose="020F0502020204030204" pitchFamily="34" charset="0"/>
         <a:buChar char="◦"/>
         <a:defRPr sz="1800" kern="1200">
           <a:solidFill>
@@ -8178,7 +7427,7 @@
           <a:cs typeface="+mn-cs"/>
         </a:defRPr>
       </a:lvl2pPr>
-      <a:lvl3pPr marL="566928" indent="-182880" algn="l" defTabSz="914400" rtl="0" eaLnBrk="1" latinLnBrk="0" hangingPunct="1">
+      <a:lvl3pPr marL="567055" indent="-182880" algn="l" defTabSz="914400" rtl="0" eaLnBrk="1" latinLnBrk="0" hangingPunct="1">
         <a:lnSpc>
           <a:spcPct val="100000"/>
         </a:lnSpc>
@@ -8189,7 +7438,7 @@
           <a:spcPts val="400"/>
         </a:spcAft>
         <a:buClrTx/>
-        <a:buFont typeface="Calibri" pitchFamily="34" charset="0"/>
+        <a:buFont typeface="Calibri" panose="020F0502020204030204" pitchFamily="34" charset="0"/>
         <a:buChar char="◦"/>
         <a:defRPr sz="1400" kern="1200">
           <a:solidFill>
@@ -8203,7 +7452,7 @@
           <a:cs typeface="+mn-cs"/>
         </a:defRPr>
       </a:lvl3pPr>
-      <a:lvl4pPr marL="749808" indent="-182880" algn="l" defTabSz="914400" rtl="0" eaLnBrk="1" latinLnBrk="0" hangingPunct="1">
+      <a:lvl4pPr marL="749935" indent="-182880" algn="l" defTabSz="914400" rtl="0" eaLnBrk="1" latinLnBrk="0" hangingPunct="1">
         <a:lnSpc>
           <a:spcPct val="100000"/>
         </a:lnSpc>
@@ -8214,7 +7463,7 @@
           <a:spcPts val="400"/>
         </a:spcAft>
         <a:buClrTx/>
-        <a:buFont typeface="Calibri" pitchFamily="34" charset="0"/>
+        <a:buFont typeface="Calibri" panose="020F0502020204030204" pitchFamily="34" charset="0"/>
         <a:buChar char="◦"/>
         <a:defRPr sz="1400" kern="1200">
           <a:solidFill>
@@ -8228,7 +7477,7 @@
           <a:cs typeface="+mn-cs"/>
         </a:defRPr>
       </a:lvl4pPr>
-      <a:lvl5pPr marL="932688" indent="-182880" algn="l" defTabSz="914400" rtl="0" eaLnBrk="1" latinLnBrk="0" hangingPunct="1">
+      <a:lvl5pPr marL="932815" indent="-182880" algn="l" defTabSz="914400" rtl="0" eaLnBrk="1" latinLnBrk="0" hangingPunct="1">
         <a:lnSpc>
           <a:spcPct val="100000"/>
         </a:lnSpc>
@@ -8239,7 +7488,7 @@
           <a:spcPts val="400"/>
         </a:spcAft>
         <a:buClrTx/>
-        <a:buFont typeface="Calibri" pitchFamily="34" charset="0"/>
+        <a:buFont typeface="Calibri" panose="020F0502020204030204" pitchFamily="34" charset="0"/>
         <a:buChar char="◦"/>
         <a:defRPr sz="1400" kern="1200">
           <a:solidFill>
@@ -8253,7 +7502,7 @@
           <a:cs typeface="+mn-cs"/>
         </a:defRPr>
       </a:lvl5pPr>
-      <a:lvl6pPr marL="1100000" indent="-228600" algn="l" defTabSz="914400" rtl="0" eaLnBrk="1" latinLnBrk="0" hangingPunct="1">
+      <a:lvl6pPr marL="1099820" indent="-228600" algn="l" defTabSz="914400" rtl="0" eaLnBrk="1" latinLnBrk="0" hangingPunct="1">
         <a:lnSpc>
           <a:spcPct val="90000"/>
         </a:lnSpc>
@@ -8266,7 +7515,7 @@
         <a:buClr>
           <a:schemeClr val="accent1"/>
         </a:buClr>
-        <a:buFont typeface="Calibri" pitchFamily="34" charset="0"/>
+        <a:buFont typeface="Calibri" panose="020F0502020204030204" pitchFamily="34" charset="0"/>
         <a:buChar char="◦"/>
         <a:defRPr sz="1400" kern="1200">
           <a:solidFill>
@@ -8280,7 +7529,7 @@
           <a:cs typeface="+mn-cs"/>
         </a:defRPr>
       </a:lvl6pPr>
-      <a:lvl7pPr marL="1300000" indent="-228600" algn="l" defTabSz="914400" rtl="0" eaLnBrk="1" latinLnBrk="0" hangingPunct="1">
+      <a:lvl7pPr marL="1299845" indent="-228600" algn="l" defTabSz="914400" rtl="0" eaLnBrk="1" latinLnBrk="0" hangingPunct="1">
         <a:lnSpc>
           <a:spcPct val="90000"/>
         </a:lnSpc>
@@ -8293,7 +7542,7 @@
         <a:buClr>
           <a:schemeClr val="accent1"/>
         </a:buClr>
-        <a:buFont typeface="Calibri" pitchFamily="34" charset="0"/>
+        <a:buFont typeface="Calibri" panose="020F0502020204030204" pitchFamily="34" charset="0"/>
         <a:buChar char="◦"/>
         <a:defRPr sz="1400" kern="1200">
           <a:solidFill>
@@ -8307,7 +7556,7 @@
           <a:cs typeface="+mn-cs"/>
         </a:defRPr>
       </a:lvl7pPr>
-      <a:lvl8pPr marL="1500000" indent="-228600" algn="l" defTabSz="914400" rtl="0" eaLnBrk="1" latinLnBrk="0" hangingPunct="1">
+      <a:lvl8pPr marL="1499870" indent="-228600" algn="l" defTabSz="914400" rtl="0" eaLnBrk="1" latinLnBrk="0" hangingPunct="1">
         <a:lnSpc>
           <a:spcPct val="90000"/>
         </a:lnSpc>
@@ -8320,7 +7569,7 @@
         <a:buClr>
           <a:schemeClr val="accent1"/>
         </a:buClr>
-        <a:buFont typeface="Calibri" pitchFamily="34" charset="0"/>
+        <a:buFont typeface="Calibri" panose="020F0502020204030204" pitchFamily="34" charset="0"/>
         <a:buChar char="◦"/>
         <a:defRPr sz="1400" kern="1200">
           <a:solidFill>
@@ -8334,7 +7583,7 @@
           <a:cs typeface="+mn-cs"/>
         </a:defRPr>
       </a:lvl8pPr>
-      <a:lvl9pPr marL="1700000" indent="-228600" algn="l" defTabSz="914400" rtl="0" eaLnBrk="1" latinLnBrk="0" hangingPunct="1">
+      <a:lvl9pPr marL="1699895" indent="-228600" algn="l" defTabSz="914400" rtl="0" eaLnBrk="1" latinLnBrk="0" hangingPunct="1">
         <a:lnSpc>
           <a:spcPct val="90000"/>
         </a:lnSpc>
@@ -8347,7 +7596,7 @@
         <a:buClr>
           <a:schemeClr val="accent1"/>
         </a:buClr>
-        <a:buFont typeface="Calibri" pitchFamily="34" charset="0"/>
+        <a:buFont typeface="Calibri" panose="020F0502020204030204" pitchFamily="34" charset="0"/>
         <a:buChar char="◦"/>
         <a:defRPr sz="1400" kern="1200">
           <a:solidFill>
@@ -8480,15 +7729,9 @@
       </p:grpSpPr>
       <p:sp>
         <p:nvSpPr>
-          <p:cNvPr id="2" name="标题 1">
-            <a:extLst>
-              <a:ext uri="{FF2B5EF4-FFF2-40B4-BE49-F238E27FC236}">
-                <a16:creationId xmlns:a16="http://schemas.microsoft.com/office/drawing/2014/main" id="{12F50278-9A9A-0F4E-BDCF-6351BE173254}"/>
-              </a:ext>
-            </a:extLst>
-          </p:cNvPr>
+          <p:cNvPr id="2" name="标题 1"/>
           <p:cNvSpPr>
-            <a:spLocks noGrp="1"/>
+            <a:spLocks noGrp="true"/>
           </p:cNvSpPr>
           <p:nvPr>
             <p:ph type="ctrTitle"/>
@@ -8514,20 +7757,18 @@
               </a:rPr>
               <a:t>使用基础</a:t>
             </a:r>
-          </a:p>
-        </p:txBody>
-      </p:sp>
-      <p:sp>
-        <p:nvSpPr>
-          <p:cNvPr id="3" name="副标题 2">
-            <a:extLst>
-              <a:ext uri="{FF2B5EF4-FFF2-40B4-BE49-F238E27FC236}">
-                <a16:creationId xmlns:a16="http://schemas.microsoft.com/office/drawing/2014/main" id="{117F481B-9C2C-084A-8DF1-0582D2DA4B02}"/>
-              </a:ext>
-            </a:extLst>
-          </p:cNvPr>
+            <a:endParaRPr lang="zh-CN" altLang="en-US" dirty="0">
+              <a:latin typeface="Microsoft YaHei UI" panose="020B0503020204020204" pitchFamily="34" charset="-122"/>
+              <a:ea typeface="Microsoft YaHei UI" panose="020B0503020204020204" pitchFamily="34" charset="-122"/>
+            </a:endParaRPr>
+          </a:p>
+        </p:txBody>
+      </p:sp>
+      <p:sp>
+        <p:nvSpPr>
+          <p:cNvPr id="3" name="副标题 2"/>
           <p:cNvSpPr>
-            <a:spLocks noGrp="1"/>
+            <a:spLocks noGrp="true"/>
           </p:cNvSpPr>
           <p:nvPr>
             <p:ph type="subTitle" idx="1"/>
@@ -8558,17 +7799,16 @@
                 <a:latin typeface="Microsoft YaHei UI" panose="020B0503020204020204" pitchFamily="34" charset="-122"/>
                 <a:ea typeface="Microsoft YaHei UI" panose="020B0503020204020204" pitchFamily="34" charset="-122"/>
               </a:rPr>
-              <a:t>推荐</a:t>
-            </a:r>
+              <a:t>传教</a:t>
+            </a:r>
+            <a:endParaRPr lang="zh-CN" altLang="en-US" dirty="0">
+              <a:latin typeface="Microsoft YaHei UI" panose="020B0503020204020204" pitchFamily="34" charset="-122"/>
+              <a:ea typeface="Microsoft YaHei UI" panose="020B0503020204020204" pitchFamily="34" charset="-122"/>
+            </a:endParaRPr>
           </a:p>
         </p:txBody>
       </p:sp>
     </p:spTree>
-    <p:extLst>
-      <p:ext uri="{BB962C8B-B14F-4D97-AF65-F5344CB8AC3E}">
-        <p14:creationId xmlns:p14="http://schemas.microsoft.com/office/powerpoint/2010/main" val="3827693486"/>
-      </p:ext>
-    </p:extLst>
   </p:cSld>
   <p:clrMapOvr>
     <a:masterClrMapping/>
@@ -8595,15 +7835,9 @@
       </p:grpSpPr>
       <p:sp>
         <p:nvSpPr>
-          <p:cNvPr id="2" name="标题 1">
-            <a:extLst>
-              <a:ext uri="{FF2B5EF4-FFF2-40B4-BE49-F238E27FC236}">
-                <a16:creationId xmlns:a16="http://schemas.microsoft.com/office/drawing/2014/main" id="{D284E958-65B9-4162-9161-216CE05B8EB5}"/>
-              </a:ext>
-            </a:extLst>
-          </p:cNvPr>
+          <p:cNvPr id="2" name="标题 1"/>
           <p:cNvSpPr>
-            <a:spLocks noGrp="1"/>
+            <a:spLocks noGrp="true"/>
           </p:cNvSpPr>
           <p:nvPr>
             <p:ph type="title"/>
@@ -8622,20 +7856,15 @@
               <a:rPr lang="zh-CN" altLang="en-US" dirty="0"/>
               <a:t>文件管理</a:t>
             </a:r>
-          </a:p>
-        </p:txBody>
-      </p:sp>
-      <p:sp>
-        <p:nvSpPr>
-          <p:cNvPr id="3" name="文本占位符 2">
-            <a:extLst>
-              <a:ext uri="{FF2B5EF4-FFF2-40B4-BE49-F238E27FC236}">
-                <a16:creationId xmlns:a16="http://schemas.microsoft.com/office/drawing/2014/main" id="{21BE5D1C-AD69-40E8-8BAD-9F0BE357CCC9}"/>
-              </a:ext>
-            </a:extLst>
-          </p:cNvPr>
+            <a:endParaRPr lang="zh-CN" altLang="en-US" dirty="0"/>
+          </a:p>
+        </p:txBody>
+      </p:sp>
+      <p:sp>
+        <p:nvSpPr>
+          <p:cNvPr id="3" name="文本占位符 2"/>
           <p:cNvSpPr>
-            <a:spLocks noGrp="1"/>
+            <a:spLocks noGrp="true"/>
           </p:cNvSpPr>
           <p:nvPr>
             <p:ph type="body" idx="1"/>
@@ -8651,11 +7880,6 @@
         </p:txBody>
       </p:sp>
     </p:spTree>
-    <p:extLst>
-      <p:ext uri="{BB962C8B-B14F-4D97-AF65-F5344CB8AC3E}">
-        <p14:creationId xmlns:p14="http://schemas.microsoft.com/office/powerpoint/2010/main" val="1898639965"/>
-      </p:ext>
-    </p:extLst>
   </p:cSld>
   <p:clrMapOvr>
     <a:masterClrMapping/>
@@ -8682,44 +7906,32 @@
       </p:grpSpPr>
       <p:pic>
         <p:nvPicPr>
-          <p:cNvPr id="5" name="内容占位符 4">
-            <a:extLst>
-              <a:ext uri="{FF2B5EF4-FFF2-40B4-BE49-F238E27FC236}">
-                <a16:creationId xmlns:a16="http://schemas.microsoft.com/office/drawing/2014/main" id="{5F20F9D5-ECBF-45FC-882D-5EE77066A233}"/>
-              </a:ext>
-            </a:extLst>
-          </p:cNvPr>
+          <p:cNvPr id="5" name="内容占位符 4"/>
           <p:cNvPicPr>
-            <a:picLocks noGrp="1" noChangeAspect="1"/>
+            <a:picLocks noGrp="true" noChangeAspect="true"/>
           </p:cNvPicPr>
           <p:nvPr>
             <p:ph idx="1"/>
           </p:nvPr>
         </p:nvPicPr>
         <p:blipFill>
-          <a:blip r:embed="rId2"/>
+          <a:blip r:embed="rId1"/>
           <a:stretch>
             <a:fillRect/>
           </a:stretch>
         </p:blipFill>
         <p:spPr>
           <a:xfrm>
-            <a:off x="1097280" y="1417912"/>
+            <a:off x="1097280" y="1428707"/>
             <a:ext cx="5147109" cy="4807284"/>
           </a:xfrm>
         </p:spPr>
       </p:pic>
       <p:sp>
         <p:nvSpPr>
-          <p:cNvPr id="3" name="标题 2">
-            <a:extLst>
-              <a:ext uri="{FF2B5EF4-FFF2-40B4-BE49-F238E27FC236}">
-                <a16:creationId xmlns:a16="http://schemas.microsoft.com/office/drawing/2014/main" id="{C5230BC0-C18E-4BDB-8921-FF61E5FB390E}"/>
-              </a:ext>
-            </a:extLst>
-          </p:cNvPr>
+          <p:cNvPr id="3" name="标题 2"/>
           <p:cNvSpPr>
-            <a:spLocks noGrp="1"/>
+            <a:spLocks noGrp="true"/>
           </p:cNvSpPr>
           <p:nvPr>
             <p:ph type="title"/>
@@ -8738,15 +7950,11 @@
               <a:rPr lang="zh-CN" altLang="en-US" dirty="0"/>
               <a:t>文件目录</a:t>
             </a:r>
+            <a:endParaRPr lang="zh-CN" altLang="en-US" dirty="0"/>
           </a:p>
         </p:txBody>
       </p:sp>
     </p:spTree>
-    <p:extLst>
-      <p:ext uri="{BB962C8B-B14F-4D97-AF65-F5344CB8AC3E}">
-        <p14:creationId xmlns:p14="http://schemas.microsoft.com/office/powerpoint/2010/main" val="2523617510"/>
-      </p:ext>
-    </p:extLst>
   </p:cSld>
   <p:clrMapOvr>
     <a:masterClrMapping/>
@@ -8773,60 +7981,257 @@
       </p:grpSpPr>
       <p:sp>
         <p:nvSpPr>
-          <p:cNvPr id="2" name="内容占位符 1">
-            <a:extLst>
-              <a:ext uri="{FF2B5EF4-FFF2-40B4-BE49-F238E27FC236}">
-                <a16:creationId xmlns:a16="http://schemas.microsoft.com/office/drawing/2014/main" id="{53A90F41-8913-40B0-B0BC-4B12D3E066EB}"/>
-              </a:ext>
-            </a:extLst>
-          </p:cNvPr>
+          <p:cNvPr id="2" name="内容占位符 1"/>
           <p:cNvSpPr>
-            <a:spLocks noGrp="1"/>
+            <a:spLocks noGrp="true"/>
           </p:cNvSpPr>
           <p:nvPr>
             <p:ph idx="1"/>
           </p:nvPr>
         </p:nvSpPr>
-        <p:spPr/>
-        <p:txBody>
-          <a:bodyPr/>
+        <p:spPr>
+          <a:xfrm>
+            <a:off x="1097280" y="1442720"/>
+            <a:ext cx="10058400" cy="4542790"/>
+          </a:xfrm>
+        </p:spPr>
+        <p:txBody>
+          <a:bodyPr>
+            <a:normAutofit lnSpcReduction="20000"/>
+          </a:bodyPr>
           <a:lstStyle/>
           <a:p>
+            <a:pPr lvl="1"/>
             <a:r>
               <a:rPr lang="en-US" altLang="zh-CN" dirty="0"/>
-              <a:t>cd</a:t>
-            </a:r>
-          </a:p>
-          <a:p>
+              <a:t>cd 		</a:t>
+            </a:r>
+            <a:r>
+              <a:rPr lang="zh-CN" altLang="en-US" dirty="0"/>
+              <a:t>改变当前目录</a:t>
+            </a:r>
             <a:r>
               <a:rPr lang="en-US" altLang="zh-CN" dirty="0"/>
-              <a:t>ls</a:t>
-            </a:r>
-          </a:p>
-          <a:p>
+              <a:t> </a:t>
+            </a:r>
+            <a:r>
+              <a:rPr lang="en-US" altLang="en-US" dirty="0"/>
+              <a:t>(change directory)</a:t>
+            </a:r>
+            <a:endParaRPr lang="en-US" altLang="zh-CN" dirty="0"/>
+          </a:p>
+          <a:p>
+            <a:pPr lvl="1"/>
+            <a:r>
+              <a:rPr lang="en-US" altLang="zh-CN" dirty="0"/>
+              <a:t>ls		</a:t>
+            </a:r>
+            <a:r>
+              <a:rPr lang="zh-CN" altLang="en-US" dirty="0"/>
+              <a:t>显示当前目录下的文件</a:t>
+            </a:r>
+            <a:r>
+              <a:rPr lang="en-US" altLang="zh-CN" dirty="0"/>
+              <a:t> (list files)</a:t>
+            </a:r>
+            <a:endParaRPr lang="en-US" altLang="zh-CN" dirty="0"/>
+          </a:p>
+          <a:p>
+            <a:pPr lvl="2"/>
+            <a:r>
+              <a:rPr lang="en-US" altLang="zh-CN" dirty="0"/>
+              <a:t>ls [选项]... [文件]...</a:t>
+            </a:r>
+            <a:endParaRPr lang="en-US" altLang="zh-CN" dirty="0"/>
+          </a:p>
+          <a:p>
+            <a:pPr lvl="2"/>
+            <a:r>
+              <a:rPr lang="zh-CN" altLang="en-US" sz="1400" dirty="0"/>
+              <a:t>常用参数</a:t>
+            </a:r>
+            <a:r>
+              <a:rPr lang="en-US" altLang="zh-CN" sz="1400" dirty="0"/>
+              <a:t> </a:t>
+            </a:r>
+            <a:r>
+              <a:rPr lang="en-US" altLang="en-US" sz="1400" dirty="0"/>
+              <a:t>-l -a</a:t>
+            </a:r>
+            <a:endParaRPr lang="en-US" altLang="zh-CN" dirty="0"/>
+          </a:p>
+          <a:p>
+            <a:pPr lvl="1"/>
             <a:r>
               <a:rPr lang="en-US" altLang="zh-CN" dirty="0" err="1"/>
               <a:t>mkdir</a:t>
             </a:r>
+            <a:r>
+              <a:rPr lang="en-US" altLang="en-US" dirty="0" err="1"/>
+              <a:t> 	</a:t>
+            </a:r>
+            <a:r>
+              <a:rPr lang="zh-CN" altLang="en-US" dirty="0" err="1"/>
+              <a:t>创建文件夹</a:t>
+            </a:r>
+            <a:r>
+              <a:rPr lang="en-US" altLang="zh-CN" dirty="0" err="1"/>
+              <a:t>(make directory)</a:t>
+            </a:r>
+            <a:endParaRPr lang="en-US" altLang="zh-CN" dirty="0" err="1"/>
+          </a:p>
+          <a:p>
+            <a:pPr lvl="2"/>
+            <a:r>
+              <a:rPr lang="en-US" altLang="zh-CN" dirty="0">
+                <a:sym typeface="+mn-ea"/>
+              </a:rPr>
+              <a:t>mkdir [选项]... 目录...</a:t>
+            </a:r>
+            <a:endParaRPr lang="en-US" altLang="zh-CN" dirty="0" err="1"/>
+          </a:p>
+          <a:p>
+            <a:pPr lvl="2"/>
+            <a:r>
+              <a:rPr lang="zh-CN" altLang="en-US" sz="1400" dirty="0" err="1"/>
+              <a:t>常用参数</a:t>
+            </a:r>
+            <a:r>
+              <a:rPr lang="en-US" altLang="zh-CN" sz="1400" dirty="0" err="1"/>
+              <a:t> </a:t>
+            </a:r>
+            <a:r>
+              <a:rPr lang="en-US" altLang="en-US" sz="1400" dirty="0" err="1"/>
+              <a:t>-p</a:t>
+            </a:r>
             <a:endParaRPr lang="en-US" altLang="zh-CN" dirty="0"/>
           </a:p>
           <a:p>
+            <a:pPr lvl="1"/>
             <a:r>
               <a:rPr lang="en-US" altLang="zh-CN" dirty="0"/>
               <a:t>rm</a:t>
             </a:r>
-          </a:p>
-          <a:p>
+            <a:r>
+              <a:rPr lang="en-US" altLang="en-US" dirty="0"/>
+              <a:t>		</a:t>
+            </a:r>
+            <a:r>
+              <a:rPr lang="zh-CN" altLang="en-US" dirty="0"/>
+              <a:t>删除文件</a:t>
+            </a:r>
+            <a:r>
+              <a:rPr lang="en-US" altLang="zh-CN" dirty="0"/>
+              <a:t> (remove)</a:t>
+            </a:r>
+            <a:endParaRPr lang="en-US" altLang="zh-CN" dirty="0"/>
+          </a:p>
+          <a:p>
+            <a:pPr lvl="2"/>
+            <a:r>
+              <a:rPr lang="en-US" altLang="zh-CN" dirty="0"/>
+              <a:t>rm [选项]... [文件]...</a:t>
+            </a:r>
+            <a:endParaRPr lang="en-US" altLang="zh-CN" dirty="0"/>
+          </a:p>
+          <a:p>
+            <a:pPr lvl="2"/>
+            <a:r>
+              <a:rPr lang="zh-CN" altLang="en-US" sz="1400" dirty="0"/>
+              <a:t>常用参数</a:t>
+            </a:r>
+            <a:r>
+              <a:rPr lang="en-US" altLang="zh-CN" sz="1400" dirty="0"/>
+              <a:t> </a:t>
+            </a:r>
+            <a:r>
+              <a:rPr lang="en-US" altLang="en-US" sz="1400" dirty="0"/>
+              <a:t>-r -f</a:t>
+            </a:r>
+            <a:endParaRPr lang="en-US" altLang="zh-CN" dirty="0"/>
+          </a:p>
+          <a:p>
+            <a:pPr lvl="1"/>
             <a:r>
               <a:rPr lang="en-US" altLang="zh-CN" dirty="0"/>
               <a:t>cp</a:t>
             </a:r>
-          </a:p>
-          <a:p>
+            <a:r>
+              <a:rPr lang="en-US" altLang="en-US" dirty="0"/>
+              <a:t>		</a:t>
+            </a:r>
+            <a:r>
+              <a:rPr lang="zh-CN" altLang="en-US" dirty="0"/>
+              <a:t>复制文件</a:t>
+            </a:r>
+            <a:r>
+              <a:rPr lang="en-US" altLang="zh-CN" dirty="0"/>
+              <a:t> (copy)</a:t>
+            </a:r>
+            <a:endParaRPr lang="en-US" altLang="zh-CN" dirty="0"/>
+          </a:p>
+          <a:p>
+            <a:pPr lvl="2"/>
+            <a:r>
+              <a:rPr lang="en-US" altLang="zh-CN" dirty="0"/>
+              <a:t>p [选项]... 源文件</a:t>
+            </a:r>
+            <a:r>
+              <a:rPr lang="zh-CN" altLang="en-US" dirty="0"/>
+              <a:t>或目录</a:t>
+            </a:r>
+            <a:r>
+              <a:rPr lang="en-US" altLang="zh-CN" dirty="0"/>
+              <a:t> 目标文件</a:t>
+            </a:r>
+            <a:r>
+              <a:rPr lang="zh-CN" altLang="en-US" dirty="0"/>
+              <a:t>或目录</a:t>
+            </a:r>
+            <a:endParaRPr lang="en-US" altLang="zh-CN" dirty="0"/>
+          </a:p>
+          <a:p>
+            <a:pPr lvl="1"/>
             <a:r>
               <a:rPr lang="en-US" altLang="zh-CN" dirty="0" err="1"/>
               <a:t>chmod</a:t>
             </a:r>
+            <a:r>
+              <a:rPr lang="en-US" altLang="en-US" dirty="0" err="1"/>
+              <a:t>	</a:t>
+            </a:r>
+            <a:r>
+              <a:rPr lang="zh-CN" altLang="en-US" dirty="0" err="1"/>
+              <a:t>更改文件权限</a:t>
+            </a:r>
+            <a:r>
+              <a:rPr lang="en-US" altLang="zh-CN" dirty="0" err="1"/>
+              <a:t> (change mode)</a:t>
+            </a:r>
+            <a:endParaRPr lang="en-US" altLang="zh-CN" dirty="0" err="1"/>
+          </a:p>
+          <a:p>
+            <a:pPr lvl="2"/>
+            <a:r>
+              <a:rPr lang="en-US" altLang="zh-CN" dirty="0" err="1"/>
+              <a:t>chmod [选项]... 模式[,模式]... 文件... </a:t>
+            </a:r>
+            <a:r>
+              <a:rPr lang="en-US" altLang="en-US" dirty="0" err="1"/>
+              <a:t>(chmod +x filename)</a:t>
+            </a:r>
+            <a:endParaRPr lang="en-US" altLang="zh-CN" sz="1085" dirty="0" err="1"/>
+          </a:p>
+          <a:p>
+            <a:pPr lvl="2"/>
+            <a:r>
+              <a:rPr lang="en-US" altLang="zh-CN" dirty="0"/>
+              <a:t>chmod [选项]... 八进制模式 文件...</a:t>
+            </a:r>
+            <a:r>
+              <a:rPr lang="en-US" altLang="en-US" dirty="0"/>
+              <a:t> (chmod 755 filename)</a:t>
+            </a:r>
             <a:endParaRPr lang="en-US" altLang="zh-CN" dirty="0"/>
           </a:p>
           <a:p>
@@ -8836,15 +8241,9 @@
       </p:sp>
       <p:sp>
         <p:nvSpPr>
-          <p:cNvPr id="3" name="标题 2">
-            <a:extLst>
-              <a:ext uri="{FF2B5EF4-FFF2-40B4-BE49-F238E27FC236}">
-                <a16:creationId xmlns:a16="http://schemas.microsoft.com/office/drawing/2014/main" id="{7DD9A5E6-8352-4029-9D91-3565908C213A}"/>
-              </a:ext>
-            </a:extLst>
-          </p:cNvPr>
+          <p:cNvPr id="3" name="标题 2"/>
           <p:cNvSpPr>
-            <a:spLocks noGrp="1"/>
+            <a:spLocks noGrp="true"/>
           </p:cNvSpPr>
           <p:nvPr>
             <p:ph type="title"/>
@@ -8859,15 +8258,35 @@
               <a:rPr lang="zh-CN" altLang="en-US" dirty="0"/>
               <a:t>常用命令</a:t>
             </a:r>
-          </a:p>
-        </p:txBody>
-      </p:sp>
+            <a:endParaRPr lang="zh-CN" altLang="en-US" dirty="0"/>
+          </a:p>
+        </p:txBody>
+      </p:sp>
+      <p:pic>
+        <p:nvPicPr>
+          <p:cNvPr id="4" name="Picture 3" descr="file-permissions-rwx"/>
+          <p:cNvPicPr>
+            <a:picLocks noChangeAspect="true"/>
+          </p:cNvPicPr>
+          <p:nvPr/>
+        </p:nvPicPr>
+        <p:blipFill>
+          <a:blip r:embed="rId1"/>
+          <a:stretch>
+            <a:fillRect/>
+          </a:stretch>
+        </p:blipFill>
+        <p:spPr>
+          <a:xfrm>
+            <a:off x="6427470" y="2245360"/>
+            <a:ext cx="4957445" cy="1646555"/>
+          </a:xfrm>
+          <a:prstGeom prst="rect">
+            <a:avLst/>
+          </a:prstGeom>
+        </p:spPr>
+      </p:pic>
     </p:spTree>
-    <p:extLst>
-      <p:ext uri="{BB962C8B-B14F-4D97-AF65-F5344CB8AC3E}">
-        <p14:creationId xmlns:p14="http://schemas.microsoft.com/office/powerpoint/2010/main" val="3243637809"/>
-      </p:ext>
-    </p:extLst>
   </p:cSld>
   <p:clrMapOvr>
     <a:masterClrMapping/>
@@ -8894,50 +8313,110 @@
       </p:grpSpPr>
       <p:sp>
         <p:nvSpPr>
-          <p:cNvPr id="2" name="内容占位符 1">
-            <a:extLst>
-              <a:ext uri="{FF2B5EF4-FFF2-40B4-BE49-F238E27FC236}">
-                <a16:creationId xmlns:a16="http://schemas.microsoft.com/office/drawing/2014/main" id="{83F99DC0-A313-494B-8AA5-D488F0AD214F}"/>
-              </a:ext>
-            </a:extLst>
-          </p:cNvPr>
+          <p:cNvPr id="2" name="内容占位符 1"/>
           <p:cNvSpPr>
-            <a:spLocks noGrp="1"/>
+            <a:spLocks noGrp="true"/>
           </p:cNvSpPr>
           <p:nvPr>
             <p:ph idx="1"/>
           </p:nvPr>
         </p:nvSpPr>
-        <p:spPr/>
+        <p:spPr>
+          <a:xfrm>
+            <a:off x="1066800" y="1548131"/>
+            <a:ext cx="10058400" cy="3760891"/>
+          </a:xfrm>
+        </p:spPr>
         <p:txBody>
           <a:bodyPr/>
           <a:lstStyle/>
           <a:p>
             <a:r>
-              <a:rPr lang="en-US" altLang="zh-CN" dirty="0" err="1"/>
-              <a:t>blukrename</a:t>
+              <a:rPr lang="en-US" altLang="zh-CN" dirty="0"/>
+              <a:t>-	</a:t>
+            </a:r>
+            <a:r>
+              <a:rPr lang="zh-CN" altLang="en-US" dirty="0"/>
+              <a:t>Ranger是具有VI键绑定的控制台文件管理器</a:t>
             </a:r>
             <a:endParaRPr lang="zh-CN" altLang="en-US" dirty="0"/>
           </a:p>
-        </p:txBody>
-      </p:sp>
-      <p:sp>
-        <p:nvSpPr>
-          <p:cNvPr id="3" name="标题 2">
-            <a:extLst>
-              <a:ext uri="{FF2B5EF4-FFF2-40B4-BE49-F238E27FC236}">
-                <a16:creationId xmlns:a16="http://schemas.microsoft.com/office/drawing/2014/main" id="{54B3A134-3002-48B1-A7B0-8D81B69570E8}"/>
-              </a:ext>
-            </a:extLst>
-          </p:cNvPr>
+          <a:p>
+            <a:r>
+              <a:rPr lang="en-US" altLang="zh-CN" dirty="0"/>
+              <a:t>-	</a:t>
+            </a:r>
+            <a:r>
+              <a:rPr lang="zh-CN" altLang="en-US" dirty="0"/>
+              <a:t>因为是控制台软件，所以可以在所有终端内都可以运行</a:t>
+            </a:r>
+            <a:endParaRPr lang="zh-CN" altLang="en-US" dirty="0"/>
+          </a:p>
+          <a:p>
+            <a:r>
+              <a:rPr lang="en-US" altLang="zh-CN" dirty="0"/>
+              <a:t>-	</a:t>
+            </a:r>
+            <a:r>
+              <a:rPr lang="zh-CN" altLang="en-US" dirty="0"/>
+              <a:t>可以显示图片</a:t>
+            </a:r>
+            <a:r>
+              <a:rPr lang="en-US" altLang="zh-CN" dirty="0"/>
+              <a:t>(</a:t>
+            </a:r>
+            <a:r>
+              <a:rPr lang="zh-CN" altLang="en-US" dirty="0"/>
+              <a:t>需要</a:t>
+            </a:r>
+            <a:r>
+              <a:rPr lang="en-US" altLang="zh-CN" dirty="0"/>
+              <a:t>terminal</a:t>
+            </a:r>
+            <a:r>
+              <a:rPr lang="zh-CN" altLang="en-US" dirty="0"/>
+              <a:t>支持，并且要安装</a:t>
+            </a:r>
+            <a:r>
+              <a:rPr lang="en-US" altLang="zh-CN" dirty="0"/>
+              <a:t>w3m</a:t>
+            </a:r>
+            <a:r>
+              <a:rPr lang="zh-CN" altLang="en-US" dirty="0"/>
+              <a:t>等在终端渲染图片的软件，不能通过</a:t>
+            </a:r>
+            <a:r>
+              <a:rPr lang="en-US" altLang="zh-CN" dirty="0"/>
+              <a:t>ssh</a:t>
+            </a:r>
+            <a:r>
+              <a:rPr lang="zh-CN" altLang="en-US" dirty="0"/>
+              <a:t>显示图片</a:t>
+            </a:r>
+            <a:r>
+              <a:rPr lang="en-US" altLang="zh-CN" dirty="0"/>
+              <a:t>)</a:t>
+            </a:r>
+            <a:endParaRPr lang="en-US" altLang="zh-CN" dirty="0"/>
+          </a:p>
+        </p:txBody>
+      </p:sp>
+      <p:sp>
+        <p:nvSpPr>
+          <p:cNvPr id="3" name="标题 2"/>
           <p:cNvSpPr>
-            <a:spLocks noGrp="1"/>
+            <a:spLocks noGrp="true"/>
           </p:cNvSpPr>
           <p:nvPr>
             <p:ph type="title"/>
           </p:nvPr>
         </p:nvSpPr>
-        <p:spPr/>
+        <p:spPr>
+          <a:xfrm>
+            <a:off x="1066800" y="527685"/>
+            <a:ext cx="10058400" cy="979170"/>
+          </a:xfrm>
+        </p:spPr>
         <p:txBody>
           <a:bodyPr/>
           <a:lstStyle/>
@@ -8950,16 +8429,148 @@
           </a:p>
         </p:txBody>
       </p:sp>
+      <p:pic>
+        <p:nvPicPr>
+          <p:cNvPr id="4" name="Picture 3"/>
+          <p:cNvPicPr>
+            <a:picLocks noChangeAspect="true"/>
+          </p:cNvPicPr>
+          <p:nvPr/>
+        </p:nvPicPr>
+        <p:blipFill>
+          <a:blip r:embed="rId1"/>
+          <a:stretch>
+            <a:fillRect/>
+          </a:stretch>
+        </p:blipFill>
+        <p:spPr>
+          <a:xfrm>
+            <a:off x="1172210" y="1253490"/>
+            <a:ext cx="9316720" cy="5389245"/>
+          </a:xfrm>
+          <a:prstGeom prst="rect">
+            <a:avLst/>
+          </a:prstGeom>
+        </p:spPr>
+      </p:pic>
     </p:spTree>
-    <p:extLst>
-      <p:ext uri="{BB962C8B-B14F-4D97-AF65-F5344CB8AC3E}">
-        <p14:creationId xmlns:p14="http://schemas.microsoft.com/office/powerpoint/2010/main" val="599316522"/>
-      </p:ext>
-    </p:extLst>
   </p:cSld>
   <p:clrMapOvr>
     <a:masterClrMapping/>
   </p:clrMapOvr>
+  <p:timing>
+    <p:tnLst>
+      <p:par>
+        <p:cTn id="1" dur="indefinite" restart="never" nodeType="tmRoot">
+          <p:childTnLst>
+            <p:seq concurrent="1" nextAc="seek">
+              <p:cTn id="2" dur="indefinite" nodeType="mainSeq">
+                <p:childTnLst>
+                  <p:par>
+                    <p:cTn id="3" fill="hold">
+                      <p:stCondLst>
+                        <p:cond delay="indefinite"/>
+                      </p:stCondLst>
+                      <p:childTnLst>
+                        <p:par>
+                          <p:cTn id="4" fill="hold">
+                            <p:stCondLst>
+                              <p:cond delay="0"/>
+                            </p:stCondLst>
+                            <p:childTnLst>
+                              <p:par>
+                                <p:cTn id="5" presetID="52" presetClass="entr" presetSubtype="0" fill="hold" nodeType="clickEffect">
+                                  <p:stCondLst>
+                                    <p:cond delay="0"/>
+                                  </p:stCondLst>
+                                  <p:childTnLst>
+                                    <p:set>
+                                      <p:cBhvr>
+                                        <p:cTn id="6" dur="1" fill="hold">
+                                          <p:stCondLst>
+                                            <p:cond delay="0"/>
+                                          </p:stCondLst>
+                                        </p:cTn>
+                                        <p:tgtEl>
+                                          <p:spTgt spid="4"/>
+                                        </p:tgtEl>
+                                        <p:attrNameLst>
+                                          <p:attrName>style.visibility</p:attrName>
+                                        </p:attrNameLst>
+                                      </p:cBhvr>
+                                      <p:to>
+                                        <p:strVal val="visible"/>
+                                      </p:to>
+                                    </p:set>
+                                    <p:animScale>
+                                      <p:cBhvr>
+                                        <p:cTn id="7" dur="1000" decel="50000" fill="hold">
+                                          <p:stCondLst>
+                                            <p:cond delay="0"/>
+                                          </p:stCondLst>
+                                        </p:cTn>
+                                        <p:tgtEl>
+                                          <p:spTgt spid="4"/>
+                                        </p:tgtEl>
+                                      </p:cBhvr>
+                                      <p:from x="250000" y="250000"/>
+                                      <p:to x="100000" y="100000"/>
+                                    </p:animScale>
+                                    <p:animMotion origin="layout" path="M -0.46736 0.92887 C -0.37517 0.88508  -0.02552 0.75279  0.0908 0.66613  C  0.20747 0.57948  0.21649 0.50394  0.23177 0.40825  C 0.24705 0.31256 0.22118 0.15964   0.18264 0.09152  C 0.1441 0.02341  0.03802 0.0  0.0 0.0  " pathEditMode="relative" ptsTypes="">
+                                      <p:cBhvr>
+                                        <p:cTn id="8" dur="1000" decel="50000" fill="hold">
+                                          <p:stCondLst>
+                                            <p:cond delay="0"/>
+                                          </p:stCondLst>
+                                        </p:cTn>
+                                        <p:tgtEl>
+                                          <p:spTgt spid="4"/>
+                                        </p:tgtEl>
+                                        <p:attrNameLst>
+                                          <p:attrName>ppt_x</p:attrName>
+                                          <p:attrName>ppt_y</p:attrName>
+                                        </p:attrNameLst>
+                                      </p:cBhvr>
+                                    </p:animMotion>
+                                    <p:animEffect transition="in" filter="fade">
+                                      <p:cBhvr>
+                                        <p:cTn id="9" dur="1000"/>
+                                        <p:tgtEl>
+                                          <p:spTgt spid="4"/>
+                                        </p:tgtEl>
+                                      </p:cBhvr>
+                                    </p:animEffect>
+                                  </p:childTnLst>
+                                </p:cTn>
+                              </p:par>
+                            </p:childTnLst>
+                          </p:cTn>
+                        </p:par>
+                      </p:childTnLst>
+                    </p:cTn>
+                  </p:par>
+                </p:childTnLst>
+              </p:cTn>
+              <p:prevCondLst>
+                <p:cond evt="onPrev" delay="0">
+                  <p:tgtEl>
+                    <p:sldTgt/>
+                  </p:tgtEl>
+                </p:cond>
+              </p:prevCondLst>
+              <p:nextCondLst>
+                <p:cond evt="onNext" delay="0">
+                  <p:tgtEl>
+                    <p:sldTgt/>
+                  </p:tgtEl>
+                </p:cond>
+              </p:nextCondLst>
+            </p:seq>
+          </p:childTnLst>
+        </p:cTn>
+      </p:par>
+    </p:tnLst>
+  </p:timing>
 </p:sld>
 </file>
 
@@ -8982,15 +8593,9 @@
       </p:grpSpPr>
       <p:sp>
         <p:nvSpPr>
-          <p:cNvPr id="2" name="标题 1">
-            <a:extLst>
-              <a:ext uri="{FF2B5EF4-FFF2-40B4-BE49-F238E27FC236}">
-                <a16:creationId xmlns:a16="http://schemas.microsoft.com/office/drawing/2014/main" id="{43431C62-7438-4AED-992C-E58D15DA8DB1}"/>
-              </a:ext>
-            </a:extLst>
-          </p:cNvPr>
+          <p:cNvPr id="2" name="标题 1"/>
           <p:cNvSpPr>
-            <a:spLocks noGrp="1"/>
+            <a:spLocks noGrp="true"/>
           </p:cNvSpPr>
           <p:nvPr>
             <p:ph type="title"/>
@@ -9005,20 +8610,15 @@
               <a:rPr lang="zh-CN" altLang="en-US" dirty="0"/>
               <a:t>管道</a:t>
             </a:r>
-          </a:p>
-        </p:txBody>
-      </p:sp>
-      <p:sp>
-        <p:nvSpPr>
-          <p:cNvPr id="3" name="文本占位符 2">
-            <a:extLst>
-              <a:ext uri="{FF2B5EF4-FFF2-40B4-BE49-F238E27FC236}">
-                <a16:creationId xmlns:a16="http://schemas.microsoft.com/office/drawing/2014/main" id="{FFDBE90B-0644-45CA-A93E-85CEB0B67B1E}"/>
-              </a:ext>
-            </a:extLst>
-          </p:cNvPr>
+            <a:endParaRPr lang="zh-CN" altLang="en-US" dirty="0"/>
+          </a:p>
+        </p:txBody>
+      </p:sp>
+      <p:sp>
+        <p:nvSpPr>
+          <p:cNvPr id="3" name="文本占位符 2"/>
           <p:cNvSpPr>
-            <a:spLocks noGrp="1"/>
+            <a:spLocks noGrp="true"/>
           </p:cNvSpPr>
           <p:nvPr>
             <p:ph type="body" idx="1"/>
@@ -9034,11 +8634,6 @@
         </p:txBody>
       </p:sp>
     </p:spTree>
-    <p:extLst>
-      <p:ext uri="{BB962C8B-B14F-4D97-AF65-F5344CB8AC3E}">
-        <p14:creationId xmlns:p14="http://schemas.microsoft.com/office/powerpoint/2010/main" val="2448828685"/>
-      </p:ext>
-    </p:extLst>
   </p:cSld>
   <p:clrMapOvr>
     <a:masterClrMapping/>
@@ -9065,15 +8660,9 @@
       </p:grpSpPr>
       <p:sp>
         <p:nvSpPr>
-          <p:cNvPr id="2" name="内容占位符 1">
-            <a:extLst>
-              <a:ext uri="{FF2B5EF4-FFF2-40B4-BE49-F238E27FC236}">
-                <a16:creationId xmlns:a16="http://schemas.microsoft.com/office/drawing/2014/main" id="{F3B1EFCF-CBE9-412B-941B-0C5AC0AFC58D}"/>
-              </a:ext>
-            </a:extLst>
-          </p:cNvPr>
+          <p:cNvPr id="2" name="内容占位符 1"/>
           <p:cNvSpPr>
-            <a:spLocks noGrp="1"/>
+            <a:spLocks noGrp="true"/>
           </p:cNvSpPr>
           <p:nvPr>
             <p:ph idx="1"/>
@@ -9084,21 +8673,40 @@
           <a:bodyPr/>
           <a:lstStyle/>
           <a:p>
-            <a:endParaRPr lang="zh-CN" altLang="en-US"/>
-          </a:p>
-        </p:txBody>
-      </p:sp>
-      <p:sp>
-        <p:nvSpPr>
-          <p:cNvPr id="3" name="标题 2">
-            <a:extLst>
-              <a:ext uri="{FF2B5EF4-FFF2-40B4-BE49-F238E27FC236}">
-                <a16:creationId xmlns:a16="http://schemas.microsoft.com/office/drawing/2014/main" id="{73108145-153D-4C4D-8A46-EC35E4E0FD27}"/>
-              </a:ext>
-            </a:extLst>
-          </p:cNvPr>
+            <a:r>
+              <a:rPr lang="" altLang="zh-CN"/>
+              <a:t>-	Linux 管道使用竖线|连接多个命令，这被称为管道符。</a:t>
+            </a:r>
+            <a:endParaRPr lang="" altLang="zh-CN"/>
+          </a:p>
+          <a:p>
+            <a:r>
+              <a:rPr lang="" altLang="zh-CN"/>
+              <a:t>-	command1 | command2 </a:t>
+            </a:r>
+            <a:r>
+              <a:rPr lang="en-US" altLang="zh-CN">
+                <a:sym typeface="+mn-ea"/>
+              </a:rPr>
+              <a:t>[| commandN... </a:t>
+            </a:r>
+            <a:r>
+              <a:rPr lang="" altLang="en-US">
+                <a:sym typeface="+mn-ea"/>
+              </a:rPr>
+              <a:t>]</a:t>
+            </a:r>
+            <a:endParaRPr lang="" altLang="en-US">
+              <a:sym typeface="+mn-ea"/>
+            </a:endParaRPr>
+          </a:p>
+        </p:txBody>
+      </p:sp>
+      <p:sp>
+        <p:nvSpPr>
+          <p:cNvPr id="3" name="标题 2"/>
           <p:cNvSpPr>
-            <a:spLocks noGrp="1"/>
+            <a:spLocks noGrp="true"/>
           </p:cNvSpPr>
           <p:nvPr>
             <p:ph type="title"/>
@@ -9109,16 +8717,51 @@
           <a:bodyPr/>
           <a:lstStyle/>
           <a:p>
-            <a:endParaRPr lang="zh-CN" altLang="en-US"/>
-          </a:p>
-        </p:txBody>
-      </p:sp>
+            <a:r>
+              <a:rPr lang="zh-CN" altLang="en-US"/>
+              <a:t>管道</a:t>
+            </a:r>
+            <a:r>
+              <a:rPr lang="" altLang="zh-CN"/>
+              <a:t>(</a:t>
+            </a:r>
+            <a:r>
+              <a:rPr lang="zh-CN" altLang="en-US"/>
+              <a:t>pipe</a:t>
+            </a:r>
+            <a:r>
+              <a:rPr lang="" altLang="zh-CN"/>
+              <a:t>)</a:t>
+            </a:r>
+            <a:endParaRPr lang="" altLang="zh-CN"/>
+          </a:p>
+        </p:txBody>
+      </p:sp>
+      <p:pic>
+        <p:nvPicPr>
+          <p:cNvPr id="4" name="Picture 3" descr="12275317-f08758db656b340b"/>
+          <p:cNvPicPr>
+            <a:picLocks noChangeAspect="true"/>
+          </p:cNvPicPr>
+          <p:nvPr/>
+        </p:nvPicPr>
+        <p:blipFill>
+          <a:blip r:embed="rId1"/>
+          <a:stretch>
+            <a:fillRect/>
+          </a:stretch>
+        </p:blipFill>
+        <p:spPr>
+          <a:xfrm>
+            <a:off x="1986280" y="3541395"/>
+            <a:ext cx="7058660" cy="1613535"/>
+          </a:xfrm>
+          <a:prstGeom prst="rect">
+            <a:avLst/>
+          </a:prstGeom>
+        </p:spPr>
+      </p:pic>
     </p:spTree>
-    <p:extLst>
-      <p:ext uri="{BB962C8B-B14F-4D97-AF65-F5344CB8AC3E}">
-        <p14:creationId xmlns:p14="http://schemas.microsoft.com/office/powerpoint/2010/main" val="2624700576"/>
-      </p:ext>
-    </p:extLst>
   </p:cSld>
   <p:clrMapOvr>
     <a:masterClrMapping/>
@@ -9145,15 +8788,9 @@
       </p:grpSpPr>
       <p:sp>
         <p:nvSpPr>
-          <p:cNvPr id="2" name="标题 1">
-            <a:extLst>
-              <a:ext uri="{FF2B5EF4-FFF2-40B4-BE49-F238E27FC236}">
-                <a16:creationId xmlns:a16="http://schemas.microsoft.com/office/drawing/2014/main" id="{F850845E-48DB-4AFF-9FE7-CA13BC9C9C22}"/>
-              </a:ext>
-            </a:extLst>
-          </p:cNvPr>
+          <p:cNvPr id="2" name="标题 1"/>
           <p:cNvSpPr>
-            <a:spLocks noGrp="1"/>
+            <a:spLocks noGrp="true"/>
           </p:cNvSpPr>
           <p:nvPr>
             <p:ph type="title"/>
@@ -9174,15 +8811,9 @@
       </p:sp>
       <p:sp>
         <p:nvSpPr>
-          <p:cNvPr id="3" name="文本占位符 2">
-            <a:extLst>
-              <a:ext uri="{FF2B5EF4-FFF2-40B4-BE49-F238E27FC236}">
-                <a16:creationId xmlns:a16="http://schemas.microsoft.com/office/drawing/2014/main" id="{7C366E96-A581-469C-907D-3D8570334B77}"/>
-              </a:ext>
-            </a:extLst>
-          </p:cNvPr>
+          <p:cNvPr id="3" name="文本占位符 2"/>
           <p:cNvSpPr>
-            <a:spLocks noGrp="1"/>
+            <a:spLocks noGrp="true"/>
           </p:cNvSpPr>
           <p:nvPr>
             <p:ph type="body" idx="1"/>
@@ -9193,16 +8824,15 @@
           <a:bodyPr/>
           <a:lstStyle/>
           <a:p>
-            <a:endParaRPr lang="zh-CN" altLang="en-US" dirty="0"/>
+            <a:r>
+              <a:rPr lang="" dirty="0"/>
+              <a:t>how do i exit the vim editor?</a:t>
+            </a:r>
+            <a:endParaRPr lang="" dirty="0"/>
           </a:p>
         </p:txBody>
       </p:sp>
     </p:spTree>
-    <p:extLst>
-      <p:ext uri="{BB962C8B-B14F-4D97-AF65-F5344CB8AC3E}">
-        <p14:creationId xmlns:p14="http://schemas.microsoft.com/office/powerpoint/2010/main" val="4168172872"/>
-      </p:ext>
-    </p:extLst>
   </p:cSld>
   <p:clrMapOvr>
     <a:masterClrMapping/>
@@ -9229,20 +8859,14 @@
       </p:grpSpPr>
       <p:pic>
         <p:nvPicPr>
-          <p:cNvPr id="7" name="图片 6">
-            <a:extLst>
-              <a:ext uri="{FF2B5EF4-FFF2-40B4-BE49-F238E27FC236}">
-                <a16:creationId xmlns:a16="http://schemas.microsoft.com/office/drawing/2014/main" id="{669C2C30-C47F-4739-A188-BE7CFAF68705}"/>
-              </a:ext>
-            </a:extLst>
-          </p:cNvPr>
+          <p:cNvPr id="7" name="图片 6"/>
           <p:cNvPicPr>
-            <a:picLocks noChangeAspect="1"/>
+            <a:picLocks noChangeAspect="true"/>
           </p:cNvPicPr>
           <p:nvPr/>
         </p:nvPicPr>
         <p:blipFill>
-          <a:blip r:embed="rId2"/>
+          <a:blip r:embed="rId1"/>
           <a:stretch>
             <a:fillRect/>
           </a:stretch>
@@ -9258,11 +8882,6 @@
         </p:spPr>
       </p:pic>
     </p:spTree>
-    <p:extLst>
-      <p:ext uri="{BB962C8B-B14F-4D97-AF65-F5344CB8AC3E}">
-        <p14:creationId xmlns:p14="http://schemas.microsoft.com/office/powerpoint/2010/main" val="3359631333"/>
-      </p:ext>
-    </p:extLst>
   </p:cSld>
   <p:clrMapOvr>
     <a:masterClrMapping/>
@@ -9289,23 +8908,17 @@
       </p:grpSpPr>
       <p:pic>
         <p:nvPicPr>
-          <p:cNvPr id="1026" name="Picture 2">
-            <a:extLst>
-              <a:ext uri="{FF2B5EF4-FFF2-40B4-BE49-F238E27FC236}">
-                <a16:creationId xmlns:a16="http://schemas.microsoft.com/office/drawing/2014/main" id="{776ED5D4-0C62-43A5-AE8E-C11A1F72491C}"/>
-              </a:ext>
-            </a:extLst>
-          </p:cNvPr>
+          <p:cNvPr id="1026" name="Picture 2"/>
           <p:cNvPicPr>
-            <a:picLocks noChangeAspect="1" noChangeArrowheads="1"/>
+            <a:picLocks noChangeAspect="true" noChangeArrowheads="true"/>
           </p:cNvPicPr>
           <p:nvPr/>
         </p:nvPicPr>
         <p:blipFill>
-          <a:blip r:embed="rId2">
+          <a:blip r:embed="rId1">
             <a:extLst>
               <a:ext uri="{28A0092B-C50C-407E-A947-70E740481C1C}">
-                <a14:useLocalDpi xmlns:a14="http://schemas.microsoft.com/office/drawing/2010/main" val="0"/>
+                <a14:useLocalDpi xmlns:a14="http://schemas.microsoft.com/office/drawing/2010/main" val="false"/>
               </a:ext>
             </a:extLst>
           </a:blip>
@@ -9316,8 +8929,8 @@
         </p:blipFill>
         <p:spPr bwMode="auto">
           <a:xfrm>
-            <a:off x="2393741" y="811364"/>
-            <a:ext cx="7404517" cy="5235272"/>
+            <a:off x="1104900" y="261620"/>
+            <a:ext cx="9063355" cy="6408420"/>
           </a:xfrm>
           <a:prstGeom prst="rect">
             <a:avLst/>
@@ -9335,11 +8948,6 @@
         </p:spPr>
       </p:pic>
     </p:spTree>
-    <p:extLst>
-      <p:ext uri="{BB962C8B-B14F-4D97-AF65-F5344CB8AC3E}">
-        <p14:creationId xmlns:p14="http://schemas.microsoft.com/office/powerpoint/2010/main" val="3749788256"/>
-      </p:ext>
-    </p:extLst>
   </p:cSld>
   <p:clrMapOvr>
     <a:masterClrMapping/>
@@ -9366,20 +8974,14 @@
       </p:grpSpPr>
       <p:pic>
         <p:nvPicPr>
-          <p:cNvPr id="5" name="图片 4">
-            <a:extLst>
-              <a:ext uri="{FF2B5EF4-FFF2-40B4-BE49-F238E27FC236}">
-                <a16:creationId xmlns:a16="http://schemas.microsoft.com/office/drawing/2014/main" id="{68F787C8-39D6-4C92-A596-81DF274D97A1}"/>
-              </a:ext>
-            </a:extLst>
-          </p:cNvPr>
+          <p:cNvPr id="5" name="图片 4"/>
           <p:cNvPicPr>
-            <a:picLocks noChangeAspect="1"/>
+            <a:picLocks noChangeAspect="true"/>
           </p:cNvPicPr>
           <p:nvPr/>
         </p:nvPicPr>
         <p:blipFill>
-          <a:blip r:embed="rId2"/>
+          <a:blip r:embed="rId1"/>
           <a:stretch>
             <a:fillRect/>
           </a:stretch>
@@ -9396,15 +8998,9 @@
       </p:pic>
       <p:sp>
         <p:nvSpPr>
-          <p:cNvPr id="3" name="标题 2">
-            <a:extLst>
-              <a:ext uri="{FF2B5EF4-FFF2-40B4-BE49-F238E27FC236}">
-                <a16:creationId xmlns:a16="http://schemas.microsoft.com/office/drawing/2014/main" id="{F91E2EC4-52E0-4010-A0E9-5E3B99DD44A6}"/>
-              </a:ext>
-            </a:extLst>
-          </p:cNvPr>
+          <p:cNvPr id="3" name="标题 2"/>
           <p:cNvSpPr>
-            <a:spLocks noGrp="1"/>
+            <a:spLocks noGrp="true"/>
           </p:cNvSpPr>
           <p:nvPr>
             <p:ph type="title"/>
@@ -9424,15 +9020,11 @@
               <a:rPr lang="zh-CN" altLang="en-US" dirty="0"/>
               <a:t>为什么要使用</a:t>
             </a:r>
+            <a:endParaRPr lang="zh-CN" altLang="en-US" dirty="0"/>
           </a:p>
         </p:txBody>
       </p:sp>
     </p:spTree>
-    <p:extLst>
-      <p:ext uri="{BB962C8B-B14F-4D97-AF65-F5344CB8AC3E}">
-        <p14:creationId xmlns:p14="http://schemas.microsoft.com/office/powerpoint/2010/main" val="1970797152"/>
-      </p:ext>
-    </p:extLst>
   </p:cSld>
   <p:clrMapOvr>
     <a:masterClrMapping/>
@@ -9459,15 +9051,9 @@
       </p:grpSpPr>
       <p:sp>
         <p:nvSpPr>
-          <p:cNvPr id="2" name="标题 1">
-            <a:extLst>
-              <a:ext uri="{FF2B5EF4-FFF2-40B4-BE49-F238E27FC236}">
-                <a16:creationId xmlns:a16="http://schemas.microsoft.com/office/drawing/2014/main" id="{F31B00C7-0803-8A43-A9F3-6FF24BDCB923}"/>
-              </a:ext>
-            </a:extLst>
-          </p:cNvPr>
+          <p:cNvPr id="2" name="标题 1"/>
           <p:cNvSpPr>
-            <a:spLocks noGrp="1"/>
+            <a:spLocks noGrp="true"/>
           </p:cNvSpPr>
           <p:nvPr>
             <p:ph type="title"/>
@@ -9502,15 +9088,9 @@
       </p:sp>
       <p:sp>
         <p:nvSpPr>
-          <p:cNvPr id="3" name="文本占位符 2">
-            <a:extLst>
-              <a:ext uri="{FF2B5EF4-FFF2-40B4-BE49-F238E27FC236}">
-                <a16:creationId xmlns:a16="http://schemas.microsoft.com/office/drawing/2014/main" id="{8CFCA704-4032-7441-8B97-38C90F96D7F8}"/>
-              </a:ext>
-            </a:extLst>
-          </p:cNvPr>
+          <p:cNvPr id="3" name="文本占位符 2"/>
           <p:cNvSpPr>
-            <a:spLocks noGrp="1"/>
+            <a:spLocks noGrp="true"/>
           </p:cNvSpPr>
           <p:nvPr>
             <p:ph type="body" idx="1"/>
@@ -9536,15 +9116,14 @@
               </a:rPr>
               <a:t>协议</a:t>
             </a:r>
+            <a:endParaRPr lang="zh-CN" altLang="en-US" dirty="0">
+              <a:latin typeface="Microsoft YaHei UI" panose="020B0503020204020204" pitchFamily="34" charset="-122"/>
+              <a:ea typeface="Microsoft YaHei UI" panose="020B0503020204020204" pitchFamily="34" charset="-122"/>
+            </a:endParaRPr>
           </a:p>
         </p:txBody>
       </p:sp>
     </p:spTree>
-    <p:extLst>
-      <p:ext uri="{BB962C8B-B14F-4D97-AF65-F5344CB8AC3E}">
-        <p14:creationId xmlns:p14="http://schemas.microsoft.com/office/powerpoint/2010/main" val="1639088739"/>
-      </p:ext>
-    </p:extLst>
   </p:cSld>
   <p:clrMapOvr>
     <a:masterClrMapping/>
@@ -9571,15 +9150,9 @@
       </p:grpSpPr>
       <p:sp>
         <p:nvSpPr>
-          <p:cNvPr id="2" name="内容占位符 1">
-            <a:extLst>
-              <a:ext uri="{FF2B5EF4-FFF2-40B4-BE49-F238E27FC236}">
-                <a16:creationId xmlns:a16="http://schemas.microsoft.com/office/drawing/2014/main" id="{3923697D-DAC1-4784-BE43-8DF412457DB8}"/>
-              </a:ext>
-            </a:extLst>
-          </p:cNvPr>
+          <p:cNvPr id="2" name="内容占位符 1"/>
           <p:cNvSpPr>
-            <a:spLocks noGrp="1"/>
+            <a:spLocks noGrp="true"/>
           </p:cNvSpPr>
           <p:nvPr>
             <p:ph idx="1"/>
@@ -9798,7 +9371,7 @@
                   <a:srgbClr val="202122"/>
                 </a:solidFill>
                 <a:effectLst/>
-                <a:latin typeface="Arial" panose="020B0604020202020204" pitchFamily="34" charset="0"/>
+                <a:latin typeface="Arial" panose="02080604020202020204" pitchFamily="34" charset="0"/>
               </a:rPr>
               <a:t>都提供了</a:t>
             </a:r>
@@ -9808,7 +9381,7 @@
                   <a:srgbClr val="202122"/>
                 </a:solidFill>
                 <a:effectLst/>
-                <a:latin typeface="Arial" panose="020B0604020202020204" pitchFamily="34" charset="0"/>
+                <a:latin typeface="Arial" panose="02080604020202020204" pitchFamily="34" charset="0"/>
               </a:rPr>
               <a:t>SSH</a:t>
             </a:r>
@@ -9818,15 +9391,9 @@
       </p:sp>
       <p:sp>
         <p:nvSpPr>
-          <p:cNvPr id="3" name="标题 2">
-            <a:extLst>
-              <a:ext uri="{FF2B5EF4-FFF2-40B4-BE49-F238E27FC236}">
-                <a16:creationId xmlns:a16="http://schemas.microsoft.com/office/drawing/2014/main" id="{5966A568-48D0-4203-8DC4-CFCDD90D0B46}"/>
-              </a:ext>
-            </a:extLst>
-          </p:cNvPr>
+          <p:cNvPr id="3" name="标题 2"/>
           <p:cNvSpPr>
-            <a:spLocks noGrp="1"/>
+            <a:spLocks noGrp="true"/>
           </p:cNvSpPr>
           <p:nvPr>
             <p:ph type="title"/>
@@ -9845,25 +9412,20 @@
               <a:rPr lang="zh-CN" altLang="en-US" dirty="0"/>
               <a:t>协议</a:t>
             </a:r>
+            <a:endParaRPr lang="zh-CN" altLang="en-US" dirty="0"/>
           </a:p>
         </p:txBody>
       </p:sp>
       <p:pic>
         <p:nvPicPr>
-          <p:cNvPr id="5" name="图片 4">
-            <a:extLst>
-              <a:ext uri="{FF2B5EF4-FFF2-40B4-BE49-F238E27FC236}">
-                <a16:creationId xmlns:a16="http://schemas.microsoft.com/office/drawing/2014/main" id="{CCE5CA27-5289-42DB-AB87-053098FF973A}"/>
-              </a:ext>
-            </a:extLst>
-          </p:cNvPr>
+          <p:cNvPr id="5" name="图片 4"/>
           <p:cNvPicPr>
-            <a:picLocks noChangeAspect="1"/>
+            <a:picLocks noChangeAspect="true"/>
           </p:cNvPicPr>
           <p:nvPr/>
         </p:nvPicPr>
         <p:blipFill>
-          <a:blip r:embed="rId2"/>
+          <a:blip r:embed="rId1"/>
           <a:stretch>
             <a:fillRect/>
           </a:stretch>
@@ -9880,20 +9442,14 @@
       </p:pic>
       <p:pic>
         <p:nvPicPr>
-          <p:cNvPr id="7" name="图片 6">
-            <a:extLst>
-              <a:ext uri="{FF2B5EF4-FFF2-40B4-BE49-F238E27FC236}">
-                <a16:creationId xmlns:a16="http://schemas.microsoft.com/office/drawing/2014/main" id="{5D791688-BCEC-4CF0-A5F6-733C34F959CA}"/>
-              </a:ext>
-            </a:extLst>
-          </p:cNvPr>
+          <p:cNvPr id="7" name="图片 6"/>
           <p:cNvPicPr>
-            <a:picLocks noChangeAspect="1"/>
+            <a:picLocks noChangeAspect="true"/>
           </p:cNvPicPr>
           <p:nvPr/>
         </p:nvPicPr>
         <p:blipFill>
-          <a:blip r:embed="rId3"/>
+          <a:blip r:embed="rId2"/>
           <a:stretch>
             <a:fillRect/>
           </a:stretch>
@@ -9909,11 +9465,6 @@
         </p:spPr>
       </p:pic>
     </p:spTree>
-    <p:extLst>
-      <p:ext uri="{BB962C8B-B14F-4D97-AF65-F5344CB8AC3E}">
-        <p14:creationId xmlns:p14="http://schemas.microsoft.com/office/powerpoint/2010/main" val="3434483779"/>
-      </p:ext>
-    </p:extLst>
   </p:cSld>
   <p:clrMapOvr>
     <a:masterClrMapping/>
@@ -9940,14 +9491,8 @@
       </p:grpSpPr>
       <p:sp>
         <p:nvSpPr>
-          <p:cNvPr id="9" name="文本框 8">
-            <a:extLst>
-              <a:ext uri="{FF2B5EF4-FFF2-40B4-BE49-F238E27FC236}">
-                <a16:creationId xmlns:a16="http://schemas.microsoft.com/office/drawing/2014/main" id="{6EED2917-C353-423C-8CAD-405C30899D92}"/>
-              </a:ext>
-            </a:extLst>
-          </p:cNvPr>
-          <p:cNvSpPr txBox="1"/>
+          <p:cNvPr id="9" name="文本框 8"/>
+          <p:cNvSpPr txBox="true"/>
           <p:nvPr/>
         </p:nvSpPr>
         <p:spPr>
@@ -10008,6 +9553,9 @@
               </a:rPr>
               <a:t>]</a:t>
             </a:r>
+            <a:endParaRPr lang="en-US" altLang="zh-CN" dirty="0">
+              <a:latin typeface="+mn-ea"/>
+            </a:endParaRPr>
           </a:p>
           <a:p>
             <a:r>
@@ -10052,6 +9600,9 @@
               </a:rPr>
               <a:t>]</a:t>
             </a:r>
+            <a:endParaRPr lang="en-US" altLang="zh-CN" dirty="0">
+              <a:latin typeface="+mn-ea"/>
+            </a:endParaRPr>
           </a:p>
           <a:p>
             <a:r>
@@ -10096,6 +9647,9 @@
               </a:rPr>
               <a:t>]</a:t>
             </a:r>
+            <a:endParaRPr lang="en-US" altLang="zh-CN" dirty="0">
+              <a:latin typeface="+mn-ea"/>
+            </a:endParaRPr>
           </a:p>
           <a:p>
             <a:r>
@@ -10128,6 +9682,9 @@
               </a:rPr>
               <a:t>]</a:t>
             </a:r>
+            <a:endParaRPr lang="en-US" altLang="zh-CN" dirty="0">
+              <a:latin typeface="+mn-ea"/>
+            </a:endParaRPr>
           </a:p>
           <a:p>
             <a:r>
@@ -10160,6 +9717,9 @@
               </a:rPr>
               <a:t>] [-R address]</a:t>
             </a:r>
+            <a:endParaRPr lang="en-US" altLang="zh-CN" dirty="0">
+              <a:latin typeface="+mn-ea"/>
+            </a:endParaRPr>
           </a:p>
           <a:p>
             <a:r>
@@ -10216,6 +9776,9 @@
               </a:rPr>
               <a:t>]]</a:t>
             </a:r>
+            <a:endParaRPr lang="en-US" altLang="zh-CN" dirty="0">
+              <a:latin typeface="+mn-ea"/>
+            </a:endParaRPr>
           </a:p>
           <a:p>
             <a:r>
@@ -10232,15 +9795,9 @@
       </p:sp>
       <p:sp>
         <p:nvSpPr>
-          <p:cNvPr id="6" name="标题 2">
-            <a:extLst>
-              <a:ext uri="{FF2B5EF4-FFF2-40B4-BE49-F238E27FC236}">
-                <a16:creationId xmlns:a16="http://schemas.microsoft.com/office/drawing/2014/main" id="{366A901E-A2B4-4356-9C30-CCCE83340E30}"/>
-              </a:ext>
-            </a:extLst>
-          </p:cNvPr>
+          <p:cNvPr id="6" name="标题 2"/>
           <p:cNvSpPr>
-            <a:spLocks noGrp="1"/>
+            <a:spLocks noGrp="true"/>
           </p:cNvSpPr>
           <p:nvPr>
             <p:ph type="title"/>
@@ -10264,15 +9821,11 @@
               <a:rPr lang="zh-CN" altLang="en-US" dirty="0"/>
               <a:t>用法</a:t>
             </a:r>
+            <a:endParaRPr lang="zh-CN" altLang="en-US" dirty="0"/>
           </a:p>
         </p:txBody>
       </p:sp>
     </p:spTree>
-    <p:extLst>
-      <p:ext uri="{BB962C8B-B14F-4D97-AF65-F5344CB8AC3E}">
-        <p14:creationId xmlns:p14="http://schemas.microsoft.com/office/powerpoint/2010/main" val="1991269138"/>
-      </p:ext>
-    </p:extLst>
   </p:cSld>
   <p:clrMapOvr>
     <a:masterClrMapping/>
@@ -10299,15 +9852,9 @@
       </p:grpSpPr>
       <p:sp>
         <p:nvSpPr>
-          <p:cNvPr id="2" name="内容占位符 1">
-            <a:extLst>
-              <a:ext uri="{FF2B5EF4-FFF2-40B4-BE49-F238E27FC236}">
-                <a16:creationId xmlns:a16="http://schemas.microsoft.com/office/drawing/2014/main" id="{BD81C127-7A3C-480D-B744-FD24C0BCFD8B}"/>
-              </a:ext>
-            </a:extLst>
-          </p:cNvPr>
+          <p:cNvPr id="2" name="内容占位符 1"/>
           <p:cNvSpPr>
-            <a:spLocks noGrp="1"/>
+            <a:spLocks noGrp="true"/>
           </p:cNvSpPr>
           <p:nvPr>
             <p:ph idx="1"/>
@@ -10339,6 +9886,13 @@
               </a:rPr>
               <a:t>提供两种认证方式：</a:t>
             </a:r>
+            <a:endParaRPr lang="zh-CN" altLang="en-US" b="0" i="0" dirty="0">
+              <a:solidFill>
+                <a:srgbClr val="4D4D4D"/>
+              </a:solidFill>
+              <a:effectLst/>
+              <a:latin typeface="-apple-system"/>
+            </a:endParaRPr>
           </a:p>
           <a:p>
             <a:pPr algn="l"/>
@@ -10392,6 +9946,13 @@
               </a:rPr>
               <a:t>认证请求，将用户名和密码加密后发送给服务器；服务器将该信息解密后得到用户名和密码的明文，与设备上保存的用户名和密码进行比较，并返回认证成功或失败的消息。</a:t>
             </a:r>
+            <a:endParaRPr lang="zh-CN" altLang="en-US" b="0" i="0" dirty="0">
+              <a:solidFill>
+                <a:srgbClr val="4D4D4D"/>
+              </a:solidFill>
+              <a:effectLst/>
+              <a:latin typeface="-apple-system"/>
+            </a:endParaRPr>
           </a:p>
           <a:p>
             <a:pPr algn="l"/>
@@ -10515,6 +10076,13 @@
               </a:rPr>
               <a:t>认证请求给服务器端。服务器对公钥进行合法性检查，如果不合法，则直接发送失败消息；否则，服务器利用数字签名对客户端进行认证，并返回认证成功或失败的消息</a:t>
             </a:r>
+            <a:endParaRPr lang="zh-CN" altLang="en-US" b="0" i="0" dirty="0">
+              <a:solidFill>
+                <a:srgbClr val="4D4D4D"/>
+              </a:solidFill>
+              <a:effectLst/>
+              <a:latin typeface="-apple-system"/>
+            </a:endParaRPr>
           </a:p>
           <a:p>
             <a:endParaRPr lang="zh-CN" altLang="en-US" dirty="0"/>
@@ -10523,15 +10091,9 @@
       </p:sp>
       <p:sp>
         <p:nvSpPr>
-          <p:cNvPr id="3" name="标题 2">
-            <a:extLst>
-              <a:ext uri="{FF2B5EF4-FFF2-40B4-BE49-F238E27FC236}">
-                <a16:creationId xmlns:a16="http://schemas.microsoft.com/office/drawing/2014/main" id="{667F8EF2-ADF7-4B59-B39B-104ADF4AEAF3}"/>
-              </a:ext>
-            </a:extLst>
-          </p:cNvPr>
+          <p:cNvPr id="3" name="标题 2"/>
           <p:cNvSpPr>
-            <a:spLocks noGrp="1"/>
+            <a:spLocks noGrp="true"/>
           </p:cNvSpPr>
           <p:nvPr>
             <p:ph type="title"/>
@@ -10550,15 +10112,11 @@
               <a:rPr lang="zh-CN" altLang="en-US" dirty="0"/>
               <a:t>认证</a:t>
             </a:r>
+            <a:endParaRPr lang="zh-CN" altLang="en-US" dirty="0"/>
           </a:p>
         </p:txBody>
       </p:sp>
     </p:spTree>
-    <p:extLst>
-      <p:ext uri="{BB962C8B-B14F-4D97-AF65-F5344CB8AC3E}">
-        <p14:creationId xmlns:p14="http://schemas.microsoft.com/office/powerpoint/2010/main" val="1091196453"/>
-      </p:ext>
-    </p:extLst>
   </p:cSld>
   <p:clrMapOvr>
     <a:masterClrMapping/>
@@ -10585,15 +10143,9 @@
       </p:grpSpPr>
       <p:sp>
         <p:nvSpPr>
-          <p:cNvPr id="2" name="内容占位符 1">
-            <a:extLst>
-              <a:ext uri="{FF2B5EF4-FFF2-40B4-BE49-F238E27FC236}">
-                <a16:creationId xmlns:a16="http://schemas.microsoft.com/office/drawing/2014/main" id="{71932C32-A820-44E2-B0C0-438CD9C3DEBE}"/>
-              </a:ext>
-            </a:extLst>
-          </p:cNvPr>
+          <p:cNvPr id="2" name="内容占位符 1"/>
           <p:cNvSpPr>
-            <a:spLocks noGrp="1"/>
+            <a:spLocks noGrp="true"/>
           </p:cNvSpPr>
           <p:nvPr>
             <p:ph idx="1"/>
@@ -10614,7 +10166,7 @@
                   <a:srgbClr val="333333"/>
                 </a:solidFill>
                 <a:effectLst/>
-                <a:latin typeface="Arial" panose="020B0604020202020204" pitchFamily="34" charset="0"/>
+                <a:latin typeface="Arial" panose="02080604020202020204" pitchFamily="34" charset="0"/>
               </a:rPr>
               <a:t>是作为</a:t>
             </a:r>
@@ -10624,7 +10176,7 @@
                   <a:srgbClr val="333333"/>
                 </a:solidFill>
                 <a:effectLst/>
-                <a:latin typeface="Arial" panose="020B0604020202020204" pitchFamily="34" charset="0"/>
+                <a:latin typeface="Arial" panose="02080604020202020204" pitchFamily="34" charset="0"/>
               </a:rPr>
               <a:t>ssh</a:t>
             </a:r>
@@ -10634,7 +10186,7 @@
                   <a:srgbClr val="333333"/>
                 </a:solidFill>
                 <a:effectLst/>
-                <a:latin typeface="Arial" panose="020B0604020202020204" pitchFamily="34" charset="0"/>
+                <a:latin typeface="Arial" panose="02080604020202020204" pitchFamily="34" charset="0"/>
               </a:rPr>
               <a:t>的一个子服务工作</a:t>
             </a:r>
@@ -10643,7 +10195,7 @@
                 <a:srgbClr val="333333"/>
               </a:solidFill>
               <a:effectLst/>
-              <a:latin typeface="Arial" panose="020B0604020202020204" pitchFamily="34" charset="0"/>
+              <a:latin typeface="Arial" panose="02080604020202020204" pitchFamily="34" charset="0"/>
             </a:endParaRPr>
           </a:p>
           <a:p>
@@ -10652,7 +10204,7 @@
                 <a:solidFill>
                   <a:srgbClr val="333333"/>
                 </a:solidFill>
-                <a:latin typeface="Arial" panose="020B0604020202020204" pitchFamily="34" charset="0"/>
+                <a:latin typeface="Arial" panose="02080604020202020204" pitchFamily="34" charset="0"/>
               </a:rPr>
               <a:t>-	</a:t>
             </a:r>
@@ -10661,7 +10213,7 @@
                 <a:solidFill>
                   <a:srgbClr val="333333"/>
                 </a:solidFill>
-                <a:latin typeface="Arial" panose="020B0604020202020204" pitchFamily="34" charset="0"/>
+                <a:latin typeface="Arial" panose="02080604020202020204" pitchFamily="34" charset="0"/>
               </a:rPr>
               <a:t>能用</a:t>
             </a:r>
@@ -10670,7 +10222,7 @@
                 <a:solidFill>
                   <a:srgbClr val="333333"/>
                 </a:solidFill>
-                <a:latin typeface="Arial" panose="020B0604020202020204" pitchFamily="34" charset="0"/>
+                <a:latin typeface="Arial" panose="02080604020202020204" pitchFamily="34" charset="0"/>
               </a:rPr>
               <a:t>ssh</a:t>
             </a:r>
@@ -10679,7 +10231,7 @@
                 <a:solidFill>
                   <a:srgbClr val="333333"/>
                 </a:solidFill>
-                <a:latin typeface="Arial" panose="020B0604020202020204" pitchFamily="34" charset="0"/>
+                <a:latin typeface="Arial" panose="02080604020202020204" pitchFamily="34" charset="0"/>
               </a:rPr>
               <a:t>的环境下就可用</a:t>
             </a:r>
@@ -10688,7 +10240,7 @@
                 <a:solidFill>
                   <a:srgbClr val="333333"/>
                 </a:solidFill>
-                <a:latin typeface="Arial" panose="020B0604020202020204" pitchFamily="34" charset="0"/>
+                <a:latin typeface="Arial" panose="02080604020202020204" pitchFamily="34" charset="0"/>
               </a:rPr>
               <a:t>sftp</a:t>
             </a:r>
@@ -10697,7 +10249,7 @@
                 <a:solidFill>
                   <a:srgbClr val="333333"/>
                 </a:solidFill>
-                <a:latin typeface="Arial" panose="020B0604020202020204" pitchFamily="34" charset="0"/>
+                <a:latin typeface="Arial" panose="02080604020202020204" pitchFamily="34" charset="0"/>
               </a:rPr>
               <a:t>来管理文件</a:t>
             </a:r>
@@ -10707,15 +10259,9 @@
       </p:sp>
       <p:sp>
         <p:nvSpPr>
-          <p:cNvPr id="3" name="标题 2">
-            <a:extLst>
-              <a:ext uri="{FF2B5EF4-FFF2-40B4-BE49-F238E27FC236}">
-                <a16:creationId xmlns:a16="http://schemas.microsoft.com/office/drawing/2014/main" id="{78AB3197-E393-4902-898D-EFA029551982}"/>
-              </a:ext>
-            </a:extLst>
-          </p:cNvPr>
+          <p:cNvPr id="3" name="标题 2"/>
           <p:cNvSpPr>
-            <a:spLocks noGrp="1"/>
+            <a:spLocks noGrp="true"/>
           </p:cNvSpPr>
           <p:nvPr>
             <p:ph type="title"/>
@@ -10744,20 +10290,14 @@
       </p:sp>
       <p:pic>
         <p:nvPicPr>
-          <p:cNvPr id="5" name="图片 4">
-            <a:extLst>
-              <a:ext uri="{FF2B5EF4-FFF2-40B4-BE49-F238E27FC236}">
-                <a16:creationId xmlns:a16="http://schemas.microsoft.com/office/drawing/2014/main" id="{DB8AA183-54D2-4FE0-9D40-FCF92EC3E287}"/>
-              </a:ext>
-            </a:extLst>
-          </p:cNvPr>
+          <p:cNvPr id="5" name="图片 4"/>
           <p:cNvPicPr>
-            <a:picLocks noChangeAspect="1"/>
+            <a:picLocks noChangeAspect="true"/>
           </p:cNvPicPr>
           <p:nvPr/>
         </p:nvPicPr>
         <p:blipFill>
-          <a:blip r:embed="rId2"/>
+          <a:blip r:embed="rId1"/>
           <a:stretch>
             <a:fillRect/>
           </a:stretch>
@@ -10773,11 +10313,6 @@
         </p:spPr>
       </p:pic>
     </p:spTree>
-    <p:extLst>
-      <p:ext uri="{BB962C8B-B14F-4D97-AF65-F5344CB8AC3E}">
-        <p14:creationId xmlns:p14="http://schemas.microsoft.com/office/powerpoint/2010/main" val="908152339"/>
-      </p:ext>
-    </p:extLst>
   </p:cSld>
   <p:clrMapOvr>
     <a:masterClrMapping/>
@@ -10804,15 +10339,9 @@
       </p:grpSpPr>
       <p:sp>
         <p:nvSpPr>
-          <p:cNvPr id="3" name="标题 2">
-            <a:extLst>
-              <a:ext uri="{FF2B5EF4-FFF2-40B4-BE49-F238E27FC236}">
-                <a16:creationId xmlns:a16="http://schemas.microsoft.com/office/drawing/2014/main" id="{174DF5BC-102D-4EBC-8409-7BFC2C4E36BB}"/>
-              </a:ext>
-            </a:extLst>
-          </p:cNvPr>
+          <p:cNvPr id="3" name="标题 2"/>
           <p:cNvSpPr>
-            <a:spLocks noGrp="1"/>
+            <a:spLocks noGrp="true"/>
           </p:cNvSpPr>
           <p:nvPr>
             <p:ph type="title"/>
@@ -10841,23 +10370,17 @@
       </p:sp>
       <p:pic>
         <p:nvPicPr>
-          <p:cNvPr id="1026" name="Picture 2">
-            <a:extLst>
-              <a:ext uri="{FF2B5EF4-FFF2-40B4-BE49-F238E27FC236}">
-                <a16:creationId xmlns:a16="http://schemas.microsoft.com/office/drawing/2014/main" id="{5E5BC09A-653A-4173-8B81-CF3B9414F16C}"/>
-              </a:ext>
-            </a:extLst>
-          </p:cNvPr>
+          <p:cNvPr id="1026" name="Picture 2"/>
           <p:cNvPicPr>
-            <a:picLocks noChangeAspect="1" noChangeArrowheads="1"/>
+            <a:picLocks noChangeAspect="true" noChangeArrowheads="true"/>
           </p:cNvPicPr>
           <p:nvPr/>
         </p:nvPicPr>
         <p:blipFill>
-          <a:blip r:embed="rId2">
+          <a:blip r:embed="rId1">
             <a:extLst>
               <a:ext uri="{28A0092B-C50C-407E-A947-70E740481C1C}">
-                <a14:useLocalDpi xmlns:a14="http://schemas.microsoft.com/office/drawing/2010/main" val="0"/>
+                <a14:useLocalDpi xmlns:a14="http://schemas.microsoft.com/office/drawing/2010/main" val="false"/>
               </a:ext>
             </a:extLst>
           </a:blip>
@@ -10888,16 +10411,8 @@
       </p:pic>
       <p:sp>
         <p:nvSpPr>
-          <p:cNvPr id="4" name="文本占位符 2">
-            <a:extLst>
-              <a:ext uri="{FF2B5EF4-FFF2-40B4-BE49-F238E27FC236}">
-                <a16:creationId xmlns:a16="http://schemas.microsoft.com/office/drawing/2014/main" id="{8BA72383-498B-4233-A0BA-CA903BF1D2E8}"/>
-              </a:ext>
-            </a:extLst>
-          </p:cNvPr>
-          <p:cNvSpPr txBox="1">
-            <a:spLocks/>
-          </p:cNvSpPr>
+          <p:cNvPr id="4" name="文本占位符 2"/>
+          <p:cNvSpPr txBox="true"/>
           <p:nvPr/>
         </p:nvSpPr>
         <p:spPr>
@@ -10942,7 +10457,7 @@
                 <a:cs typeface="+mn-cs"/>
               </a:defRPr>
             </a:lvl1pPr>
-            <a:lvl2pPr marL="384048" indent="-182880" algn="l" defTabSz="914400" rtl="0" eaLnBrk="1" latinLnBrk="0" hangingPunct="1">
+            <a:lvl2pPr marL="384175" indent="-182880" algn="l" defTabSz="914400" rtl="0" eaLnBrk="1" latinLnBrk="0" hangingPunct="1">
               <a:lnSpc>
                 <a:spcPct val="100000"/>
               </a:lnSpc>
@@ -10953,7 +10468,7 @@
                 <a:spcPts val="400"/>
               </a:spcAft>
               <a:buClrTx/>
-              <a:buFont typeface="Calibri" pitchFamily="34" charset="0"/>
+              <a:buFont typeface="Calibri" panose="020F0502020204030204" pitchFamily="34" charset="0"/>
               <a:buChar char="◦"/>
               <a:defRPr sz="1800" kern="1200">
                 <a:solidFill>
@@ -10967,7 +10482,7 @@
                 <a:cs typeface="+mn-cs"/>
               </a:defRPr>
             </a:lvl2pPr>
-            <a:lvl3pPr marL="566928" indent="-182880" algn="l" defTabSz="914400" rtl="0" eaLnBrk="1" latinLnBrk="0" hangingPunct="1">
+            <a:lvl3pPr marL="567055" indent="-182880" algn="l" defTabSz="914400" rtl="0" eaLnBrk="1" latinLnBrk="0" hangingPunct="1">
               <a:lnSpc>
                 <a:spcPct val="100000"/>
               </a:lnSpc>
@@ -10978,7 +10493,7 @@
                 <a:spcPts val="400"/>
               </a:spcAft>
               <a:buClrTx/>
-              <a:buFont typeface="Calibri" pitchFamily="34" charset="0"/>
+              <a:buFont typeface="Calibri" panose="020F0502020204030204" pitchFamily="34" charset="0"/>
               <a:buChar char="◦"/>
               <a:defRPr sz="1400" kern="1200">
                 <a:solidFill>
@@ -10992,7 +10507,7 @@
                 <a:cs typeface="+mn-cs"/>
               </a:defRPr>
             </a:lvl3pPr>
-            <a:lvl4pPr marL="749808" indent="-182880" algn="l" defTabSz="914400" rtl="0" eaLnBrk="1" latinLnBrk="0" hangingPunct="1">
+            <a:lvl4pPr marL="749935" indent="-182880" algn="l" defTabSz="914400" rtl="0" eaLnBrk="1" latinLnBrk="0" hangingPunct="1">
               <a:lnSpc>
                 <a:spcPct val="100000"/>
               </a:lnSpc>
@@ -11003,7 +10518,7 @@
                 <a:spcPts val="400"/>
               </a:spcAft>
               <a:buClrTx/>
-              <a:buFont typeface="Calibri" pitchFamily="34" charset="0"/>
+              <a:buFont typeface="Calibri" panose="020F0502020204030204" pitchFamily="34" charset="0"/>
               <a:buChar char="◦"/>
               <a:defRPr sz="1400" kern="1200">
                 <a:solidFill>
@@ -11017,7 +10532,7 @@
                 <a:cs typeface="+mn-cs"/>
               </a:defRPr>
             </a:lvl4pPr>
-            <a:lvl5pPr marL="932688" indent="-182880" algn="l" defTabSz="914400" rtl="0" eaLnBrk="1" latinLnBrk="0" hangingPunct="1">
+            <a:lvl5pPr marL="932815" indent="-182880" algn="l" defTabSz="914400" rtl="0" eaLnBrk="1" latinLnBrk="0" hangingPunct="1">
               <a:lnSpc>
                 <a:spcPct val="100000"/>
               </a:lnSpc>
@@ -11028,7 +10543,7 @@
                 <a:spcPts val="400"/>
               </a:spcAft>
               <a:buClrTx/>
-              <a:buFont typeface="Calibri" pitchFamily="34" charset="0"/>
+              <a:buFont typeface="Calibri" panose="020F0502020204030204" pitchFamily="34" charset="0"/>
               <a:buChar char="◦"/>
               <a:defRPr sz="1400" kern="1200">
                 <a:solidFill>
@@ -11042,7 +10557,7 @@
                 <a:cs typeface="+mn-cs"/>
               </a:defRPr>
             </a:lvl5pPr>
-            <a:lvl6pPr marL="1100000" indent="-228600" algn="l" defTabSz="914400" rtl="0" eaLnBrk="1" latinLnBrk="0" hangingPunct="1">
+            <a:lvl6pPr marL="1099820" indent="-228600" algn="l" defTabSz="914400" rtl="0" eaLnBrk="1" latinLnBrk="0" hangingPunct="1">
               <a:lnSpc>
                 <a:spcPct val="90000"/>
               </a:lnSpc>
@@ -11055,7 +10570,7 @@
               <a:buClr>
                 <a:schemeClr val="accent1"/>
               </a:buClr>
-              <a:buFont typeface="Calibri" pitchFamily="34" charset="0"/>
+              <a:buFont typeface="Calibri" panose="020F0502020204030204" pitchFamily="34" charset="0"/>
               <a:buChar char="◦"/>
               <a:defRPr sz="1400" kern="1200">
                 <a:solidFill>
@@ -11069,7 +10584,7 @@
                 <a:cs typeface="+mn-cs"/>
               </a:defRPr>
             </a:lvl6pPr>
-            <a:lvl7pPr marL="1300000" indent="-228600" algn="l" defTabSz="914400" rtl="0" eaLnBrk="1" latinLnBrk="0" hangingPunct="1">
+            <a:lvl7pPr marL="1299845" indent="-228600" algn="l" defTabSz="914400" rtl="0" eaLnBrk="1" latinLnBrk="0" hangingPunct="1">
               <a:lnSpc>
                 <a:spcPct val="90000"/>
               </a:lnSpc>
@@ -11082,7 +10597,7 @@
               <a:buClr>
                 <a:schemeClr val="accent1"/>
               </a:buClr>
-              <a:buFont typeface="Calibri" pitchFamily="34" charset="0"/>
+              <a:buFont typeface="Calibri" panose="020F0502020204030204" pitchFamily="34" charset="0"/>
               <a:buChar char="◦"/>
               <a:defRPr sz="1400" kern="1200">
                 <a:solidFill>
@@ -11096,7 +10611,7 @@
                 <a:cs typeface="+mn-cs"/>
               </a:defRPr>
             </a:lvl7pPr>
-            <a:lvl8pPr marL="1500000" indent="-228600" algn="l" defTabSz="914400" rtl="0" eaLnBrk="1" latinLnBrk="0" hangingPunct="1">
+            <a:lvl8pPr marL="1499870" indent="-228600" algn="l" defTabSz="914400" rtl="0" eaLnBrk="1" latinLnBrk="0" hangingPunct="1">
               <a:lnSpc>
                 <a:spcPct val="90000"/>
               </a:lnSpc>
@@ -11109,7 +10624,7 @@
               <a:buClr>
                 <a:schemeClr val="accent1"/>
               </a:buClr>
-              <a:buFont typeface="Calibri" pitchFamily="34" charset="0"/>
+              <a:buFont typeface="Calibri" panose="020F0502020204030204" pitchFamily="34" charset="0"/>
               <a:buChar char="◦"/>
               <a:defRPr sz="1400" kern="1200">
                 <a:solidFill>
@@ -11123,7 +10638,7 @@
                 <a:cs typeface="+mn-cs"/>
               </a:defRPr>
             </a:lvl8pPr>
-            <a:lvl9pPr marL="1700000" indent="-228600" algn="l" defTabSz="914400" rtl="0" eaLnBrk="1" latinLnBrk="0" hangingPunct="1">
+            <a:lvl9pPr marL="1699895" indent="-228600" algn="l" defTabSz="914400" rtl="0" eaLnBrk="1" latinLnBrk="0" hangingPunct="1">
               <a:lnSpc>
                 <a:spcPct val="90000"/>
               </a:lnSpc>
@@ -11136,7 +10651,7 @@
               <a:buClr>
                 <a:schemeClr val="accent1"/>
               </a:buClr>
-              <a:buFont typeface="Calibri" pitchFamily="34" charset="0"/>
+              <a:buFont typeface="Calibri" panose="020F0502020204030204" pitchFamily="34" charset="0"/>
               <a:buChar char="◦"/>
               <a:defRPr sz="1400" kern="1200">
                 <a:solidFill>
@@ -11166,15 +10681,9 @@
       </p:sp>
       <p:sp>
         <p:nvSpPr>
-          <p:cNvPr id="5" name="内容占位符 1">
-            <a:extLst>
-              <a:ext uri="{FF2B5EF4-FFF2-40B4-BE49-F238E27FC236}">
-                <a16:creationId xmlns:a16="http://schemas.microsoft.com/office/drawing/2014/main" id="{5ADF9D79-1D43-41AC-9170-FE079C764342}"/>
-              </a:ext>
-            </a:extLst>
-          </p:cNvPr>
+          <p:cNvPr id="5" name="内容占位符 1"/>
           <p:cNvSpPr>
-            <a:spLocks noGrp="1"/>
+            <a:spLocks noGrp="true"/>
           </p:cNvSpPr>
           <p:nvPr>
             <p:ph idx="1"/>
@@ -11187,7 +10696,9 @@
           </a:xfrm>
         </p:spPr>
         <p:txBody>
-          <a:bodyPr/>
+          <a:bodyPr>
+            <a:normAutofit lnSpcReduction="10000"/>
+          </a:bodyPr>
           <a:lstStyle/>
           <a:p>
             <a:r>
@@ -11493,7 +11004,52 @@
               </a:rPr>
               <a:t>程序的功能</a:t>
             </a:r>
-            <a:endParaRPr lang="en-US" altLang="zh-CN" b="1" dirty="0">
+            <a:endParaRPr lang="zh-CN" altLang="en-US" b="1" i="0" dirty="0">
+              <a:solidFill>
+                <a:srgbClr val="000000"/>
+              </a:solidFill>
+              <a:effectLst/>
+              <a:latin typeface="PingFang SC"/>
+            </a:endParaRPr>
+          </a:p>
+          <a:p>
+            <a:r>
+              <a:rPr lang="en-US" altLang="zh-CN" dirty="0">
+                <a:solidFill>
+                  <a:srgbClr val="4D4D4D"/>
+                </a:solidFill>
+                <a:latin typeface="-apple-system"/>
+              </a:rPr>
+              <a:t>-	windows</a:t>
+            </a:r>
+            <a:r>
+              <a:rPr lang="zh-CN" altLang="en-US" dirty="0">
+                <a:solidFill>
+                  <a:srgbClr val="4D4D4D"/>
+                </a:solidFill>
+                <a:latin typeface="-apple-system"/>
+              </a:rPr>
+              <a:t>下也有</a:t>
+            </a:r>
+            <a:r>
+              <a:rPr lang="en-US" altLang="zh-CN" dirty="0">
+                <a:solidFill>
+                  <a:srgbClr val="4D4D4D"/>
+                </a:solidFill>
+                <a:latin typeface="-apple-system"/>
+              </a:rPr>
+              <a:t>X server</a:t>
+            </a:r>
+            <a:r>
+              <a:rPr lang="zh-CN" altLang="en-US" dirty="0">
+                <a:solidFill>
+                  <a:srgbClr val="4D4D4D"/>
+                </a:solidFill>
+                <a:latin typeface="-apple-system"/>
+              </a:rPr>
+              <a:t>的实现</a:t>
+            </a:r>
+            <a:endParaRPr lang="zh-CN" altLang="en-US" dirty="0">
               <a:solidFill>
                 <a:srgbClr val="4D4D4D"/>
               </a:solidFill>
@@ -11503,11 +11059,6 @@
         </p:txBody>
       </p:sp>
     </p:spTree>
-    <p:extLst>
-      <p:ext uri="{BB962C8B-B14F-4D97-AF65-F5344CB8AC3E}">
-        <p14:creationId xmlns:p14="http://schemas.microsoft.com/office/powerpoint/2010/main" val="1218299398"/>
-      </p:ext>
-    </p:extLst>
   </p:cSld>
   <p:clrMapOvr>
     <a:masterClrMapping/>
@@ -11532,12 +11083,324 @@
           <a:chExt cx="0" cy="0"/>
         </a:xfrm>
       </p:grpSpPr>
+      <p:pic>
+        <p:nvPicPr>
+          <p:cNvPr id="2" name="Picture 1"/>
+          <p:cNvPicPr>
+            <a:picLocks noChangeAspect="true"/>
+          </p:cNvPicPr>
+          <p:nvPr/>
+        </p:nvPicPr>
+        <p:blipFill>
+          <a:blip r:embed="rId1"/>
+          <a:stretch>
+            <a:fillRect/>
+          </a:stretch>
+        </p:blipFill>
+        <p:spPr>
+          <a:xfrm>
+            <a:off x="1411605" y="1109345"/>
+            <a:ext cx="8735695" cy="3531235"/>
+          </a:xfrm>
+          <a:prstGeom prst="rect">
+            <a:avLst/>
+          </a:prstGeom>
+        </p:spPr>
+      </p:pic>
+      <p:sp>
+        <p:nvSpPr>
+          <p:cNvPr id="4" name="文本占位符 2"/>
+          <p:cNvSpPr txBox="true"/>
+          <p:nvPr/>
+        </p:nvSpPr>
+        <p:spPr>
+          <a:xfrm>
+            <a:off x="4202430" y="4900930"/>
+            <a:ext cx="3154045" cy="591820"/>
+          </a:xfrm>
+          <a:prstGeom prst="rect">
+            <a:avLst/>
+          </a:prstGeom>
+        </p:spPr>
+        <p:txBody>
+          <a:bodyPr vert="horz" lIns="0" tIns="45720" rIns="0" bIns="45720" rtlCol="0">
+            <a:normAutofit/>
+          </a:bodyPr>
+          <a:lstStyle>
+            <a:lvl1pPr marL="91440" indent="-91440" algn="l" defTabSz="914400" rtl="0" eaLnBrk="1" latinLnBrk="0" hangingPunct="1">
+              <a:lnSpc>
+                <a:spcPct val="100000"/>
+              </a:lnSpc>
+              <a:spcBef>
+                <a:spcPts val="1200"/>
+              </a:spcBef>
+              <a:spcAft>
+                <a:spcPts val="200"/>
+              </a:spcAft>
+              <a:buClr>
+                <a:schemeClr val="accent1"/>
+              </a:buClr>
+              <a:buSzPct val="100000"/>
+              <a:buFont typeface="Calibri" panose="020F0502020204030204" pitchFamily="34" charset="0"/>
+              <a:buChar char=" "/>
+              <a:defRPr sz="2000" kern="1200">
+                <a:solidFill>
+                  <a:schemeClr val="tx1">
+                    <a:lumMod val="75000"/>
+                    <a:lumOff val="25000"/>
+                  </a:schemeClr>
+                </a:solidFill>
+                <a:latin typeface="Microsoft YaHei UI" panose="020B0503020204020204" pitchFamily="34" charset="-122"/>
+                <a:ea typeface="Microsoft YaHei UI" panose="020B0503020204020204" pitchFamily="34" charset="-122"/>
+                <a:cs typeface="+mn-cs"/>
+              </a:defRPr>
+            </a:lvl1pPr>
+            <a:lvl2pPr marL="384175" indent="-182880" algn="l" defTabSz="914400" rtl="0" eaLnBrk="1" latinLnBrk="0" hangingPunct="1">
+              <a:lnSpc>
+                <a:spcPct val="100000"/>
+              </a:lnSpc>
+              <a:spcBef>
+                <a:spcPts val="200"/>
+              </a:spcBef>
+              <a:spcAft>
+                <a:spcPts val="400"/>
+              </a:spcAft>
+              <a:buClrTx/>
+              <a:buFont typeface="Calibri" panose="020F0502020204030204" pitchFamily="34" charset="0"/>
+              <a:buChar char="◦"/>
+              <a:defRPr sz="1800" kern="1200">
+                <a:solidFill>
+                  <a:schemeClr val="tx1">
+                    <a:lumMod val="75000"/>
+                    <a:lumOff val="25000"/>
+                  </a:schemeClr>
+                </a:solidFill>
+                <a:latin typeface="Microsoft YaHei UI" panose="020B0503020204020204" pitchFamily="34" charset="-122"/>
+                <a:ea typeface="Microsoft YaHei UI" panose="020B0503020204020204" pitchFamily="34" charset="-122"/>
+                <a:cs typeface="+mn-cs"/>
+              </a:defRPr>
+            </a:lvl2pPr>
+            <a:lvl3pPr marL="567055" indent="-182880" algn="l" defTabSz="914400" rtl="0" eaLnBrk="1" latinLnBrk="0" hangingPunct="1">
+              <a:lnSpc>
+                <a:spcPct val="100000"/>
+              </a:lnSpc>
+              <a:spcBef>
+                <a:spcPts val="200"/>
+              </a:spcBef>
+              <a:spcAft>
+                <a:spcPts val="400"/>
+              </a:spcAft>
+              <a:buClrTx/>
+              <a:buFont typeface="Calibri" panose="020F0502020204030204" pitchFamily="34" charset="0"/>
+              <a:buChar char="◦"/>
+              <a:defRPr sz="1400" kern="1200">
+                <a:solidFill>
+                  <a:schemeClr val="tx1">
+                    <a:lumMod val="75000"/>
+                    <a:lumOff val="25000"/>
+                  </a:schemeClr>
+                </a:solidFill>
+                <a:latin typeface="Microsoft YaHei UI" panose="020B0503020204020204" pitchFamily="34" charset="-122"/>
+                <a:ea typeface="Microsoft YaHei UI" panose="020B0503020204020204" pitchFamily="34" charset="-122"/>
+                <a:cs typeface="+mn-cs"/>
+              </a:defRPr>
+            </a:lvl3pPr>
+            <a:lvl4pPr marL="749935" indent="-182880" algn="l" defTabSz="914400" rtl="0" eaLnBrk="1" latinLnBrk="0" hangingPunct="1">
+              <a:lnSpc>
+                <a:spcPct val="100000"/>
+              </a:lnSpc>
+              <a:spcBef>
+                <a:spcPts val="200"/>
+              </a:spcBef>
+              <a:spcAft>
+                <a:spcPts val="400"/>
+              </a:spcAft>
+              <a:buClrTx/>
+              <a:buFont typeface="Calibri" panose="020F0502020204030204" pitchFamily="34" charset="0"/>
+              <a:buChar char="◦"/>
+              <a:defRPr sz="1400" kern="1200">
+                <a:solidFill>
+                  <a:schemeClr val="tx1">
+                    <a:lumMod val="75000"/>
+                    <a:lumOff val="25000"/>
+                  </a:schemeClr>
+                </a:solidFill>
+                <a:latin typeface="Microsoft YaHei UI" panose="020B0503020204020204" pitchFamily="34" charset="-122"/>
+                <a:ea typeface="Microsoft YaHei UI" panose="020B0503020204020204" pitchFamily="34" charset="-122"/>
+                <a:cs typeface="+mn-cs"/>
+              </a:defRPr>
+            </a:lvl4pPr>
+            <a:lvl5pPr marL="932815" indent="-182880" algn="l" defTabSz="914400" rtl="0" eaLnBrk="1" latinLnBrk="0" hangingPunct="1">
+              <a:lnSpc>
+                <a:spcPct val="100000"/>
+              </a:lnSpc>
+              <a:spcBef>
+                <a:spcPts val="200"/>
+              </a:spcBef>
+              <a:spcAft>
+                <a:spcPts val="400"/>
+              </a:spcAft>
+              <a:buClrTx/>
+              <a:buFont typeface="Calibri" panose="020F0502020204030204" pitchFamily="34" charset="0"/>
+              <a:buChar char="◦"/>
+              <a:defRPr sz="1400" kern="1200">
+                <a:solidFill>
+                  <a:schemeClr val="tx1">
+                    <a:lumMod val="75000"/>
+                    <a:lumOff val="25000"/>
+                  </a:schemeClr>
+                </a:solidFill>
+                <a:latin typeface="Microsoft YaHei UI" panose="020B0503020204020204" pitchFamily="34" charset="-122"/>
+                <a:ea typeface="Microsoft YaHei UI" panose="020B0503020204020204" pitchFamily="34" charset="-122"/>
+                <a:cs typeface="+mn-cs"/>
+              </a:defRPr>
+            </a:lvl5pPr>
+            <a:lvl6pPr marL="1099820" indent="-228600" algn="l" defTabSz="914400" rtl="0" eaLnBrk="1" latinLnBrk="0" hangingPunct="1">
+              <a:lnSpc>
+                <a:spcPct val="90000"/>
+              </a:lnSpc>
+              <a:spcBef>
+                <a:spcPts val="200"/>
+              </a:spcBef>
+              <a:spcAft>
+                <a:spcPts val="400"/>
+              </a:spcAft>
+              <a:buClr>
+                <a:schemeClr val="accent1"/>
+              </a:buClr>
+              <a:buFont typeface="Calibri" panose="020F0502020204030204" pitchFamily="34" charset="0"/>
+              <a:buChar char="◦"/>
+              <a:defRPr sz="1400" kern="1200">
+                <a:solidFill>
+                  <a:schemeClr val="tx1">
+                    <a:lumMod val="75000"/>
+                    <a:lumOff val="25000"/>
+                  </a:schemeClr>
+                </a:solidFill>
+                <a:latin typeface="+mn-lt"/>
+                <a:ea typeface="+mn-ea"/>
+                <a:cs typeface="+mn-cs"/>
+              </a:defRPr>
+            </a:lvl6pPr>
+            <a:lvl7pPr marL="1299845" indent="-228600" algn="l" defTabSz="914400" rtl="0" eaLnBrk="1" latinLnBrk="0" hangingPunct="1">
+              <a:lnSpc>
+                <a:spcPct val="90000"/>
+              </a:lnSpc>
+              <a:spcBef>
+                <a:spcPts val="200"/>
+              </a:spcBef>
+              <a:spcAft>
+                <a:spcPts val="400"/>
+              </a:spcAft>
+              <a:buClr>
+                <a:schemeClr val="accent1"/>
+              </a:buClr>
+              <a:buFont typeface="Calibri" panose="020F0502020204030204" pitchFamily="34" charset="0"/>
+              <a:buChar char="◦"/>
+              <a:defRPr sz="1400" kern="1200">
+                <a:solidFill>
+                  <a:schemeClr val="tx1">
+                    <a:lumMod val="75000"/>
+                    <a:lumOff val="25000"/>
+                  </a:schemeClr>
+                </a:solidFill>
+                <a:latin typeface="+mn-lt"/>
+                <a:ea typeface="+mn-ea"/>
+                <a:cs typeface="+mn-cs"/>
+              </a:defRPr>
+            </a:lvl7pPr>
+            <a:lvl8pPr marL="1499870" indent="-228600" algn="l" defTabSz="914400" rtl="0" eaLnBrk="1" latinLnBrk="0" hangingPunct="1">
+              <a:lnSpc>
+                <a:spcPct val="90000"/>
+              </a:lnSpc>
+              <a:spcBef>
+                <a:spcPts val="200"/>
+              </a:spcBef>
+              <a:spcAft>
+                <a:spcPts val="400"/>
+              </a:spcAft>
+              <a:buClr>
+                <a:schemeClr val="accent1"/>
+              </a:buClr>
+              <a:buFont typeface="Calibri" panose="020F0502020204030204" pitchFamily="34" charset="0"/>
+              <a:buChar char="◦"/>
+              <a:defRPr sz="1400" kern="1200">
+                <a:solidFill>
+                  <a:schemeClr val="tx1">
+                    <a:lumMod val="75000"/>
+                    <a:lumOff val="25000"/>
+                  </a:schemeClr>
+                </a:solidFill>
+                <a:latin typeface="+mn-lt"/>
+                <a:ea typeface="+mn-ea"/>
+                <a:cs typeface="+mn-cs"/>
+              </a:defRPr>
+            </a:lvl8pPr>
+            <a:lvl9pPr marL="1699895" indent="-228600" algn="l" defTabSz="914400" rtl="0" eaLnBrk="1" latinLnBrk="0" hangingPunct="1">
+              <a:lnSpc>
+                <a:spcPct val="90000"/>
+              </a:lnSpc>
+              <a:spcBef>
+                <a:spcPts val="200"/>
+              </a:spcBef>
+              <a:spcAft>
+                <a:spcPts val="400"/>
+              </a:spcAft>
+              <a:buClr>
+                <a:schemeClr val="accent1"/>
+              </a:buClr>
+              <a:buFont typeface="Calibri" panose="020F0502020204030204" pitchFamily="34" charset="0"/>
+              <a:buChar char="◦"/>
+              <a:defRPr sz="1400" kern="1200">
+                <a:solidFill>
+                  <a:schemeClr val="tx1">
+                    <a:lumMod val="75000"/>
+                    <a:lumOff val="25000"/>
+                  </a:schemeClr>
+                </a:solidFill>
+                <a:latin typeface="+mn-lt"/>
+                <a:ea typeface="+mn-ea"/>
+                <a:cs typeface="+mn-cs"/>
+              </a:defRPr>
+            </a:lvl9pPr>
+          </a:lstStyle>
+          <a:p>
+            <a:pPr marL="0" indent="0">
+              <a:buNone/>
+            </a:pPr>
+            <a:r>
+              <a:rPr lang="zh-CN" altLang="en-US" b="1" dirty="0"/>
+              <a:t>通过</a:t>
+            </a:r>
+            <a:r>
+              <a:rPr lang="en-US" altLang="zh-CN" b="1" dirty="0"/>
+              <a:t>-X</a:t>
+            </a:r>
+            <a:r>
+              <a:rPr lang="zh-CN" altLang="en-US" b="1" dirty="0"/>
+              <a:t>参数开启</a:t>
+            </a:r>
+            <a:r>
+              <a:rPr lang="en-US" altLang="zh-CN" b="1" dirty="0"/>
+              <a:t>ssh</a:t>
+            </a:r>
+            <a:r>
+              <a:rPr lang="zh-CN" altLang="en-US" b="1" dirty="0"/>
+              <a:t>的</a:t>
+            </a:r>
+            <a:r>
+              <a:rPr lang="en-US" altLang="zh-CN" b="1" dirty="0"/>
+              <a:t>X</a:t>
+            </a:r>
+            <a:r>
+              <a:rPr lang="zh-CN" altLang="en-US" b="1" dirty="0"/>
+              <a:t>转发</a:t>
+            </a:r>
+            <a:endParaRPr lang="zh-CN" altLang="en-US" b="1" dirty="0"/>
+          </a:p>
+        </p:txBody>
+      </p:sp>
     </p:spTree>
-    <p:extLst>
-      <p:ext uri="{BB962C8B-B14F-4D97-AF65-F5344CB8AC3E}">
-        <p14:creationId xmlns:p14="http://schemas.microsoft.com/office/powerpoint/2010/main" val="4282553387"/>
-      </p:ext>
-    </p:extLst>
   </p:cSld>
   <p:clrMapOvr>
     <a:masterClrMapping/>
@@ -11588,7 +11451,7 @@
     </a:clrScheme>
     <a:fontScheme name="Consolas-Verdana">
       <a:majorFont>
-        <a:latin typeface="Consolas" panose="020B0609020204030204"/>
+        <a:latin typeface="Consolas"/>
         <a:ea typeface=""/>
         <a:cs typeface=""/>
         <a:font script="Jpan" typeface="HG丸ｺﾞｼｯｸM-PRO"/>
@@ -11623,7 +11486,7 @@
         <a:font script="Geor" typeface="Sylfaen"/>
       </a:majorFont>
       <a:minorFont>
-        <a:latin typeface="Verdana" panose="020B0604030504040204"/>
+        <a:latin typeface="Verdana"/>
         <a:ea typeface=""/>
         <a:cs typeface=""/>
         <a:font script="Jpan" typeface="ＭＳ ゴシック"/>
@@ -11663,7 +11526,7 @@
         <a:solidFill>
           <a:schemeClr val="phClr"/>
         </a:solidFill>
-        <a:gradFill rotWithShape="1">
+        <a:gradFill rotWithShape="true">
           <a:gsLst>
             <a:gs pos="0">
               <a:schemeClr val="phClr">
@@ -11690,7 +11553,7 @@
             <a:fillToRect l="100000" t="100000" r="100000" b="100000"/>
           </a:path>
         </a:gradFill>
-        <a:gradFill rotWithShape="1">
+        <a:gradFill rotWithShape="true">
           <a:gsLst>
             <a:gs pos="0">
               <a:schemeClr val="phClr">
@@ -11789,7 +11652,7 @@
             <a:satMod val="130000"/>
           </a:schemeClr>
         </a:solidFill>
-        <a:gradFill rotWithShape="1">
+        <a:gradFill rotWithShape="true">
           <a:gsLst>
             <a:gs pos="0">
               <a:schemeClr val="phClr">
@@ -11813,16 +11676,14 @@
               </a:schemeClr>
             </a:gs>
           </a:gsLst>
-          <a:lin ang="16200000" scaled="0"/>
+          <a:lin ang="16200000" scaled="false"/>
         </a:gradFill>
       </a:bgFillStyleLst>
     </a:fmtScheme>
   </a:themeElements>
-  <a:objectDefaults/>
-  <a:extraClrSchemeLst/>
   <a:extLst>
     <a:ext uri="{05A4C25C-085E-4340-85A3-A5531E510DB2}">
-      <thm15:themeFamily xmlns:thm15="http://schemas.microsoft.com/office/thememl/2012/main" name="Office_42167430_TF66722518" id="{829C33DD-2B9F-4D66-9920-F14C9C6637DD}" vid="{8B410579-0F0D-4DE0-8BA9-79E32CDF856E}"/>
+      <thm15:themeFamily xmlns:thm15="http://schemas.microsoft.com/office/thememl/2012/main" name="Office Theme" id="{62F939B6-93AF-4DB8-9C6B-D6C7DFDC589F}" vid="{4A3C46E8-61CC-4603-A589-7422A47A8E4A}"/>
     </a:ext>
   </a:extLst>
 </a:theme>
@@ -11871,7 +11732,7 @@
     </a:clrScheme>
     <a:fontScheme name="Office">
       <a:majorFont>
-        <a:latin typeface="Calibri Light" panose="020F0302020204030204"/>
+        <a:latin typeface="Calibri Light"/>
         <a:ea typeface=""/>
         <a:cs typeface=""/>
         <a:font script="Jpan" typeface="游ゴシック Light"/>
@@ -11906,7 +11767,7 @@
         <a:font script="Geor" typeface="Sylfaen"/>
       </a:majorFont>
       <a:minorFont>
-        <a:latin typeface="Calibri" panose="020F0502020204030204"/>
+        <a:latin typeface="Calibri"/>
         <a:ea typeface=""/>
         <a:cs typeface=""/>
         <a:font script="Jpan" typeface="游ゴシック"/>
@@ -11946,7 +11807,7 @@
         <a:solidFill>
           <a:schemeClr val="phClr"/>
         </a:solidFill>
-        <a:gradFill rotWithShape="1">
+        <a:gradFill rotWithShape="true">
           <a:gsLst>
             <a:gs pos="0">
               <a:schemeClr val="phClr">
@@ -11970,9 +11831,9 @@
               </a:schemeClr>
             </a:gs>
           </a:gsLst>
-          <a:lin ang="5400000" scaled="0"/>
+          <a:lin ang="5400000" scaled="false"/>
         </a:gradFill>
-        <a:gradFill rotWithShape="1">
+        <a:gradFill rotWithShape="true">
           <a:gsLst>
             <a:gs pos="0">
               <a:schemeClr val="phClr">
@@ -11996,7 +11857,7 @@
               </a:schemeClr>
             </a:gs>
           </a:gsLst>
-          <a:lin ang="5400000" scaled="0"/>
+          <a:lin ang="5400000" scaled="false"/>
         </a:gradFill>
       </a:fillStyleLst>
       <a:lnStyleLst>
@@ -12049,7 +11910,7 @@
             <a:satMod val="170000"/>
           </a:schemeClr>
         </a:solidFill>
-        <a:gradFill rotWithShape="1">
+        <a:gradFill rotWithShape="true">
           <a:gsLst>
             <a:gs pos="0">
               <a:schemeClr val="phClr">
@@ -12074,13 +11935,11 @@
               </a:schemeClr>
             </a:gs>
           </a:gsLst>
-          <a:lin ang="5400000" scaled="0"/>
+          <a:lin ang="5400000" scaled="false"/>
         </a:gradFill>
       </a:bgFillStyleLst>
     </a:fmtScheme>
   </a:themeElements>
-  <a:objectDefaults/>
-  <a:extraClrSchemeLst/>
   <a:extLst>
     <a:ext uri="{05A4C25C-085E-4340-85A3-A5531E510DB2}">
       <thm15:themeFamily xmlns:thm15="http://schemas.microsoft.com/office/thememl/2012/main" name="Office Theme" id="{62F939B6-93AF-4DB8-9C6B-D6C7DFDC589F}" vid="{4A3C46E8-61CC-4603-A589-7422A47A8E4A}"/>
@@ -12132,7 +11991,7 @@
     </a:clrScheme>
     <a:fontScheme name="Office">
       <a:majorFont>
-        <a:latin typeface="Calibri Light" panose="020F0302020204030204"/>
+        <a:latin typeface="Calibri Light"/>
         <a:ea typeface=""/>
         <a:cs typeface=""/>
         <a:font script="Jpan" typeface="游ゴシック Light"/>
@@ -12167,7 +12026,7 @@
         <a:font script="Geor" typeface="Sylfaen"/>
       </a:majorFont>
       <a:minorFont>
-        <a:latin typeface="Calibri" panose="020F0502020204030204"/>
+        <a:latin typeface="Calibri"/>
         <a:ea typeface=""/>
         <a:cs typeface=""/>
         <a:font script="Jpan" typeface="游ゴシック"/>
@@ -12207,7 +12066,7 @@
         <a:solidFill>
           <a:schemeClr val="phClr"/>
         </a:solidFill>
-        <a:gradFill rotWithShape="1">
+        <a:gradFill rotWithShape="true">
           <a:gsLst>
             <a:gs pos="0">
               <a:schemeClr val="phClr">
@@ -12231,9 +12090,9 @@
               </a:schemeClr>
             </a:gs>
           </a:gsLst>
-          <a:lin ang="5400000" scaled="0"/>
+          <a:lin ang="5400000" scaled="false"/>
         </a:gradFill>
-        <a:gradFill rotWithShape="1">
+        <a:gradFill rotWithShape="true">
           <a:gsLst>
             <a:gs pos="0">
               <a:schemeClr val="phClr">
@@ -12257,7 +12116,7 @@
               </a:schemeClr>
             </a:gs>
           </a:gsLst>
-          <a:lin ang="5400000" scaled="0"/>
+          <a:lin ang="5400000" scaled="false"/>
         </a:gradFill>
       </a:fillStyleLst>
       <a:lnStyleLst>
@@ -12310,7 +12169,7 @@
             <a:satMod val="170000"/>
           </a:schemeClr>
         </a:solidFill>
-        <a:gradFill rotWithShape="1">
+        <a:gradFill rotWithShape="true">
           <a:gsLst>
             <a:gs pos="0">
               <a:schemeClr val="phClr">
@@ -12335,293 +12194,15 @@
               </a:schemeClr>
             </a:gs>
           </a:gsLst>
-          <a:lin ang="5400000" scaled="0"/>
+          <a:lin ang="5400000" scaled="false"/>
         </a:gradFill>
       </a:bgFillStyleLst>
     </a:fmtScheme>
   </a:themeElements>
-  <a:objectDefaults/>
-  <a:extraClrSchemeLst/>
   <a:extLst>
     <a:ext uri="{05A4C25C-085E-4340-85A3-A5531E510DB2}">
       <thm15:themeFamily xmlns:thm15="http://schemas.microsoft.com/office/thememl/2012/main" name="Office Theme" id="{62F939B6-93AF-4DB8-9C6B-D6C7DFDC589F}" vid="{4A3C46E8-61CC-4603-A589-7422A47A8E4A}"/>
     </a:ext>
   </a:extLst>
 </a:theme>
-</file>
-
-<file path=customXml/item1.xml><?xml version="1.0" encoding="utf-8"?>
-<p:properties xmlns:p="http://schemas.microsoft.com/office/2006/metadata/properties" xmlns:xsi="http://www.w3.org/2001/XMLSchema-instance" xmlns:pc="http://schemas.microsoft.com/office/infopath/2007/PartnerControls">
-  <documentManagement>
-    <Status xmlns="71af3243-3dd4-4a8d-8c0d-dd76da1f02a5">Not started</Status>
-    <MediaServiceKeyPoints xmlns="71af3243-3dd4-4a8d-8c0d-dd76da1f02a5" xsi:nil="true"/>
-  </documentManagement>
-</p:properties>
-</file>
-
-<file path=customXml/item2.xml><?xml version="1.0" encoding="utf-8"?>
-<ct:contentTypeSchema xmlns:ct="http://schemas.microsoft.com/office/2006/metadata/contentType" xmlns:ma="http://schemas.microsoft.com/office/2006/metadata/properties/metaAttributes" ct:_="" ma:_="" ma:contentTypeName="Document" ma:contentTypeID="0x01010079F111ED35F8CC479449609E8A0923A6" ma:contentTypeVersion="12" ma:contentTypeDescription="Create a new document." ma:contentTypeScope="" ma:versionID="fa6e671f1cd7e4d96ff9652be322dd5e">
-  <xsd:schema xmlns:xsd="http://www.w3.org/2001/XMLSchema" xmlns:xs="http://www.w3.org/2001/XMLSchema" xmlns:p="http://schemas.microsoft.com/office/2006/metadata/properties" xmlns:ns2="71af3243-3dd4-4a8d-8c0d-dd76da1f02a5" xmlns:ns3="16c05727-aa75-4e4a-9b5f-8a80a1165891" targetNamespace="http://schemas.microsoft.com/office/2006/metadata/properties" ma:root="true" ma:fieldsID="4e2496f70b101db0b8013f30a071bbf7" ns2:_="" ns3:_="">
-    <xsd:import namespace="71af3243-3dd4-4a8d-8c0d-dd76da1f02a5"/>
-    <xsd:import namespace="16c05727-aa75-4e4a-9b5f-8a80a1165891"/>
-    <xsd:element name="properties">
-      <xsd:complexType>
-        <xsd:sequence>
-          <xsd:element name="documentManagement">
-            <xsd:complexType>
-              <xsd:all>
-                <xsd:element ref="ns2:MediaServiceMetadata" minOccurs="0"/>
-                <xsd:element ref="ns2:MediaServiceFastMetadata" minOccurs="0"/>
-                <xsd:element ref="ns2:MediaServiceOCR" minOccurs="0"/>
-                <xsd:element ref="ns2:MediaServiceAutoTags" minOccurs="0"/>
-                <xsd:element ref="ns2:MediaServiceEventHashCode" minOccurs="0"/>
-                <xsd:element ref="ns2:MediaServiceGenerationTime" minOccurs="0"/>
-                <xsd:element ref="ns3:SharedWithUsers" minOccurs="0"/>
-                <xsd:element ref="ns3:SharedWithDetails" minOccurs="0"/>
-                <xsd:element ref="ns2:MediaServiceAutoKeyPoints" minOccurs="0"/>
-                <xsd:element ref="ns2:MediaServiceKeyPoints" minOccurs="0"/>
-                <xsd:element ref="ns2:MediaServiceDateTaken" minOccurs="0"/>
-                <xsd:element ref="ns2:Status" minOccurs="0"/>
-              </xsd:all>
-            </xsd:complexType>
-          </xsd:element>
-        </xsd:sequence>
-      </xsd:complexType>
-    </xsd:element>
-  </xsd:schema>
-  <xsd:schema xmlns:xsd="http://www.w3.org/2001/XMLSchema" xmlns:xs="http://www.w3.org/2001/XMLSchema" xmlns:dms="http://schemas.microsoft.com/office/2006/documentManagement/types" xmlns:pc="http://schemas.microsoft.com/office/infopath/2007/PartnerControls" targetNamespace="71af3243-3dd4-4a8d-8c0d-dd76da1f02a5" elementFormDefault="qualified">
-    <xsd:import namespace="http://schemas.microsoft.com/office/2006/documentManagement/types"/>
-    <xsd:import namespace="http://schemas.microsoft.com/office/infopath/2007/PartnerControls"/>
-    <xsd:element name="MediaServiceMetadata" ma:index="8" nillable="true" ma:displayName="MediaServiceMetadata" ma:hidden="true" ma:internalName="MediaServiceMetadata" ma:readOnly="true">
-      <xsd:simpleType>
-        <xsd:restriction base="dms:Note"/>
-      </xsd:simpleType>
-    </xsd:element>
-    <xsd:element name="MediaServiceFastMetadata" ma:index="9" nillable="true" ma:displayName="MediaServiceFastMetadata" ma:hidden="true" ma:internalName="MediaServiceFastMetadata" ma:readOnly="true">
-      <xsd:simpleType>
-        <xsd:restriction base="dms:Note"/>
-      </xsd:simpleType>
-    </xsd:element>
-    <xsd:element name="MediaServiceOCR" ma:index="10" nillable="true" ma:displayName="MediaServiceOCR" ma:internalName="MediaServiceOCR" ma:readOnly="true">
-      <xsd:simpleType>
-        <xsd:restriction base="dms:Note">
-          <xsd:maxLength value="255"/>
-        </xsd:restriction>
-      </xsd:simpleType>
-    </xsd:element>
-    <xsd:element name="MediaServiceAutoTags" ma:index="11" nillable="true" ma:displayName="MediaServiceAutoTags" ma:internalName="MediaServiceAutoTags" ma:readOnly="true">
-      <xsd:simpleType>
-        <xsd:restriction base="dms:Text"/>
-      </xsd:simpleType>
-    </xsd:element>
-    <xsd:element name="MediaServiceEventHashCode" ma:index="12" nillable="true" ma:displayName="MediaServiceEventHashCode" ma:hidden="true" ma:internalName="MediaServiceEventHashCode" ma:readOnly="true">
-      <xsd:simpleType>
-        <xsd:restriction base="dms:Text"/>
-      </xsd:simpleType>
-    </xsd:element>
-    <xsd:element name="MediaServiceGenerationTime" ma:index="13" nillable="true" ma:displayName="MediaServiceGenerationTime" ma:hidden="true" ma:internalName="MediaServiceGenerationTime" ma:readOnly="true">
-      <xsd:simpleType>
-        <xsd:restriction base="dms:Text"/>
-      </xsd:simpleType>
-    </xsd:element>
-    <xsd:element name="MediaServiceAutoKeyPoints" ma:index="16" nillable="true" ma:displayName="MediaServiceAutoKeyPoints" ma:hidden="true" ma:internalName="MediaServiceAutoKeyPoints" ma:readOnly="true">
-      <xsd:simpleType>
-        <xsd:restriction base="dms:Note"/>
-      </xsd:simpleType>
-    </xsd:element>
-    <xsd:element name="MediaServiceKeyPoints" ma:index="17" nillable="true" ma:displayName="KeyPoints" ma:internalName="MediaServiceKeyPoints" ma:readOnly="false">
-      <xsd:simpleType>
-        <xsd:restriction base="dms:Note">
-          <xsd:maxLength value="255"/>
-        </xsd:restriction>
-      </xsd:simpleType>
-    </xsd:element>
-    <xsd:element name="MediaServiceDateTaken" ma:index="18" nillable="true" ma:displayName="MediaServiceDateTaken" ma:hidden="true" ma:internalName="MediaServiceDateTaken" ma:readOnly="true">
-      <xsd:simpleType>
-        <xsd:restriction base="dms:Text"/>
-      </xsd:simpleType>
-    </xsd:element>
-    <xsd:element name="Status" ma:index="19" nillable="true" ma:displayName="Status" ma:default="Not started" ma:format="Dropdown" ma:internalName="Status">
-      <xsd:simpleType>
-        <xsd:restriction base="dms:Choice">
-          <xsd:enumeration value="Not started"/>
-          <xsd:enumeration value="In Progress"/>
-          <xsd:enumeration value="Completed"/>
-        </xsd:restriction>
-      </xsd:simpleType>
-    </xsd:element>
-  </xsd:schema>
-  <xsd:schema xmlns:xsd="http://www.w3.org/2001/XMLSchema" xmlns:xs="http://www.w3.org/2001/XMLSchema" xmlns:dms="http://schemas.microsoft.com/office/2006/documentManagement/types" xmlns:pc="http://schemas.microsoft.com/office/infopath/2007/PartnerControls" targetNamespace="16c05727-aa75-4e4a-9b5f-8a80a1165891" elementFormDefault="qualified">
-    <xsd:import namespace="http://schemas.microsoft.com/office/2006/documentManagement/types"/>
-    <xsd:import namespace="http://schemas.microsoft.com/office/infopath/2007/PartnerControls"/>
-    <xsd:element name="SharedWithUsers" ma:index="14" nillable="true" ma:displayName="Shared With" ma:internalName="SharedWithUsers" ma:readOnly="true">
-      <xsd:complexType>
-        <xsd:complexContent>
-          <xsd:extension base="dms:UserMulti">
-            <xsd:sequence>
-              <xsd:element name="UserInfo" minOccurs="0" maxOccurs="unbounded">
-                <xsd:complexType>
-                  <xsd:sequence>
-                    <xsd:element name="DisplayName" type="xsd:string" minOccurs="0"/>
-                    <xsd:element name="AccountId" type="dms:UserId" minOccurs="0" nillable="true"/>
-                    <xsd:element name="AccountType" type="xsd:string" minOccurs="0"/>
-                  </xsd:sequence>
-                </xsd:complexType>
-              </xsd:element>
-            </xsd:sequence>
-          </xsd:extension>
-        </xsd:complexContent>
-      </xsd:complexType>
-    </xsd:element>
-    <xsd:element name="SharedWithDetails" ma:index="15" nillable="true" ma:displayName="Shared With Details" ma:internalName="SharedWithDetails" ma:readOnly="true">
-      <xsd:simpleType>
-        <xsd:restriction base="dms:Note">
-          <xsd:maxLength value="255"/>
-        </xsd:restriction>
-      </xsd:simpleType>
-    </xsd:element>
-  </xsd:schema>
-  <xsd:schema xmlns="http://schemas.openxmlformats.org/package/2006/metadata/core-properties" xmlns:xsd="http://www.w3.org/2001/XMLSchema" xmlns:xsi="http://www.w3.org/2001/XMLSchema-instance" xmlns:dc="http://purl.org/dc/elements/1.1/" xmlns:dcterms="http://purl.org/dc/terms/" xmlns:odoc="http://schemas.microsoft.com/internal/obd" targetNamespace="http://schemas.openxmlformats.org/package/2006/metadata/core-properties" elementFormDefault="qualified" attributeFormDefault="unqualified" blockDefault="#all">
-    <xsd:import namespace="http://purl.org/dc/elements/1.1/" schemaLocation="http://dublincore.org/schemas/xmls/qdc/2003/04/02/dc.xsd"/>
-    <xsd:import namespace="http://purl.org/dc/terms/" schemaLocation="http://dublincore.org/schemas/xmls/qdc/2003/04/02/dcterms.xsd"/>
-    <xsd:element name="coreProperties" type="CT_coreProperties"/>
-    <xsd:complexType name="CT_coreProperties">
-      <xsd:all>
-        <xsd:element ref="dc:creator" minOccurs="0" maxOccurs="1"/>
-        <xsd:element ref="dcterms:created" minOccurs="0" maxOccurs="1"/>
-        <xsd:element ref="dc:identifier" minOccurs="0" maxOccurs="1"/>
-        <xsd:element name="contentType" minOccurs="0" maxOccurs="1" type="xsd:string" ma:index="0" ma:displayName="Content Type"/>
-        <xsd:element ref="dc:title" minOccurs="0" maxOccurs="1" ma:index="4" ma:displayName="Title"/>
-        <xsd:element ref="dc:subject" minOccurs="0" maxOccurs="1"/>
-        <xsd:element ref="dc:description" minOccurs="0" maxOccurs="1"/>
-        <xsd:element name="keywords" minOccurs="0" maxOccurs="1" type="xsd:string"/>
-        <xsd:element ref="dc:language" minOccurs="0" maxOccurs="1"/>
-        <xsd:element name="category" minOccurs="0" maxOccurs="1" type="xsd:string"/>
-        <xsd:element name="version" minOccurs="0" maxOccurs="1" type="xsd:string"/>
-        <xsd:element name="revision" minOccurs="0" maxOccurs="1" type="xsd:string">
-          <xsd:annotation>
-            <xsd:documentation>
-                        This value indicates the number of saves or revisions. The application is responsible for updating this value after each revision.
-                    </xsd:documentation>
-          </xsd:annotation>
-        </xsd:element>
-        <xsd:element name="lastModifiedBy" minOccurs="0" maxOccurs="1" type="xsd:string"/>
-        <xsd:element ref="dcterms:modified" minOccurs="0" maxOccurs="1"/>
-        <xsd:element name="contentStatus" minOccurs="0" maxOccurs="1" type="xsd:string"/>
-      </xsd:all>
-    </xsd:complexType>
-  </xsd:schema>
-  <xs:schema xmlns:pc="http://schemas.microsoft.com/office/infopath/2007/PartnerControls" xmlns:xs="http://www.w3.org/2001/XMLSchema" targetNamespace="http://schemas.microsoft.com/office/infopath/2007/PartnerControls" elementFormDefault="qualified" attributeFormDefault="unqualified">
-    <xs:element name="Person">
-      <xs:complexType>
-        <xs:sequence>
-          <xs:element ref="pc:DisplayName" minOccurs="0"/>
-          <xs:element ref="pc:AccountId" minOccurs="0"/>
-          <xs:element ref="pc:AccountType" minOccurs="0"/>
-        </xs:sequence>
-      </xs:complexType>
-    </xs:element>
-    <xs:element name="DisplayName" type="xs:string"/>
-    <xs:element name="AccountId" type="xs:string"/>
-    <xs:element name="AccountType" type="xs:string"/>
-    <xs:element name="BDCAssociatedEntity">
-      <xs:complexType>
-        <xs:sequence>
-          <xs:element ref="pc:BDCEntity" minOccurs="0" maxOccurs="unbounded"/>
-        </xs:sequence>
-        <xs:attribute ref="pc:EntityNamespace"/>
-        <xs:attribute ref="pc:EntityName"/>
-        <xs:attribute ref="pc:SystemInstanceName"/>
-        <xs:attribute ref="pc:AssociationName"/>
-      </xs:complexType>
-    </xs:element>
-    <xs:attribute name="EntityNamespace" type="xs:string"/>
-    <xs:attribute name="EntityName" type="xs:string"/>
-    <xs:attribute name="SystemInstanceName" type="xs:string"/>
-    <xs:attribute name="AssociationName" type="xs:string"/>
-    <xs:element name="BDCEntity">
-      <xs:complexType>
-        <xs:sequence>
-          <xs:element ref="pc:EntityDisplayName" minOccurs="0"/>
-          <xs:element ref="pc:EntityInstanceReference" minOccurs="0"/>
-          <xs:element ref="pc:EntityId1" minOccurs="0"/>
-          <xs:element ref="pc:EntityId2" minOccurs="0"/>
-          <xs:element ref="pc:EntityId3" minOccurs="0"/>
-          <xs:element ref="pc:EntityId4" minOccurs="0"/>
-          <xs:element ref="pc:EntityId5" minOccurs="0"/>
-        </xs:sequence>
-      </xs:complexType>
-    </xs:element>
-    <xs:element name="EntityDisplayName" type="xs:string"/>
-    <xs:element name="EntityInstanceReference" type="xs:string"/>
-    <xs:element name="EntityId1" type="xs:string"/>
-    <xs:element name="EntityId2" type="xs:string"/>
-    <xs:element name="EntityId3" type="xs:string"/>
-    <xs:element name="EntityId4" type="xs:string"/>
-    <xs:element name="EntityId5" type="xs:string"/>
-    <xs:element name="Terms">
-      <xs:complexType>
-        <xs:sequence>
-          <xs:element ref="pc:TermInfo" minOccurs="0" maxOccurs="unbounded"/>
-        </xs:sequence>
-      </xs:complexType>
-    </xs:element>
-    <xs:element name="TermInfo">
-      <xs:complexType>
-        <xs:sequence>
-          <xs:element ref="pc:TermName" minOccurs="0"/>
-          <xs:element ref="pc:TermId" minOccurs="0"/>
-        </xs:sequence>
-      </xs:complexType>
-    </xs:element>
-    <xs:element name="TermName" type="xs:string"/>
-    <xs:element name="TermId" type="xs:string"/>
-  </xs:schema>
-</ct:contentTypeSchema>
-</file>
-
-<file path=customXml/item3.xml><?xml version="1.0" encoding="utf-8"?>
-<?mso-contentType ?>
-<FormTemplates xmlns="http://schemas.microsoft.com/sharepoint/v3/contenttype/forms">
-  <Display>DocumentLibraryForm</Display>
-  <Edit>DocumentLibraryForm</Edit>
-  <New>DocumentLibraryForm</New>
-</FormTemplates>
-</file>
-
-<file path=customXml/itemProps1.xml><?xml version="1.0" encoding="utf-8"?>
-<ds:datastoreItem xmlns:ds="http://schemas.openxmlformats.org/officeDocument/2006/customXml" ds:itemID="{38F4328E-77DF-41E8-952F-124AE19F1F7C}">
-  <ds:schemaRefs>
-    <ds:schemaRef ds:uri="http://schemas.microsoft.com/office/2006/metadata/properties"/>
-    <ds:schemaRef ds:uri="http://schemas.microsoft.com/office/infopath/2007/PartnerControls"/>
-    <ds:schemaRef ds:uri="71af3243-3dd4-4a8d-8c0d-dd76da1f02a5"/>
-  </ds:schemaRefs>
-</ds:datastoreItem>
-</file>
-
-<file path=customXml/itemProps2.xml><?xml version="1.0" encoding="utf-8"?>
-<ds:datastoreItem xmlns:ds="http://schemas.openxmlformats.org/officeDocument/2006/customXml" ds:itemID="{1F2FE978-FCBC-4C90-A410-B547AA706062}">
-  <ds:schemaRefs>
-    <ds:schemaRef ds:uri="http://schemas.microsoft.com/office/2006/metadata/contentType"/>
-    <ds:schemaRef ds:uri="http://schemas.microsoft.com/office/2006/metadata/properties/metaAttributes"/>
-    <ds:schemaRef ds:uri="http://www.w3.org/2001/XMLSchema"/>
-    <ds:schemaRef ds:uri="http://schemas.microsoft.com/office/2006/metadata/properties"/>
-    <ds:schemaRef ds:uri="71af3243-3dd4-4a8d-8c0d-dd76da1f02a5"/>
-    <ds:schemaRef ds:uri="16c05727-aa75-4e4a-9b5f-8a80a1165891"/>
-    <ds:schemaRef ds:uri="http://schemas.microsoft.com/office/2006/documentManagement/types"/>
-    <ds:schemaRef ds:uri="http://schemas.microsoft.com/office/infopath/2007/PartnerControls"/>
-    <ds:schemaRef ds:uri="http://schemas.openxmlformats.org/package/2006/metadata/core-properties"/>
-    <ds:schemaRef ds:uri="http://purl.org/dc/elements/1.1/"/>
-    <ds:schemaRef ds:uri="http://purl.org/dc/terms/"/>
-    <ds:schemaRef ds:uri="http://schemas.microsoft.com/internal/obd"/>
-  </ds:schemaRefs>
-</ds:datastoreItem>
-</file>
-
-<file path=customXml/itemProps3.xml><?xml version="1.0" encoding="utf-8"?>
-<ds:datastoreItem xmlns:ds="http://schemas.openxmlformats.org/officeDocument/2006/customXml" ds:itemID="{6A7FA506-1E93-4CA4-B270-1F08FD18C366}">
-  <ds:schemaRefs>
-    <ds:schemaRef ds:uri="http://schemas.microsoft.com/sharepoint/v3/contenttype/forms"/>
-  </ds:schemaRefs>
-</ds:datastoreItem>
 </file>
--- a/服务外包/Linux使用基础.pptx
+++ b/服务外包/Linux使用基础.pptx
@@ -8,7 +8,7 @@
     <p:notesMasterId r:id="rId4"/>
   </p:notesMasterIdLst>
   <p:handoutMasterIdLst>
-    <p:handoutMasterId r:id="rId22"/>
+    <p:handoutMasterId r:id="rId26"/>
   </p:handoutMasterIdLst>
   <p:sldIdLst>
     <p:sldId id="348" r:id="rId3"/>
@@ -28,7 +28,11 @@
     <p:sldId id="361" r:id="rId18"/>
     <p:sldId id="360" r:id="rId19"/>
     <p:sldId id="359" r:id="rId20"/>
-    <p:sldId id="364" r:id="rId21"/>
+    <p:sldId id="382" r:id="rId21"/>
+    <p:sldId id="381" r:id="rId22"/>
+    <p:sldId id="380" r:id="rId23"/>
+    <p:sldId id="364" r:id="rId24"/>
+    <p:sldId id="378" r:id="rId25"/>
   </p:sldIdLst>
   <p:sldSz cx="12192000" cy="6858000"/>
   <p:notesSz cx="6858000" cy="9144000"/>
@@ -839,6 +843,71 @@
               <a:latin typeface="Microsoft YaHei UI" panose="020B0503020204020204" pitchFamily="34" charset="-122"/>
               <a:ea typeface="Microsoft YaHei UI" panose="020B0503020204020204" pitchFamily="34" charset="-122"/>
             </a:endParaRPr>
+          </a:p>
+        </p:txBody>
+      </p:sp>
+    </p:spTree>
+  </p:cSld>
+  <p:clrMapOvr>
+    <a:masterClrMapping/>
+  </p:clrMapOvr>
+</p:notes>
+</file>
+
+<file path=ppt/notesSlides/notesSlide3.xml><?xml version="1.0" encoding="utf-8"?>
+<p:notes xmlns:a="http://schemas.openxmlformats.org/drawingml/2006/main" xmlns:r="http://schemas.openxmlformats.org/officeDocument/2006/relationships" xmlns:p="http://schemas.openxmlformats.org/presentationml/2006/main">
+  <p:cSld>
+    <p:spTree>
+      <p:nvGrpSpPr>
+        <p:cNvPr id="1" name=""/>
+        <p:cNvGrpSpPr/>
+        <p:nvPr/>
+      </p:nvGrpSpPr>
+      <p:grpSpPr/>
+      <p:sp>
+        <p:nvSpPr>
+          <p:cNvPr id="2" name="Slide Image Placeholder 1"/>
+          <p:cNvSpPr/>
+          <p:nvPr>
+            <p:ph type="sldImg" idx="2"/>
+          </p:nvPr>
+        </p:nvSpPr>
+        <p:spPr/>
+      </p:sp>
+      <p:sp>
+        <p:nvSpPr>
+          <p:cNvPr id="3" name="Text Placeholder 2"/>
+          <p:cNvSpPr/>
+          <p:nvPr>
+            <p:ph type="body" idx="3"/>
+          </p:nvPr>
+        </p:nvSpPr>
+        <p:spPr/>
+        <p:txBody>
+          <a:bodyPr/>
+          <a:p>
+            <a:endParaRPr lang="en-US"/>
+          </a:p>
+        </p:txBody>
+      </p:sp>
+      <p:sp>
+        <p:nvSpPr>
+          <p:cNvPr id="4" name="Slide Number Placeholder 3"/>
+          <p:cNvSpPr>
+            <a:spLocks noGrp="true"/>
+          </p:cNvSpPr>
+          <p:nvPr>
+            <p:ph type="sldNum" sz="quarter" idx="5"/>
+          </p:nvPr>
+        </p:nvSpPr>
+        <p:spPr/>
+        <p:txBody>
+          <a:bodyPr/>
+          <a:p>
+            <a:fld id="{34DD8812-632B-44E3-B183-D20ADC793C3A}" type="slidenum">
+              <a:rPr lang="en-US" altLang="zh-CN" noProof="0" smtClean="0"/>
+            </a:fld>
+            <a:endParaRPr lang="zh-CN" altLang="en-US" noProof="0" dirty="0"/>
           </a:p>
         </p:txBody>
       </p:sp>
@@ -7781,27 +7850,13 @@
           <a:p>
             <a:pPr rtl="0"/>
             <a:r>
-              <a:rPr lang="zh-CN" altLang="en-US" dirty="0">
-                <a:latin typeface="Microsoft YaHei UI" panose="020B0503020204020204" pitchFamily="34" charset="-122"/>
-                <a:ea typeface="Microsoft YaHei UI" panose="020B0503020204020204" pitchFamily="34" charset="-122"/>
-              </a:rPr>
-              <a:t>实际上是</a:t>
-            </a:r>
-            <a:r>
               <a:rPr lang="en-US" altLang="zh-CN" dirty="0">
                 <a:latin typeface="Microsoft YaHei UI" panose="020B0503020204020204" pitchFamily="34" charset="-122"/>
                 <a:ea typeface="Microsoft YaHei UI" panose="020B0503020204020204" pitchFamily="34" charset="-122"/>
               </a:rPr>
-              <a:t>vim</a:t>
-            </a:r>
-            <a:r>
-              <a:rPr lang="zh-CN" altLang="en-US" dirty="0">
-                <a:latin typeface="Microsoft YaHei UI" panose="020B0503020204020204" pitchFamily="34" charset="-122"/>
-                <a:ea typeface="Microsoft YaHei UI" panose="020B0503020204020204" pitchFamily="34" charset="-122"/>
-              </a:rPr>
-              <a:t>传教</a:t>
-            </a:r>
-            <a:endParaRPr lang="zh-CN" altLang="en-US" dirty="0">
+              <a:t>dddd</a:t>
+            </a:r>
+            <a:endParaRPr lang="en-US" altLang="zh-CN" dirty="0">
               <a:latin typeface="Microsoft YaHei UI" panose="020B0503020204020204" pitchFamily="34" charset="-122"/>
               <a:ea typeface="Microsoft YaHei UI" panose="020B0503020204020204" pitchFamily="34" charset="-122"/>
             </a:endParaRPr>
@@ -8348,7 +8403,7 @@
             </a:r>
             <a:r>
               <a:rPr lang="zh-CN" altLang="en-US" dirty="0"/>
-              <a:t>因为是控制台软件，所以可以在所有终端内都可以运行</a:t>
+              <a:t>因为是控制台软件,所以可以在所有终端内都可以运行</a:t>
             </a:r>
             <a:endParaRPr lang="zh-CN" altLang="en-US" dirty="0"/>
           </a:p>
@@ -8375,7 +8430,7 @@
             </a:r>
             <a:r>
               <a:rPr lang="zh-CN" altLang="en-US" dirty="0"/>
-              <a:t>支持，并且要安装</a:t>
+              <a:t>支持,并且要安装</a:t>
             </a:r>
             <a:r>
               <a:rPr lang="en-US" altLang="zh-CN" dirty="0"/>
@@ -8383,7 +8438,7 @@
             </a:r>
             <a:r>
               <a:rPr lang="zh-CN" altLang="en-US" dirty="0"/>
-              <a:t>等在终端渲染图片的软件，不能通过</a:t>
+              <a:t>等在终端渲染图片的软件,不能通过</a:t>
             </a:r>
             <a:r>
               <a:rPr lang="en-US" altLang="zh-CN" dirty="0"/>
@@ -8668,20 +8723,25 @@
             <p:ph idx="1"/>
           </p:nvPr>
         </p:nvSpPr>
-        <p:spPr/>
+        <p:spPr>
+          <a:xfrm>
+            <a:off x="1097280" y="1432561"/>
+            <a:ext cx="10058400" cy="3760891"/>
+          </a:xfrm>
+        </p:spPr>
         <p:txBody>
           <a:bodyPr/>
           <a:lstStyle/>
           <a:p>
             <a:r>
-              <a:rPr lang="" altLang="zh-CN"/>
-              <a:t>-	Linux 管道使用竖线|连接多个命令，这被称为管道符。</a:t>
-            </a:r>
-            <a:endParaRPr lang="" altLang="zh-CN"/>
-          </a:p>
-          <a:p>
-            <a:r>
-              <a:rPr lang="" altLang="zh-CN"/>
+              <a:rPr lang="en-US" altLang="zh-CN"/>
+              <a:t>-	Linux 管道使用竖线|连接多个命令,这被称为管道符。</a:t>
+            </a:r>
+            <a:endParaRPr lang="en-US" altLang="zh-CN"/>
+          </a:p>
+          <a:p>
+            <a:r>
+              <a:rPr lang="en-US" altLang="zh-CN"/>
               <a:t>-	command1 | command2 </a:t>
             </a:r>
             <a:r>
@@ -8691,12 +8751,12 @@
               <a:t>[| commandN... </a:t>
             </a:r>
             <a:r>
-              <a:rPr lang="" altLang="en-US">
+              <a:rPr lang="en-US" altLang="en-US">
                 <a:sym typeface="+mn-ea"/>
               </a:rPr>
               <a:t>]</a:t>
             </a:r>
-            <a:endParaRPr lang="" altLang="en-US">
+            <a:endParaRPr lang="en-US" altLang="en-US">
               <a:sym typeface="+mn-ea"/>
             </a:endParaRPr>
           </a:p>
@@ -8722,7 +8782,7 @@
               <a:t>管道</a:t>
             </a:r>
             <a:r>
-              <a:rPr lang="" altLang="zh-CN"/>
+              <a:rPr lang="en-US" altLang="zh-CN"/>
               <a:t>(</a:t>
             </a:r>
             <a:r>
@@ -8730,10 +8790,10 @@
               <a:t>pipe</a:t>
             </a:r>
             <a:r>
-              <a:rPr lang="" altLang="zh-CN"/>
+              <a:rPr lang="en-US" altLang="zh-CN"/>
               <a:t>)</a:t>
             </a:r>
-            <a:endParaRPr lang="" altLang="zh-CN"/>
+            <a:endParaRPr lang="en-US" altLang="zh-CN"/>
           </a:p>
         </p:txBody>
       </p:sp>
@@ -8753,8 +8813,32 @@
         </p:blipFill>
         <p:spPr>
           <a:xfrm>
-            <a:off x="1986280" y="3541395"/>
+            <a:off x="1986280" y="2865755"/>
             <a:ext cx="7058660" cy="1613535"/>
+          </a:xfrm>
+          <a:prstGeom prst="rect">
+            <a:avLst/>
+          </a:prstGeom>
+        </p:spPr>
+      </p:pic>
+      <p:pic>
+        <p:nvPicPr>
+          <p:cNvPr id="5" name="Picture 4"/>
+          <p:cNvPicPr>
+            <a:picLocks noChangeAspect="true"/>
+          </p:cNvPicPr>
+          <p:nvPr/>
+        </p:nvPicPr>
+        <p:blipFill>
+          <a:blip r:embed="rId2"/>
+          <a:stretch>
+            <a:fillRect/>
+          </a:stretch>
+        </p:blipFill>
+        <p:spPr>
+          <a:xfrm>
+            <a:off x="1419860" y="4673600"/>
+            <a:ext cx="8554085" cy="1616710"/>
           </a:xfrm>
           <a:prstGeom prst="rect">
             <a:avLst/>
@@ -8825,10 +8909,10 @@
           <a:lstStyle/>
           <a:p>
             <a:r>
-              <a:rPr lang="" dirty="0"/>
+              <a:rPr lang="en-US" dirty="0"/>
               <a:t>how do i exit the vim editor?</a:t>
             </a:r>
-            <a:endParaRPr lang="" dirty="0"/>
+            <a:endParaRPr lang="en-US" dirty="0"/>
           </a:p>
         </p:txBody>
       </p:sp>
@@ -8898,55 +8982,132 @@
         <p:cNvGrpSpPr/>
         <p:nvPr/>
       </p:nvGrpSpPr>
-      <p:grpSpPr>
-        <a:xfrm>
-          <a:off x="0" y="0"/>
-          <a:ext cx="0" cy="0"/>
-          <a:chOff x="0" y="0"/>
-          <a:chExt cx="0" cy="0"/>
-        </a:xfrm>
-      </p:grpSpPr>
+      <p:grpSpPr/>
+      <p:sp>
+        <p:nvSpPr>
+          <p:cNvPr id="3" name="Title 2"/>
+          <p:cNvSpPr>
+            <a:spLocks noGrp="true"/>
+          </p:cNvSpPr>
+          <p:nvPr>
+            <p:ph type="title"/>
+          </p:nvPr>
+        </p:nvSpPr>
+        <p:spPr/>
+        <p:txBody>
+          <a:bodyPr/>
+          <a:p>
+            <a:r>
+              <a:rPr lang="en-US"/>
+              <a:t>vim</a:t>
+            </a:r>
+            <a:endParaRPr lang="en-US"/>
+          </a:p>
+        </p:txBody>
+      </p:sp>
       <p:pic>
         <p:nvPicPr>
-          <p:cNvPr id="1026" name="Picture 2"/>
+          <p:cNvPr id="4" name="Content Placeholder 3"/>
           <p:cNvPicPr>
-            <a:picLocks noChangeAspect="true" noChangeArrowheads="true"/>
+            <a:picLocks noChangeAspect="true"/>
           </p:cNvPicPr>
-          <p:nvPr/>
+          <p:nvPr>
+            <p:ph idx="1"/>
+          </p:nvPr>
         </p:nvPicPr>
         <p:blipFill>
-          <a:blip r:embed="rId1">
-            <a:extLst>
-              <a:ext uri="{28A0092B-C50C-407E-A947-70E740481C1C}">
-                <a14:useLocalDpi xmlns:a14="http://schemas.microsoft.com/office/drawing/2010/main" val="false"/>
-              </a:ext>
-            </a:extLst>
-          </a:blip>
-          <a:srcRect/>
+          <a:blip r:embed="rId1"/>
           <a:stretch>
             <a:fillRect/>
           </a:stretch>
         </p:blipFill>
-        <p:spPr bwMode="auto">
+        <p:spPr>
           <a:xfrm>
-            <a:off x="1104900" y="261620"/>
-            <a:ext cx="9063355" cy="6408420"/>
+            <a:off x="1256030" y="1442720"/>
+            <a:ext cx="9199245" cy="5135245"/>
           </a:xfrm>
           <a:prstGeom prst="rect">
             <a:avLst/>
           </a:prstGeom>
-          <a:noFill/>
-          <a:extLst>
-            <a:ext uri="{909E8E84-426E-40DD-AFC4-6F175D3DCCD1}">
-              <a14:hiddenFill xmlns:a14="http://schemas.microsoft.com/office/drawing/2010/main">
-                <a:solidFill>
-                  <a:srgbClr val="FFFFFF"/>
-                </a:solidFill>
-              </a14:hiddenFill>
-            </a:ext>
-          </a:extLst>
         </p:spPr>
       </p:pic>
+    </p:spTree>
+  </p:cSld>
+  <p:clrMapOvr>
+    <a:masterClrMapping/>
+  </p:clrMapOvr>
+</p:sld>
+</file>
+
+<file path=ppt/slides/slide19.xml><?xml version="1.0" encoding="utf-8"?>
+<p:sld xmlns:a="http://schemas.openxmlformats.org/drawingml/2006/main" xmlns:r="http://schemas.openxmlformats.org/officeDocument/2006/relationships" xmlns:p="http://schemas.openxmlformats.org/presentationml/2006/main">
+  <p:cSld>
+    <p:spTree>
+      <p:nvGrpSpPr>
+        <p:cNvPr id="1" name=""/>
+        <p:cNvGrpSpPr/>
+        <p:nvPr/>
+      </p:nvGrpSpPr>
+      <p:grpSpPr/>
+      <p:sp>
+        <p:nvSpPr>
+          <p:cNvPr id="2" name="Content Placeholder 1"/>
+          <p:cNvSpPr>
+            <a:spLocks noGrp="true"/>
+          </p:cNvSpPr>
+          <p:nvPr>
+            <p:ph idx="1"/>
+          </p:nvPr>
+        </p:nvSpPr>
+        <p:spPr/>
+        <p:txBody>
+          <a:bodyPr>
+            <a:normAutofit lnSpcReduction="20000"/>
+          </a:bodyPr>
+          <a:p>
+            <a:pPr marL="0" indent="0">
+              <a:buNone/>
+            </a:pPr>
+            <a:r>
+              <a:rPr lang="en-US"/>
+              <a:t>    从vi派生出来的Vim具有多种模式，这种独特的设计容易使初学者产生混淆。几乎所有的编辑器都会有插入和执行命令两种模式，并且大多数的编辑器使用了与Vim截然不同的方式：命令目录（鼠标或者键盘驱动），组合键（通常通过control键（CTRL）和alt键（ALT）组成）或者鼠标输入。Vim和vi一样，仅仅通过键盘来在这些模式之中切换。这就使得Vim可以不用进行菜单或者鼠标操作，并且最小化组合键的操作。对文字录入员或者程序员可以大大增强速度和效率。</a:t>
+            </a:r>
+            <a:endParaRPr lang="en-US"/>
+          </a:p>
+          <a:p>
+            <a:endParaRPr lang="en-US"/>
+          </a:p>
+          <a:p>
+            <a:r>
+              <a:rPr lang="en-US"/>
+              <a:t>Vim具有6种基本模式和5种派生模式。</a:t>
+            </a:r>
+            <a:endParaRPr lang="en-US"/>
+          </a:p>
+        </p:txBody>
+      </p:sp>
+      <p:sp>
+        <p:nvSpPr>
+          <p:cNvPr id="3" name="Title 2"/>
+          <p:cNvSpPr>
+            <a:spLocks noGrp="true"/>
+          </p:cNvSpPr>
+          <p:nvPr>
+            <p:ph type="title"/>
+          </p:nvPr>
+        </p:nvSpPr>
+        <p:spPr/>
+        <p:txBody>
+          <a:bodyPr/>
+          <a:p>
+            <a:r>
+              <a:rPr lang="zh-CN" altLang=""/>
+              <a:t>模式</a:t>
+            </a:r>
+            <a:endParaRPr lang="zh-CN" altLang=""/>
+          </a:p>
+        </p:txBody>
+      </p:sp>
     </p:spTree>
   </p:cSld>
   <p:clrMapOvr>
@@ -9032,6 +9193,311 @@
 </p:sld>
 </file>
 
+<file path=ppt/slides/slide20.xml><?xml version="1.0" encoding="utf-8"?>
+<p:sld xmlns:a="http://schemas.openxmlformats.org/drawingml/2006/main" xmlns:r="http://schemas.openxmlformats.org/officeDocument/2006/relationships" xmlns:p="http://schemas.openxmlformats.org/presentationml/2006/main">
+  <p:cSld>
+    <p:spTree>
+      <p:nvGrpSpPr>
+        <p:cNvPr id="1" name=""/>
+        <p:cNvGrpSpPr/>
+        <p:nvPr/>
+      </p:nvGrpSpPr>
+      <p:grpSpPr/>
+      <p:sp>
+        <p:nvSpPr>
+          <p:cNvPr id="2" name="Content Placeholder 1"/>
+          <p:cNvSpPr>
+            <a:spLocks noGrp="true"/>
+          </p:cNvSpPr>
+          <p:nvPr>
+            <p:ph idx="1"/>
+          </p:nvPr>
+        </p:nvSpPr>
+        <p:spPr>
+          <a:xfrm>
+            <a:off x="1097280" y="1569085"/>
+            <a:ext cx="10058400" cy="4257040"/>
+          </a:xfrm>
+        </p:spPr>
+        <p:txBody>
+          <a:bodyPr>
+            <a:normAutofit lnSpcReduction="10000"/>
+          </a:bodyPr>
+          <a:p>
+            <a:pPr lvl="1"/>
+            <a:r>
+              <a:rPr lang="" altLang="en-US"/>
+              <a:t>普通模式</a:t>
+            </a:r>
+            <a:endParaRPr lang="" altLang="en-US"/>
+          </a:p>
+          <a:p>
+            <a:pPr lvl="2"/>
+            <a:r>
+              <a:rPr lang="en-US" altLang="en-US">
+                <a:sym typeface="+mn-ea"/>
+              </a:rPr>
+              <a:t>在普通模式中，用的编辑器命令，比如移动光标，删除文本等等。</a:t>
+            </a:r>
+            <a:endParaRPr lang="" altLang="en-US"/>
+          </a:p>
+          <a:p>
+            <a:pPr lvl="1"/>
+            <a:r>
+              <a:rPr lang="" altLang="en-US"/>
+              <a:t>插入模式</a:t>
+            </a:r>
+            <a:endParaRPr lang="" altLang="en-US"/>
+          </a:p>
+          <a:p>
+            <a:pPr lvl="2"/>
+            <a:r>
+              <a:rPr lang="" altLang="en-US"/>
+              <a:t>在这个模式中，大多数按键都会向文本缓冲区中插入文本。</a:t>
+            </a:r>
+            <a:endParaRPr lang="" altLang="en-US"/>
+          </a:p>
+          <a:p>
+            <a:pPr lvl="1"/>
+            <a:r>
+              <a:rPr lang="" altLang="en-US"/>
+              <a:t>可视模式</a:t>
+            </a:r>
+            <a:endParaRPr lang="" altLang="en-US"/>
+          </a:p>
+          <a:p>
+            <a:pPr lvl="2"/>
+            <a:r>
+              <a:rPr lang="" altLang="en-US"/>
+              <a:t>这个模式与普通模式比较相似。但是移动命令会扩大高亮的文本区域。</a:t>
+            </a:r>
+            <a:endParaRPr lang="" altLang="en-US"/>
+          </a:p>
+          <a:p>
+            <a:pPr lvl="1"/>
+            <a:r>
+              <a:rPr lang="" altLang="en-US"/>
+              <a:t>选择模式</a:t>
+            </a:r>
+            <a:endParaRPr lang="" altLang="en-US"/>
+          </a:p>
+          <a:p>
+            <a:pPr lvl="2"/>
+            <a:r>
+              <a:rPr lang="" altLang="en-US"/>
+              <a:t>这个模式中，可以用鼠标或者光标键高亮选择文本，不过输入任何字符的话，Vim会用这个字符替换选择的高亮文本块，并且自动进入插入模式。</a:t>
+            </a:r>
+            <a:endParaRPr lang="" altLang="en-US"/>
+          </a:p>
+          <a:p>
+            <a:pPr lvl="1"/>
+            <a:r>
+              <a:rPr lang="" altLang="en-US"/>
+              <a:t>命令行模式</a:t>
+            </a:r>
+            <a:endParaRPr lang="" altLang="en-US"/>
+          </a:p>
+          <a:p>
+            <a:pPr lvl="2"/>
+            <a:r>
+              <a:rPr lang="" altLang="en-US"/>
+              <a:t>在命令行模式中可以输入会被解释成并执行的文本。例如执行命令（":"键），搜索（"/"和"?"键）或者过滤命令（"!"键）。在命令执行之后，Vim返回到命令行模式之前的模式，通常是普通模式。</a:t>
+            </a:r>
+            <a:endParaRPr lang="" altLang="en-US"/>
+          </a:p>
+          <a:p>
+            <a:pPr lvl="1"/>
+            <a:r>
+              <a:rPr lang="" altLang="en-US"/>
+              <a:t>Ex模式</a:t>
+            </a:r>
+            <a:endParaRPr lang="" altLang="en-US"/>
+          </a:p>
+          <a:p>
+            <a:pPr lvl="2"/>
+            <a:r>
+              <a:rPr lang="" altLang="en-US"/>
+              <a:t>这和命令行模式比较相似，在使用":visual"命令离开Ex模式前，可以一次执行多条命令。</a:t>
+            </a:r>
+            <a:endParaRPr lang="" altLang="en-US"/>
+          </a:p>
+          <a:p>
+            <a:pPr lvl="2"/>
+            <a:endParaRPr lang="" altLang="en-US"/>
+          </a:p>
+          <a:p>
+            <a:pPr lvl="2"/>
+            <a:endParaRPr lang="" altLang="en-US"/>
+          </a:p>
+          <a:p>
+            <a:pPr lvl="2"/>
+            <a:endParaRPr lang="" altLang="en-US"/>
+          </a:p>
+        </p:txBody>
+      </p:sp>
+      <p:sp>
+        <p:nvSpPr>
+          <p:cNvPr id="3" name="Title 2"/>
+          <p:cNvSpPr>
+            <a:spLocks noGrp="true"/>
+          </p:cNvSpPr>
+          <p:nvPr>
+            <p:ph type="title"/>
+          </p:nvPr>
+        </p:nvSpPr>
+        <p:spPr/>
+        <p:txBody>
+          <a:bodyPr/>
+          <a:p>
+            <a:r>
+              <a:rPr lang="en-US"/>
+              <a:t>模式</a:t>
+            </a:r>
+            <a:endParaRPr lang="en-US"/>
+          </a:p>
+        </p:txBody>
+      </p:sp>
+    </p:spTree>
+  </p:cSld>
+  <p:clrMapOvr>
+    <a:masterClrMapping/>
+  </p:clrMapOvr>
+</p:sld>
+</file>
+
+<file path=ppt/slides/slide21.xml><?xml version="1.0" encoding="utf-8"?>
+<p:sld xmlns:a="http://schemas.openxmlformats.org/drawingml/2006/main" xmlns:r="http://schemas.openxmlformats.org/officeDocument/2006/relationships" xmlns:p="http://schemas.openxmlformats.org/presentationml/2006/main">
+  <p:cSld>
+    <p:spTree>
+      <p:nvGrpSpPr>
+        <p:cNvPr id="1" name=""/>
+        <p:cNvGrpSpPr/>
+        <p:nvPr/>
+      </p:nvGrpSpPr>
+      <p:grpSpPr>
+        <a:xfrm>
+          <a:off x="0" y="0"/>
+          <a:ext cx="0" cy="0"/>
+          <a:chOff x="0" y="0"/>
+          <a:chExt cx="0" cy="0"/>
+        </a:xfrm>
+      </p:grpSpPr>
+      <p:pic>
+        <p:nvPicPr>
+          <p:cNvPr id="1026" name="Picture 2"/>
+          <p:cNvPicPr>
+            <a:picLocks noChangeAspect="true" noChangeArrowheads="true"/>
+          </p:cNvPicPr>
+          <p:nvPr/>
+        </p:nvPicPr>
+        <p:blipFill>
+          <a:blip r:embed="rId1">
+            <a:extLst>
+              <a:ext uri="{28A0092B-C50C-407E-A947-70E740481C1C}">
+                <a14:useLocalDpi xmlns:a14="http://schemas.microsoft.com/office/drawing/2010/main" val="false"/>
+              </a:ext>
+            </a:extLst>
+          </a:blip>
+          <a:srcRect/>
+          <a:stretch>
+            <a:fillRect/>
+          </a:stretch>
+        </p:blipFill>
+        <p:spPr bwMode="auto">
+          <a:xfrm>
+            <a:off x="1104900" y="261620"/>
+            <a:ext cx="9063355" cy="6408420"/>
+          </a:xfrm>
+          <a:prstGeom prst="rect">
+            <a:avLst/>
+          </a:prstGeom>
+          <a:noFill/>
+          <a:extLst>
+            <a:ext uri="{909E8E84-426E-40DD-AFC4-6F175D3DCCD1}">
+              <a14:hiddenFill xmlns:a14="http://schemas.microsoft.com/office/drawing/2010/main">
+                <a:solidFill>
+                  <a:srgbClr val="FFFFFF"/>
+                </a:solidFill>
+              </a14:hiddenFill>
+            </a:ext>
+          </a:extLst>
+        </p:spPr>
+      </p:pic>
+    </p:spTree>
+  </p:cSld>
+  <p:clrMapOvr>
+    <a:masterClrMapping/>
+  </p:clrMapOvr>
+</p:sld>
+</file>
+
+<file path=ppt/slides/slide22.xml><?xml version="1.0" encoding="utf-8"?>
+<p:sld xmlns:a="http://schemas.openxmlformats.org/drawingml/2006/main" xmlns:r="http://schemas.openxmlformats.org/officeDocument/2006/relationships" xmlns:p="http://schemas.openxmlformats.org/presentationml/2006/main">
+  <p:cSld>
+    <p:spTree>
+      <p:nvGrpSpPr>
+        <p:cNvPr id="1" name=""/>
+        <p:cNvGrpSpPr/>
+        <p:nvPr/>
+      </p:nvGrpSpPr>
+      <p:grpSpPr>
+        <a:xfrm>
+          <a:off x="0" y="0"/>
+          <a:ext cx="0" cy="0"/>
+          <a:chOff x="0" y="0"/>
+          <a:chExt cx="0" cy="0"/>
+        </a:xfrm>
+      </p:grpSpPr>
+      <p:sp>
+        <p:nvSpPr>
+          <p:cNvPr id="2" name="标题 1"/>
+          <p:cNvSpPr>
+            <a:spLocks noGrp="true"/>
+          </p:cNvSpPr>
+          <p:nvPr>
+            <p:ph type="title"/>
+          </p:nvPr>
+        </p:nvSpPr>
+        <p:spPr/>
+        <p:txBody>
+          <a:bodyPr/>
+          <a:lstStyle/>
+          <a:p>
+            <a:r>
+              <a:rPr lang="zh-CN" altLang="en-US" dirty="0"/>
+              <a:t>演示</a:t>
+            </a:r>
+            <a:endParaRPr lang="zh-CN" altLang="en-US" dirty="0"/>
+          </a:p>
+        </p:txBody>
+      </p:sp>
+      <p:sp>
+        <p:nvSpPr>
+          <p:cNvPr id="3" name="文本占位符 2"/>
+          <p:cNvSpPr>
+            <a:spLocks noGrp="true"/>
+          </p:cNvSpPr>
+          <p:nvPr>
+            <p:ph type="body" idx="1"/>
+          </p:nvPr>
+        </p:nvSpPr>
+        <p:spPr/>
+        <p:txBody>
+          <a:bodyPr/>
+          <a:lstStyle/>
+          <a:p>
+            <a:endParaRPr lang="en-US" dirty="0"/>
+          </a:p>
+        </p:txBody>
+      </p:sp>
+    </p:spTree>
+  </p:cSld>
+  <p:clrMapOvr>
+    <a:masterClrMapping/>
+  </p:clrMapOvr>
+</p:sld>
+</file>
+
 <file path=ppt/slides/slide3.xml><?xml version="1.0" encoding="utf-8"?>
 <p:sld xmlns:a="http://schemas.openxmlformats.org/drawingml/2006/main" xmlns:r="http://schemas.openxmlformats.org/officeDocument/2006/relationships" xmlns:p="http://schemas.openxmlformats.org/presentationml/2006/main">
   <p:cSld>
@@ -9190,17 +9656,17 @@
                 <a:effectLst/>
                 <a:latin typeface="-apple-system"/>
               </a:rPr>
-              <a:t>Secure Shell </a:t>
-            </a:r>
-            <a:r>
-              <a:rPr lang="zh-CN" altLang="en-US" b="0" i="0" dirty="0">
+              <a:t>Secure Shell</a:t>
+            </a:r>
+            <a:r>
+              <a:rPr lang="" altLang="zh-CN" b="0" i="0" dirty="0">
                 <a:solidFill>
                   <a:srgbClr val="4D4D4D"/>
                 </a:solidFill>
                 <a:effectLst/>
                 <a:latin typeface="-apple-system"/>
               </a:rPr>
-              <a:t>缩写，</a:t>
+              <a:t>,</a:t>
             </a:r>
             <a:r>
               <a:rPr lang="en-US" altLang="zh-CN" b="0" i="0" dirty="0" err="1">
@@ -9233,54 +9699,74 @@
               <a:t>Telnet</a:t>
             </a:r>
             <a:r>
-              <a:rPr lang="zh-CN" altLang="en-US" b="0" i="0" dirty="0">
+              <a:rPr lang="" altLang="en-US" b="0" i="0" dirty="0">
                 <a:solidFill>
                   <a:srgbClr val="4D4D4D"/>
                 </a:solidFill>
                 <a:effectLst/>
                 <a:latin typeface="-apple-system"/>
               </a:rPr>
-              <a:t>，也可以为</a:t>
-            </a:r>
-            <a:r>
-              <a:rPr lang="en-US" altLang="zh-CN" b="0" i="0" dirty="0">
+              <a:t>,</a:t>
+            </a:r>
+            <a:r>
+              <a:rPr lang="zh-CN" altLang="en-US" b="0" i="0" dirty="0">
                 <a:solidFill>
                   <a:srgbClr val="4D4D4D"/>
                 </a:solidFill>
                 <a:effectLst/>
                 <a:latin typeface="-apple-system"/>
               </a:rPr>
-              <a:t>FTP</a:t>
-            </a:r>
-            <a:r>
-              <a:rPr lang="zh-CN" altLang="en-US" b="0" i="0" dirty="0">
+              <a:t>也可以为</a:t>
+            </a:r>
+            <a:r>
+              <a:rPr lang="en-US" altLang="zh-CN" b="0" i="0" dirty="0">
                 <a:solidFill>
                   <a:srgbClr val="4D4D4D"/>
                 </a:solidFill>
                 <a:effectLst/>
                 <a:latin typeface="-apple-system"/>
               </a:rPr>
-              <a:t>，</a:t>
-            </a:r>
-            <a:r>
-              <a:rPr lang="en-US" altLang="zh-CN" b="0" i="0" dirty="0">
+              <a:t>FTP</a:t>
+            </a:r>
+            <a:r>
+              <a:rPr lang="" altLang="en-US" b="0" i="0" dirty="0">
                 <a:solidFill>
                   <a:srgbClr val="4D4D4D"/>
                 </a:solidFill>
                 <a:effectLst/>
                 <a:latin typeface="-apple-system"/>
               </a:rPr>
-              <a:t>Pop</a:t>
-            </a:r>
-            <a:r>
-              <a:rPr lang="zh-CN" altLang="en-US" b="0" i="0" dirty="0">
+              <a:t>,</a:t>
+            </a:r>
+            <a:r>
+              <a:rPr lang="en-US" altLang="zh-CN" b="0" i="0" dirty="0">
                 <a:solidFill>
                   <a:srgbClr val="4D4D4D"/>
                 </a:solidFill>
                 <a:effectLst/>
                 <a:latin typeface="-apple-system"/>
               </a:rPr>
-              <a:t>，甚至</a:t>
+              <a:t>Pop</a:t>
+            </a:r>
+            <a:r>
+              <a:rPr lang="" altLang="en-US" b="0" i="0" dirty="0">
+                <a:solidFill>
+                  <a:srgbClr val="4D4D4D"/>
+                </a:solidFill>
+                <a:effectLst/>
+                <a:latin typeface="-apple-system"/>
+              </a:rPr>
+              <a:t>,</a:t>
+            </a:r>
+            <a:r>
+              <a:rPr lang="zh-CN" altLang="en-US" b="0" i="0" dirty="0">
+                <a:solidFill>
+                  <a:srgbClr val="4D4D4D"/>
+                </a:solidFill>
+                <a:effectLst/>
+                <a:latin typeface="-apple-system"/>
+              </a:rPr>
+              <a:t>甚至</a:t>
             </a:r>
             <a:r>
               <a:rPr lang="en-US" altLang="zh-CN" b="0" i="0" dirty="0">
@@ -9825,6 +10311,30 @@
           </a:p>
         </p:txBody>
       </p:sp>
+      <p:pic>
+        <p:nvPicPr>
+          <p:cNvPr id="2" name="Picture 1"/>
+          <p:cNvPicPr>
+            <a:picLocks noChangeAspect="true"/>
+          </p:cNvPicPr>
+          <p:nvPr/>
+        </p:nvPicPr>
+        <p:blipFill>
+          <a:blip r:embed="rId1"/>
+          <a:stretch>
+            <a:fillRect/>
+          </a:stretch>
+        </p:blipFill>
+        <p:spPr>
+          <a:xfrm>
+            <a:off x="1097280" y="4395470"/>
+            <a:ext cx="9121775" cy="433705"/>
+          </a:xfrm>
+          <a:prstGeom prst="rect">
+            <a:avLst/>
+          </a:prstGeom>
+        </p:spPr>
+      </p:pic>
     </p:spTree>
   </p:cSld>
   <p:clrMapOvr>
@@ -9944,7 +10454,88 @@
                 <a:effectLst/>
                 <a:latin typeface="-apple-system"/>
               </a:rPr>
-              <a:t>认证请求，将用户名和密码加密后发送给服务器；服务器将该信息解密后得到用户名和密码的明文，与设备上保存的用户名和密码进行比较，并返回认证成功或失败的消息。</a:t>
+              <a:t>认证请求</a:t>
+            </a:r>
+            <a:r>
+              <a:rPr lang="" altLang="zh-CN" b="0" i="0" dirty="0">
+                <a:solidFill>
+                  <a:srgbClr val="4D4D4D"/>
+                </a:solidFill>
+                <a:effectLst/>
+                <a:latin typeface="-apple-system"/>
+              </a:rPr>
+              <a:t>,</a:t>
+            </a:r>
+            <a:r>
+              <a:rPr lang="zh-CN" altLang="en-US" b="0" i="0" dirty="0">
+                <a:solidFill>
+                  <a:srgbClr val="4D4D4D"/>
+                </a:solidFill>
+                <a:effectLst/>
+                <a:latin typeface="-apple-system"/>
+              </a:rPr>
+              <a:t>将用户名和密码加密后发送给服务器</a:t>
+            </a:r>
+            <a:r>
+              <a:rPr lang="zh-CN" altLang="en-US" dirty="0">
+                <a:solidFill>
+                  <a:srgbClr val="4D4D4D"/>
+                </a:solidFill>
+                <a:effectLst/>
+                <a:latin typeface="-apple-system"/>
+                <a:sym typeface="+mn-ea"/>
+              </a:rPr>
+              <a:t>。</a:t>
+            </a:r>
+            <a:r>
+              <a:rPr lang="zh-CN" altLang="en-US" b="0" i="0" dirty="0">
+                <a:solidFill>
+                  <a:srgbClr val="4D4D4D"/>
+                </a:solidFill>
+                <a:effectLst/>
+                <a:latin typeface="-apple-system"/>
+              </a:rPr>
+              <a:t>服务器将该信息解密后得到用户名和密码的明文</a:t>
+            </a:r>
+            <a:r>
+              <a:rPr lang="" altLang="zh-CN" b="0" i="0" dirty="0">
+                <a:solidFill>
+                  <a:srgbClr val="4D4D4D"/>
+                </a:solidFill>
+                <a:effectLst/>
+                <a:latin typeface="-apple-system"/>
+              </a:rPr>
+              <a:t>,</a:t>
+            </a:r>
+            <a:r>
+              <a:rPr lang="zh-CN" altLang="en-US" b="0" i="0" dirty="0">
+                <a:solidFill>
+                  <a:srgbClr val="4D4D4D"/>
+                </a:solidFill>
+                <a:effectLst/>
+                <a:latin typeface="-apple-system"/>
+              </a:rPr>
+              <a:t>与设备上保存的用户名和密码进行比较</a:t>
+            </a:r>
+            <a:r>
+              <a:rPr lang="" altLang="zh-CN" b="0" i="0" dirty="0">
+                <a:solidFill>
+                  <a:srgbClr val="4D4D4D"/>
+                </a:solidFill>
+                <a:effectLst/>
+                <a:latin typeface="-apple-system"/>
+              </a:rPr>
+              <a:t>,</a:t>
+            </a:r>
+            <a:r>
+              <a:rPr lang="zh-CN" altLang="en-US" b="0" i="0" dirty="0">
+                <a:solidFill>
+                  <a:srgbClr val="4D4D4D"/>
+                </a:solidFill>
+                <a:effectLst/>
+                <a:latin typeface="-apple-system"/>
+              </a:rPr>
+              <a:t>并返回认证成功或失败的消息。</a:t>
             </a:r>
             <a:endParaRPr lang="zh-CN" altLang="en-US" b="0" i="0" dirty="0">
               <a:solidFill>
@@ -10004,7 +10595,7 @@
                 <a:effectLst/>
                 <a:latin typeface="-apple-system"/>
               </a:rPr>
-              <a:t>认证：采用数字签名的方法来认证客户端。目前，设备上可以利用</a:t>
+              <a:t>认证：采用数字签名的方法来认证客户端。目前,设备上可以利用</a:t>
             </a:r>
             <a:r>
               <a:rPr lang="en-US" altLang="zh-CN" b="0" i="0" dirty="0">
@@ -10074,7 +10665,7 @@
                 <a:effectLst/>
                 <a:latin typeface="-apple-system"/>
               </a:rPr>
-              <a:t>认证请求给服务器端。服务器对公钥进行合法性检查，如果不合法，则直接发送失败消息；否则，服务器利用数字签名对客户端进行认证，并返回认证成功或失败的消息</a:t>
+              <a:t>认证请求给服务器端。服务器对公钥进行合法性检查,如果不合法,则直接发送失败消息；否则,服务器利用数字签名对客户端进行认证,并返回认证成功或失败的消息</a:t>
             </a:r>
             <a:endParaRPr lang="zh-CN" altLang="en-US" b="0" i="0" dirty="0">
               <a:solidFill>
@@ -10739,7 +11330,7 @@
                 <a:effectLst/>
                 <a:latin typeface="-apple-system"/>
               </a:rPr>
-              <a:t>不同，</a:t>
+              <a:t>不同,</a:t>
             </a:r>
             <a:r>
               <a:rPr lang="en-US" altLang="zh-CN" b="0" i="0" dirty="0" err="1">
@@ -10759,7 +11350,7 @@
                 <a:effectLst/>
                 <a:latin typeface="-apple-system"/>
               </a:rPr>
-              <a:t>本身没有图形界面，</a:t>
+              <a:t>本身没有图形界面,</a:t>
             </a:r>
             <a:r>
               <a:rPr lang="en-US" altLang="zh-CN" b="0" i="0" dirty="0" err="1">
@@ -10870,7 +11461,7 @@
                 </a:solidFill>
                 <a:latin typeface="-apple-system"/>
               </a:rPr>
-              <a:t>架构，并且</a:t>
+              <a:t>架构,并且</a:t>
             </a:r>
             <a:r>
               <a:rPr lang="zh-CN" altLang="en-US" dirty="0">
@@ -10972,7 +11563,17 @@
                 <a:effectLst/>
                 <a:latin typeface="PingFang SC"/>
               </a:rPr>
-              <a:t>, </a:t>
+              <a:t>,</a:t>
+            </a:r>
+            <a:r>
+              <a:rPr lang="en-US" altLang="zh-CN" b="1" i="0" dirty="0">
+                <a:solidFill>
+                  <a:srgbClr val="000000"/>
+                </a:solidFill>
+                <a:effectLst/>
+                <a:latin typeface="PingFang SC"/>
+              </a:rPr>
+              <a:t> </a:t>
             </a:r>
             <a:r>
               <a:rPr lang="zh-CN" altLang="en-US" b="1" i="0" dirty="0">
